--- a/4DevKatowice2018/MLRevoscale/RevolutionInAnalyticsWitRevoscale.pptx
+++ b/4DevKatowice2018/MLRevoscale/RevolutionInAnalyticsWitRevoscale.pptx
@@ -7,10 +7,10 @@
     <p:sldMasterId id="2147483664" r:id="rId3"/>
   </p:sldMasterIdLst>
   <p:notesMasterIdLst>
-    <p:notesMasterId r:id="rId29"/>
+    <p:notesMasterId r:id="rId30"/>
   </p:notesMasterIdLst>
   <p:handoutMasterIdLst>
-    <p:handoutMasterId r:id="rId30"/>
+    <p:handoutMasterId r:id="rId31"/>
   </p:handoutMasterIdLst>
   <p:sldIdLst>
     <p:sldId id="256" r:id="rId4"/>
@@ -34,10 +34,11 @@
     <p:sldId id="321" r:id="rId22"/>
     <p:sldId id="320" r:id="rId23"/>
     <p:sldId id="322" r:id="rId24"/>
-    <p:sldId id="258" r:id="rId25"/>
-    <p:sldId id="276" r:id="rId26"/>
-    <p:sldId id="286" r:id="rId27"/>
-    <p:sldId id="277" r:id="rId28"/>
+    <p:sldId id="333" r:id="rId25"/>
+    <p:sldId id="258" r:id="rId26"/>
+    <p:sldId id="276" r:id="rId27"/>
+    <p:sldId id="286" r:id="rId28"/>
+    <p:sldId id="277" r:id="rId29"/>
   </p:sldIdLst>
   <p:sldSz cx="12192000" cy="6858000"/>
   <p:notesSz cx="6858000" cy="9144000"/>
@@ -229,7 +230,7 @@
           <a:p>
             <a:fld id="{1E050263-9721-43EF-AC38-28F6115BDD45}" type="datetimeFigureOut">
               <a:rPr lang="en-US" smtClean="0"/>
-              <a:t>10/31/2018</a:t>
+              <a:t>11/6/2018</a:t>
             </a:fld>
             <a:endParaRPr lang="en-US"/>
           </a:p>
@@ -394,7 +395,7 @@
           <a:p>
             <a:fld id="{02790F4D-45E3-4E16-A568-54C3CC6D5229}" type="datetimeFigureOut">
               <a:rPr lang="en-US" smtClean="0"/>
-              <a:t>10/31/2018</a:t>
+              <a:t>11/6/2018</a:t>
             </a:fld>
             <a:endParaRPr lang="en-US"/>
           </a:p>
@@ -705,6 +706,444 @@
           <a:bodyPr/>
           <a:lstStyle/>
           <a:p>
+            <a:r>
+              <a:rPr lang="en-GB" dirty="0" err="1"/>
+              <a:t>Nazywam</a:t>
+            </a:r>
+            <a:r>
+              <a:rPr lang="en-GB" dirty="0"/>
+              <a:t> </a:t>
+            </a:r>
+            <a:r>
+              <a:rPr lang="en-GB" dirty="0" err="1"/>
+              <a:t>sie</a:t>
+            </a:r>
+            <a:r>
+              <a:rPr lang="en-GB" dirty="0"/>
+              <a:t> TK I </a:t>
+            </a:r>
+            <a:r>
+              <a:rPr lang="en-GB" dirty="0" err="1"/>
+              <a:t>nie</a:t>
+            </a:r>
+            <a:r>
+              <a:rPr lang="en-GB" dirty="0"/>
+              <a:t> </a:t>
+            </a:r>
+            <a:r>
+              <a:rPr lang="en-GB" dirty="0" err="1"/>
+              <a:t>jestem</a:t>
+            </a:r>
+            <a:r>
+              <a:rPr lang="en-GB" dirty="0"/>
+              <a:t> Data </a:t>
+            </a:r>
+            <a:r>
+              <a:rPr lang="en-GB" dirty="0" err="1"/>
+              <a:t>Scientista</a:t>
+            </a:r>
+            <a:r>
+              <a:rPr lang="en-GB" dirty="0"/>
+              <a:t> –</a:t>
+            </a:r>
+            <a:r>
+              <a:rPr lang="en-GB" dirty="0" err="1"/>
+              <a:t>aktualnie</a:t>
+            </a:r>
+            <a:r>
+              <a:rPr lang="en-GB" dirty="0"/>
+              <a:t> </a:t>
+            </a:r>
+            <a:r>
+              <a:rPr lang="en-GB" dirty="0" err="1"/>
+              <a:t>wsplpracuje</a:t>
+            </a:r>
+            <a:r>
+              <a:rPr lang="en-GB" dirty="0"/>
+              <a:t> z </a:t>
+            </a:r>
+            <a:r>
+              <a:rPr lang="en-GB" dirty="0" err="1"/>
+              <a:t>firma</a:t>
+            </a:r>
+            <a:r>
+              <a:rPr lang="en-GB" dirty="0"/>
+              <a:t> FP w </a:t>
+            </a:r>
+            <a:r>
+              <a:rPr lang="en-GB" dirty="0" err="1"/>
+              <a:t>takiej</a:t>
+            </a:r>
+            <a:r>
+              <a:rPr lang="en-GB" dirty="0"/>
+              <a:t> </a:t>
+            </a:r>
+            <a:r>
+              <a:rPr lang="en-GB" dirty="0" err="1"/>
+              <a:t>komorce</a:t>
+            </a:r>
+            <a:r>
+              <a:rPr lang="en-GB" dirty="0"/>
+              <a:t> </a:t>
+            </a:r>
+            <a:r>
+              <a:rPr lang="en-GB" dirty="0" err="1"/>
+              <a:t>ktora</a:t>
+            </a:r>
+            <a:r>
+              <a:rPr lang="en-GB" dirty="0"/>
+              <a:t> </a:t>
+            </a:r>
+            <a:r>
+              <a:rPr lang="en-GB" dirty="0" err="1"/>
+              <a:t>nazywa</a:t>
+            </a:r>
+            <a:r>
+              <a:rPr lang="en-GB" dirty="0"/>
+              <a:t> </a:t>
+            </a:r>
+            <a:r>
+              <a:rPr lang="en-GB" dirty="0" err="1"/>
+              <a:t>sie</a:t>
+            </a:r>
+            <a:r>
+              <a:rPr lang="en-GB" dirty="0"/>
+              <a:t> Data Solution</a:t>
+            </a:r>
+          </a:p>
+          <a:p>
+            <a:r>
+              <a:rPr lang="en-GB" dirty="0"/>
+              <a:t>– </a:t>
+            </a:r>
+            <a:r>
+              <a:rPr lang="en-GB" dirty="0" err="1"/>
+              <a:t>jak</a:t>
+            </a:r>
+            <a:r>
+              <a:rPr lang="en-GB" dirty="0"/>
+              <a:t> </a:t>
+            </a:r>
+            <a:r>
+              <a:rPr lang="en-GB" dirty="0" err="1"/>
+              <a:t>moje</a:t>
+            </a:r>
+            <a:r>
+              <a:rPr lang="en-GB" dirty="0"/>
+              <a:t> </a:t>
+            </a:r>
+            <a:r>
+              <a:rPr lang="en-GB" dirty="0" err="1"/>
+              <a:t>córki</a:t>
+            </a:r>
+            <a:r>
+              <a:rPr lang="en-GB" dirty="0"/>
+              <a:t> </a:t>
+            </a:r>
+            <a:r>
+              <a:rPr lang="en-GB" dirty="0" err="1"/>
+              <a:t>pyta</a:t>
+            </a:r>
+            <a:r>
+              <a:rPr lang="en-GB" dirty="0"/>
+              <a:t> co </a:t>
+            </a:r>
+            <a:r>
+              <a:rPr lang="en-GB" dirty="0" err="1"/>
+              <a:t>robie</a:t>
+            </a:r>
+            <a:r>
+              <a:rPr lang="en-GB" dirty="0"/>
+              <a:t> to </a:t>
+            </a:r>
+            <a:r>
+              <a:rPr lang="en-GB" dirty="0" err="1"/>
+              <a:t>mowie</a:t>
+            </a:r>
+            <a:r>
+              <a:rPr lang="en-GB" dirty="0"/>
+              <a:t> ze </a:t>
+            </a:r>
+            <a:r>
+              <a:rPr lang="en-GB" dirty="0" err="1"/>
+              <a:t>bawie</a:t>
+            </a:r>
+            <a:r>
+              <a:rPr lang="en-GB" dirty="0"/>
+              <a:t> </a:t>
+            </a:r>
+            <a:r>
+              <a:rPr lang="en-GB" dirty="0" err="1"/>
+              <a:t>sie</a:t>
+            </a:r>
+            <a:r>
+              <a:rPr lang="en-GB" dirty="0"/>
+              <a:t> </a:t>
+            </a:r>
+            <a:r>
+              <a:rPr lang="en-GB" dirty="0" err="1"/>
+              <a:t>chmura</a:t>
+            </a:r>
+            <a:r>
+              <a:rPr lang="en-GB" dirty="0"/>
+              <a:t> a </a:t>
+            </a:r>
+            <a:r>
+              <a:rPr lang="en-GB" dirty="0" err="1"/>
+              <a:t>dokladaniej</a:t>
+            </a:r>
+            <a:r>
+              <a:rPr lang="en-GB" dirty="0"/>
+              <a:t> </a:t>
+            </a:r>
+            <a:r>
+              <a:rPr lang="en-GB" dirty="0" err="1"/>
+              <a:t>zajmuje</a:t>
+            </a:r>
+            <a:r>
+              <a:rPr lang="en-GB" dirty="0"/>
+              <a:t> </a:t>
+            </a:r>
+            <a:r>
+              <a:rPr lang="en-GB" dirty="0" err="1"/>
+              <a:t>sie</a:t>
+            </a:r>
+            <a:r>
+              <a:rPr lang="en-GB" dirty="0"/>
+              <a:t> </a:t>
+            </a:r>
+            <a:r>
+              <a:rPr lang="en-GB" dirty="0" err="1"/>
+              <a:t>przetwarzaniem</a:t>
+            </a:r>
+            <a:r>
+              <a:rPr lang="en-GB" dirty="0"/>
+              <a:t> </a:t>
+            </a:r>
+            <a:r>
+              <a:rPr lang="en-GB" dirty="0" err="1"/>
+              <a:t>duzych</a:t>
+            </a:r>
+            <a:r>
+              <a:rPr lang="en-GB" dirty="0"/>
+              <a:t> </a:t>
+            </a:r>
+            <a:r>
+              <a:rPr lang="en-GB" dirty="0" err="1"/>
+              <a:t>zbiorow</a:t>
+            </a:r>
+            <a:r>
+              <a:rPr lang="en-GB" dirty="0"/>
+              <a:t> </a:t>
+            </a:r>
+            <a:r>
+              <a:rPr lang="en-GB" dirty="0" err="1"/>
+              <a:t>danych</a:t>
+            </a:r>
+            <a:r>
+              <a:rPr lang="en-GB" dirty="0"/>
+              <a:t> w </a:t>
+            </a:r>
+            <a:r>
+              <a:rPr lang="en-GB" dirty="0" err="1"/>
+              <a:t>chmurze</a:t>
+            </a:r>
+            <a:r>
+              <a:rPr lang="en-GB" dirty="0"/>
+              <a:t> Azure</a:t>
+            </a:r>
+          </a:p>
+          <a:p>
+            <a:r>
+              <a:rPr lang="en-GB" dirty="0" err="1"/>
+              <a:t>Dzis</a:t>
+            </a:r>
+            <a:r>
+              <a:rPr lang="en-GB" dirty="0"/>
+              <a:t> </a:t>
+            </a:r>
+            <a:r>
+              <a:rPr lang="en-GB" dirty="0" err="1"/>
+              <a:t>chcialbym</a:t>
+            </a:r>
+            <a:r>
+              <a:rPr lang="en-GB" dirty="0"/>
+              <a:t> </a:t>
+            </a:r>
+            <a:r>
+              <a:rPr lang="en-GB" dirty="0" err="1"/>
+              <a:t>Wam</a:t>
+            </a:r>
+            <a:r>
+              <a:rPr lang="en-GB" dirty="0"/>
+              <a:t> </a:t>
+            </a:r>
+            <a:r>
+              <a:rPr lang="en-GB" dirty="0" err="1"/>
+              <a:t>odpowiedziec</a:t>
+            </a:r>
+            <a:r>
+              <a:rPr lang="en-GB" dirty="0"/>
+              <a:t> I </a:t>
+            </a:r>
+            <a:r>
+              <a:rPr lang="en-GB" dirty="0" err="1"/>
+              <a:t>pokazac</a:t>
+            </a:r>
+            <a:r>
+              <a:rPr lang="en-GB" dirty="0"/>
+              <a:t> </a:t>
+            </a:r>
+            <a:r>
+              <a:rPr lang="en-GB" dirty="0" err="1"/>
+              <a:t>procesy</a:t>
+            </a:r>
+            <a:r>
+              <a:rPr lang="en-GB" dirty="0"/>
+              <a:t> </a:t>
+            </a:r>
+            <a:r>
+              <a:rPr lang="en-GB" dirty="0" err="1"/>
+              <a:t>zwizane</a:t>
+            </a:r>
+            <a:r>
+              <a:rPr lang="en-GB" dirty="0"/>
+              <a:t> z DS </a:t>
+            </a:r>
+            <a:r>
+              <a:rPr lang="en-GB" dirty="0" err="1"/>
+              <a:t>oraz</a:t>
+            </a:r>
+            <a:r>
+              <a:rPr lang="en-GB" dirty="0"/>
+              <a:t> ML z troche </a:t>
+            </a:r>
+            <a:r>
+              <a:rPr lang="en-GB" dirty="0" err="1"/>
+              <a:t>innej</a:t>
+            </a:r>
+            <a:r>
+              <a:rPr lang="en-GB" dirty="0"/>
+              <a:t> </a:t>
+            </a:r>
+            <a:r>
+              <a:rPr lang="en-GB" dirty="0" err="1"/>
+              <a:t>strony</a:t>
+            </a:r>
+            <a:r>
+              <a:rPr lang="en-GB" dirty="0"/>
+              <a:t> – </a:t>
+            </a:r>
+            <a:r>
+              <a:rPr lang="en-GB" dirty="0" err="1"/>
+              <a:t>tzn</a:t>
+            </a:r>
+            <a:r>
+              <a:rPr lang="en-GB" dirty="0"/>
+              <a:t> o </a:t>
+            </a:r>
+            <a:r>
+              <a:rPr lang="en-GB" dirty="0" err="1"/>
+              <a:t>strony</a:t>
+            </a:r>
+            <a:r>
+              <a:rPr lang="en-GB" dirty="0"/>
+              <a:t> </a:t>
+            </a:r>
+            <a:r>
+              <a:rPr lang="en-GB" dirty="0" err="1"/>
+              <a:t>developera</a:t>
+            </a:r>
+            <a:r>
+              <a:rPr lang="en-GB" dirty="0"/>
+              <a:t>, </a:t>
+            </a:r>
+            <a:r>
+              <a:rPr lang="en-GB" dirty="0" err="1"/>
+              <a:t>ktory</a:t>
+            </a:r>
+            <a:r>
+              <a:rPr lang="en-GB" dirty="0"/>
+              <a:t> </a:t>
+            </a:r>
+            <a:r>
+              <a:rPr lang="en-GB" dirty="0" err="1"/>
+              <a:t>nie</a:t>
+            </a:r>
+            <a:r>
+              <a:rPr lang="en-GB" dirty="0"/>
+              <a:t> </a:t>
+            </a:r>
+            <a:r>
+              <a:rPr lang="en-GB" dirty="0" err="1"/>
+              <a:t>zna</a:t>
+            </a:r>
+            <a:r>
+              <a:rPr lang="en-GB" dirty="0"/>
+              <a:t> ML I </a:t>
+            </a:r>
+            <a:r>
+              <a:rPr lang="en-GB" dirty="0" err="1"/>
+              <a:t>nagle</a:t>
+            </a:r>
+            <a:r>
+              <a:rPr lang="en-GB" dirty="0"/>
+              <a:t> </a:t>
+            </a:r>
+            <a:r>
+              <a:rPr lang="en-GB" dirty="0" err="1"/>
+              <a:t>musi</a:t>
+            </a:r>
+            <a:r>
+              <a:rPr lang="en-GB" dirty="0"/>
+              <a:t> cos </a:t>
+            </a:r>
+            <a:r>
+              <a:rPr lang="en-GB" dirty="0" err="1"/>
+              <a:t>zrobic</a:t>
+            </a:r>
+            <a:r>
+              <a:rPr lang="en-GB" dirty="0"/>
+              <a:t> </a:t>
+            </a:r>
+          </a:p>
+          <a:p>
+            <a:r>
+              <a:rPr lang="en-GB" dirty="0"/>
+              <a:t>Z </a:t>
+            </a:r>
+            <a:r>
+              <a:rPr lang="en-GB" dirty="0" err="1"/>
+              <a:t>aplikacja</a:t>
+            </a:r>
+            <a:r>
+              <a:rPr lang="en-GB" dirty="0"/>
+              <a:t> </a:t>
+            </a:r>
+            <a:r>
+              <a:rPr lang="en-GB" dirty="0" err="1"/>
+              <a:t>tak</a:t>
+            </a:r>
+            <a:r>
+              <a:rPr lang="en-GB" dirty="0"/>
+              <a:t> aby </a:t>
+            </a:r>
+            <a:r>
+              <a:rPr lang="en-GB" dirty="0" err="1"/>
+              <a:t>tego</a:t>
+            </a:r>
+            <a:r>
+              <a:rPr lang="en-GB" dirty="0"/>
+              <a:t> ML </a:t>
+            </a:r>
+            <a:r>
+              <a:rPr lang="en-GB" dirty="0" err="1"/>
+              <a:t>wdrozyc</a:t>
+            </a:r>
+            <a:r>
+              <a:rPr lang="en-GB" dirty="0"/>
+              <a:t> </a:t>
+            </a:r>
             <a:endParaRPr lang="pl-PL" dirty="0"/>
           </a:p>
         </p:txBody>
@@ -726,7 +1165,7 @@
           <a:p>
             <a:fld id="{55992286-4AA4-4E55-98B6-FFAF34B74A40}" type="slidenum">
               <a:rPr lang="en-US" smtClean="0"/>
-              <a:t>6</a:t>
+              <a:t>1</a:t>
             </a:fld>
             <a:endParaRPr lang="en-US"/>
           </a:p>
@@ -735,7 +1174,2357 @@
     </p:spTree>
     <p:extLst>
       <p:ext uri="{BB962C8B-B14F-4D97-AF65-F5344CB8AC3E}">
-        <p14:creationId xmlns:p14="http://schemas.microsoft.com/office/powerpoint/2010/main" val="184533582"/>
+        <p14:creationId xmlns:p14="http://schemas.microsoft.com/office/powerpoint/2010/main" val="3763711427"/>
+      </p:ext>
+    </p:extLst>
+  </p:cSld>
+  <p:clrMapOvr>
+    <a:masterClrMapping/>
+  </p:clrMapOvr>
+</p:notes>
+</file>
+
+<file path=ppt/notesSlides/notesSlide10.xml><?xml version="1.0" encoding="utf-8"?>
+<p:notes xmlns:a="http://schemas.openxmlformats.org/drawingml/2006/main" xmlns:r="http://schemas.openxmlformats.org/officeDocument/2006/relationships" xmlns:p="http://schemas.openxmlformats.org/presentationml/2006/main">
+  <p:cSld>
+    <p:spTree>
+      <p:nvGrpSpPr>
+        <p:cNvPr id="1" name=""/>
+        <p:cNvGrpSpPr/>
+        <p:nvPr/>
+      </p:nvGrpSpPr>
+      <p:grpSpPr>
+        <a:xfrm>
+          <a:off x="0" y="0"/>
+          <a:ext cx="0" cy="0"/>
+          <a:chOff x="0" y="0"/>
+          <a:chExt cx="0" cy="0"/>
+        </a:xfrm>
+      </p:grpSpPr>
+      <p:sp>
+        <p:nvSpPr>
+          <p:cNvPr id="2" name="Slide Image Placeholder 1"/>
+          <p:cNvSpPr>
+            <a:spLocks noGrp="1" noRot="1" noChangeAspect="1"/>
+          </p:cNvSpPr>
+          <p:nvPr>
+            <p:ph type="sldImg"/>
+          </p:nvPr>
+        </p:nvSpPr>
+        <p:spPr/>
+      </p:sp>
+      <p:sp>
+        <p:nvSpPr>
+          <p:cNvPr id="3" name="Notes Placeholder 2"/>
+          <p:cNvSpPr>
+            <a:spLocks noGrp="1"/>
+          </p:cNvSpPr>
+          <p:nvPr>
+            <p:ph type="body" idx="1"/>
+          </p:nvPr>
+        </p:nvSpPr>
+        <p:spPr/>
+        <p:txBody>
+          <a:bodyPr/>
+          <a:lstStyle/>
+          <a:p>
+            <a:r>
+              <a:rPr lang="en-GB" dirty="0" err="1"/>
+              <a:t>Tak</a:t>
+            </a:r>
+            <a:r>
+              <a:rPr lang="en-GB" dirty="0"/>
+              <a:t>, Microsoft </a:t>
+            </a:r>
+            <a:r>
+              <a:rPr lang="en-GB" dirty="0" err="1"/>
+              <a:t>dodwal</a:t>
+            </a:r>
+            <a:r>
+              <a:rPr lang="en-GB" dirty="0"/>
+              <a:t> </a:t>
+            </a:r>
+            <a:r>
+              <a:rPr lang="en-GB" dirty="0" err="1"/>
+              <a:t>Jave</a:t>
+            </a:r>
+            <a:r>
+              <a:rPr lang="en-GB" dirty="0"/>
+              <a:t> </a:t>
+            </a:r>
+            <a:r>
+              <a:rPr lang="en-GB" dirty="0" err="1"/>
+              <a:t>oraz</a:t>
+            </a:r>
+            <a:r>
+              <a:rPr lang="en-GB" dirty="0"/>
+              <a:t> </a:t>
+            </a:r>
+            <a:r>
+              <a:rPr lang="en-GB" dirty="0" err="1"/>
+              <a:t>Sparka</a:t>
+            </a:r>
+            <a:r>
+              <a:rPr lang="en-GB" dirty="0"/>
+              <a:t> do SQL Server – </a:t>
+            </a:r>
+            <a:r>
+              <a:rPr lang="en-GB" dirty="0" err="1"/>
+              <a:t>brzmi</a:t>
+            </a:r>
+            <a:r>
+              <a:rPr lang="en-GB" dirty="0"/>
+              <a:t> to troche </a:t>
+            </a:r>
+            <a:r>
+              <a:rPr lang="en-GB" dirty="0" err="1"/>
+              <a:t>niewiarygodnie</a:t>
+            </a:r>
+            <a:r>
+              <a:rPr lang="en-GB" dirty="0"/>
+              <a:t> ale to </a:t>
+            </a:r>
+            <a:r>
+              <a:rPr lang="en-GB" dirty="0" err="1"/>
+              <a:t>prawda</a:t>
+            </a:r>
+            <a:r>
+              <a:rPr lang="en-GB" dirty="0"/>
+              <a:t>. </a:t>
+            </a:r>
+            <a:r>
+              <a:rPr lang="en-GB" dirty="0" err="1"/>
+              <a:t>Ciekawe</a:t>
+            </a:r>
+            <a:r>
+              <a:rPr lang="en-GB" dirty="0"/>
+              <a:t> co </a:t>
+            </a:r>
+            <a:r>
+              <a:rPr lang="en-GB" dirty="0" err="1"/>
+              <a:t>bedzie</a:t>
+            </a:r>
+            <a:r>
+              <a:rPr lang="en-GB" dirty="0"/>
+              <a:t> </a:t>
+            </a:r>
+            <a:r>
+              <a:rPr lang="en-GB" dirty="0" err="1"/>
+              <a:t>dalej</a:t>
+            </a:r>
+            <a:r>
+              <a:rPr lang="en-GB" dirty="0"/>
+              <a:t>?</a:t>
+            </a:r>
+            <a:endParaRPr lang="pl-PL" dirty="0"/>
+          </a:p>
+        </p:txBody>
+      </p:sp>
+      <p:sp>
+        <p:nvSpPr>
+          <p:cNvPr id="4" name="Slide Number Placeholder 3"/>
+          <p:cNvSpPr>
+            <a:spLocks noGrp="1"/>
+          </p:cNvSpPr>
+          <p:nvPr>
+            <p:ph type="sldNum" sz="quarter" idx="5"/>
+          </p:nvPr>
+        </p:nvSpPr>
+        <p:spPr/>
+        <p:txBody>
+          <a:bodyPr/>
+          <a:lstStyle/>
+          <a:p>
+            <a:fld id="{55992286-4AA4-4E55-98B6-FFAF34B74A40}" type="slidenum">
+              <a:rPr lang="en-US" smtClean="0"/>
+              <a:t>10</a:t>
+            </a:fld>
+            <a:endParaRPr lang="en-US"/>
+          </a:p>
+        </p:txBody>
+      </p:sp>
+    </p:spTree>
+    <p:extLst>
+      <p:ext uri="{BB962C8B-B14F-4D97-AF65-F5344CB8AC3E}">
+        <p14:creationId xmlns:p14="http://schemas.microsoft.com/office/powerpoint/2010/main" val="1871703449"/>
+      </p:ext>
+    </p:extLst>
+  </p:cSld>
+  <p:clrMapOvr>
+    <a:masterClrMapping/>
+  </p:clrMapOvr>
+</p:notes>
+</file>
+
+<file path=ppt/notesSlides/notesSlide11.xml><?xml version="1.0" encoding="utf-8"?>
+<p:notes xmlns:a="http://schemas.openxmlformats.org/drawingml/2006/main" xmlns:r="http://schemas.openxmlformats.org/officeDocument/2006/relationships" xmlns:p="http://schemas.openxmlformats.org/presentationml/2006/main">
+  <p:cSld>
+    <p:spTree>
+      <p:nvGrpSpPr>
+        <p:cNvPr id="1" name=""/>
+        <p:cNvGrpSpPr/>
+        <p:nvPr/>
+      </p:nvGrpSpPr>
+      <p:grpSpPr>
+        <a:xfrm>
+          <a:off x="0" y="0"/>
+          <a:ext cx="0" cy="0"/>
+          <a:chOff x="0" y="0"/>
+          <a:chExt cx="0" cy="0"/>
+        </a:xfrm>
+      </p:grpSpPr>
+      <p:sp>
+        <p:nvSpPr>
+          <p:cNvPr id="2" name="Slide Image Placeholder 1"/>
+          <p:cNvSpPr>
+            <a:spLocks noGrp="1" noRot="1" noChangeAspect="1"/>
+          </p:cNvSpPr>
+          <p:nvPr>
+            <p:ph type="sldImg"/>
+          </p:nvPr>
+        </p:nvSpPr>
+        <p:spPr/>
+      </p:sp>
+      <p:sp>
+        <p:nvSpPr>
+          <p:cNvPr id="3" name="Notes Placeholder 2"/>
+          <p:cNvSpPr>
+            <a:spLocks noGrp="1"/>
+          </p:cNvSpPr>
+          <p:nvPr>
+            <p:ph type="body" idx="1"/>
+          </p:nvPr>
+        </p:nvSpPr>
+        <p:spPr/>
+        <p:txBody>
+          <a:bodyPr/>
+          <a:lstStyle/>
+          <a:p>
+            <a:r>
+              <a:rPr lang="en-GB" dirty="0"/>
+              <a:t>Ale </a:t>
+            </a:r>
+            <a:r>
+              <a:rPr lang="en-GB" dirty="0" err="1"/>
+              <a:t>rozwiazanie</a:t>
+            </a:r>
+            <a:r>
+              <a:rPr lang="en-GB" dirty="0"/>
+              <a:t> </a:t>
+            </a:r>
+            <a:r>
+              <a:rPr lang="en-GB" dirty="0" err="1"/>
+              <a:t>zaproponowane</a:t>
+            </a:r>
+            <a:r>
+              <a:rPr lang="en-GB" dirty="0"/>
+              <a:t> </a:t>
+            </a:r>
+            <a:r>
+              <a:rPr lang="en-GB" dirty="0" err="1"/>
+              <a:t>przez</a:t>
+            </a:r>
+            <a:r>
+              <a:rPr lang="en-GB" dirty="0"/>
+              <a:t> Revolution Analytics I </a:t>
+            </a:r>
+            <a:r>
+              <a:rPr lang="en-GB" dirty="0" err="1"/>
+              <a:t>zaadoptowane</a:t>
+            </a:r>
+            <a:r>
+              <a:rPr lang="en-GB" dirty="0"/>
+              <a:t> </a:t>
+            </a:r>
+            <a:r>
+              <a:rPr lang="en-GB" dirty="0" err="1"/>
+              <a:t>przez</a:t>
+            </a:r>
+            <a:r>
+              <a:rPr lang="en-GB" dirty="0"/>
+              <a:t> Microsoft to </a:t>
+            </a:r>
+            <a:r>
+              <a:rPr lang="en-GB" dirty="0" err="1"/>
+              <a:t>nie</a:t>
+            </a:r>
+            <a:r>
+              <a:rPr lang="en-GB" dirty="0"/>
+              <a:t> </a:t>
+            </a:r>
+            <a:r>
+              <a:rPr lang="en-GB" dirty="0" err="1"/>
+              <a:t>tylko</a:t>
+            </a:r>
+            <a:r>
+              <a:rPr lang="en-GB" dirty="0"/>
+              <a:t> SQL Server</a:t>
+            </a:r>
+          </a:p>
+          <a:p>
+            <a:r>
+              <a:rPr lang="en-GB" dirty="0"/>
+              <a:t>My </a:t>
+            </a:r>
+            <a:r>
+              <a:rPr lang="en-GB" dirty="0" err="1"/>
+              <a:t>dziś</a:t>
+            </a:r>
+            <a:r>
+              <a:rPr lang="en-GB" dirty="0"/>
+              <a:t> </a:t>
+            </a:r>
+            <a:r>
+              <a:rPr lang="en-GB" dirty="0" err="1"/>
+              <a:t>się</a:t>
+            </a:r>
+            <a:r>
+              <a:rPr lang="en-GB" dirty="0"/>
+              <a:t> </a:t>
+            </a:r>
+            <a:r>
+              <a:rPr lang="en-GB" dirty="0" err="1"/>
+              <a:t>skupimy</a:t>
+            </a:r>
+            <a:r>
+              <a:rPr lang="en-GB" dirty="0"/>
+              <a:t> </a:t>
+            </a:r>
+            <a:r>
+              <a:rPr lang="en-GB" dirty="0" err="1"/>
+              <a:t>na</a:t>
+            </a:r>
+            <a:r>
+              <a:rPr lang="en-GB" dirty="0"/>
+              <a:t> SQL Server </a:t>
+            </a:r>
+            <a:r>
+              <a:rPr lang="en-GB" dirty="0" err="1"/>
+              <a:t>oraz</a:t>
+            </a:r>
+            <a:r>
+              <a:rPr lang="en-GB" dirty="0"/>
+              <a:t> </a:t>
+            </a:r>
+            <a:r>
+              <a:rPr lang="en-GB" dirty="0" err="1"/>
+              <a:t>integracji</a:t>
+            </a:r>
+            <a:r>
+              <a:rPr lang="en-GB" dirty="0"/>
+              <a:t> SQL Server z R </a:t>
+            </a:r>
+            <a:r>
+              <a:rPr lang="en-GB" dirty="0" err="1"/>
+              <a:t>i</a:t>
+            </a:r>
+            <a:r>
+              <a:rPr lang="en-GB" dirty="0"/>
+              <a:t> Python</a:t>
+            </a:r>
+            <a:endParaRPr lang="pl-PL" dirty="0"/>
+          </a:p>
+        </p:txBody>
+      </p:sp>
+      <p:sp>
+        <p:nvSpPr>
+          <p:cNvPr id="4" name="Slide Number Placeholder 3"/>
+          <p:cNvSpPr>
+            <a:spLocks noGrp="1"/>
+          </p:cNvSpPr>
+          <p:nvPr>
+            <p:ph type="sldNum" sz="quarter" idx="5"/>
+          </p:nvPr>
+        </p:nvSpPr>
+        <p:spPr/>
+        <p:txBody>
+          <a:bodyPr/>
+          <a:lstStyle/>
+          <a:p>
+            <a:fld id="{55992286-4AA4-4E55-98B6-FFAF34B74A40}" type="slidenum">
+              <a:rPr lang="en-US" smtClean="0"/>
+              <a:t>11</a:t>
+            </a:fld>
+            <a:endParaRPr lang="en-US"/>
+          </a:p>
+        </p:txBody>
+      </p:sp>
+    </p:spTree>
+    <p:extLst>
+      <p:ext uri="{BB962C8B-B14F-4D97-AF65-F5344CB8AC3E}">
+        <p14:creationId xmlns:p14="http://schemas.microsoft.com/office/powerpoint/2010/main" val="346995"/>
+      </p:ext>
+    </p:extLst>
+  </p:cSld>
+  <p:clrMapOvr>
+    <a:masterClrMapping/>
+  </p:clrMapOvr>
+</p:notes>
+</file>
+
+<file path=ppt/notesSlides/notesSlide12.xml><?xml version="1.0" encoding="utf-8"?>
+<p:notes xmlns:a="http://schemas.openxmlformats.org/drawingml/2006/main" xmlns:r="http://schemas.openxmlformats.org/officeDocument/2006/relationships" xmlns:p="http://schemas.openxmlformats.org/presentationml/2006/main">
+  <p:cSld>
+    <p:spTree>
+      <p:nvGrpSpPr>
+        <p:cNvPr id="1" name=""/>
+        <p:cNvGrpSpPr/>
+        <p:nvPr/>
+      </p:nvGrpSpPr>
+      <p:grpSpPr>
+        <a:xfrm>
+          <a:off x="0" y="0"/>
+          <a:ext cx="0" cy="0"/>
+          <a:chOff x="0" y="0"/>
+          <a:chExt cx="0" cy="0"/>
+        </a:xfrm>
+      </p:grpSpPr>
+      <p:sp>
+        <p:nvSpPr>
+          <p:cNvPr id="2" name="Slide Image Placeholder 1"/>
+          <p:cNvSpPr>
+            <a:spLocks noGrp="1" noRot="1" noChangeAspect="1"/>
+          </p:cNvSpPr>
+          <p:nvPr>
+            <p:ph type="sldImg"/>
+          </p:nvPr>
+        </p:nvSpPr>
+        <p:spPr/>
+      </p:sp>
+      <p:sp>
+        <p:nvSpPr>
+          <p:cNvPr id="3" name="Notes Placeholder 2"/>
+          <p:cNvSpPr>
+            <a:spLocks noGrp="1"/>
+          </p:cNvSpPr>
+          <p:nvPr>
+            <p:ph type="body" idx="1"/>
+          </p:nvPr>
+        </p:nvSpPr>
+        <p:spPr/>
+        <p:txBody>
+          <a:bodyPr/>
+          <a:lstStyle/>
+          <a:p>
+            <a:r>
+              <a:rPr lang="en-GB" dirty="0" err="1"/>
+              <a:t>Jak</a:t>
+            </a:r>
+            <a:r>
+              <a:rPr lang="en-GB" dirty="0"/>
+              <a:t> </a:t>
+            </a:r>
+            <a:r>
+              <a:rPr lang="en-GB" dirty="0" err="1"/>
+              <a:t>zainstalowac</a:t>
+            </a:r>
+            <a:r>
+              <a:rPr lang="en-GB" dirty="0"/>
+              <a:t> – </a:t>
+            </a:r>
+            <a:r>
+              <a:rPr lang="en-GB" dirty="0" err="1"/>
+              <a:t>przy</a:t>
+            </a:r>
+            <a:r>
+              <a:rPr lang="en-GB" dirty="0"/>
+              <a:t> </a:t>
+            </a:r>
+            <a:r>
+              <a:rPr lang="en-GB" dirty="0" err="1"/>
+              <a:t>instalacji</a:t>
+            </a:r>
+            <a:r>
+              <a:rPr lang="en-GB" dirty="0"/>
+              <a:t> </a:t>
+            </a:r>
+            <a:r>
+              <a:rPr lang="en-GB" dirty="0" err="1"/>
+              <a:t>wybieramy</a:t>
+            </a:r>
+            <a:r>
+              <a:rPr lang="en-GB" dirty="0"/>
+              <a:t> Machine </a:t>
+            </a:r>
+            <a:r>
+              <a:rPr lang="en-GB" dirty="0" err="1"/>
+              <a:t>Learnig</a:t>
+            </a:r>
+            <a:r>
+              <a:rPr lang="en-GB" dirty="0"/>
+              <a:t> Services In DB (R </a:t>
+            </a:r>
+            <a:r>
+              <a:rPr lang="en-GB" dirty="0" err="1"/>
+              <a:t>i</a:t>
+            </a:r>
+            <a:r>
+              <a:rPr lang="en-GB" dirty="0"/>
+              <a:t> Python)</a:t>
+            </a:r>
+          </a:p>
+          <a:p>
+            <a:r>
+              <a:rPr lang="en-GB" dirty="0"/>
+              <a:t>Co jest </a:t>
+            </a:r>
+            <a:r>
+              <a:rPr lang="en-GB" dirty="0" err="1"/>
+              <a:t>instalowane</a:t>
+            </a:r>
+            <a:r>
+              <a:rPr lang="en-GB" dirty="0"/>
+              <a:t> R Services (Server)+Python </a:t>
+            </a:r>
+            <a:r>
+              <a:rPr lang="en-GB" dirty="0" err="1"/>
+              <a:t>Anacnda</a:t>
+            </a:r>
+            <a:r>
+              <a:rPr lang="en-GB" dirty="0"/>
+              <a:t> </a:t>
+            </a:r>
+            <a:endParaRPr lang="pl-PL" dirty="0"/>
+          </a:p>
+        </p:txBody>
+      </p:sp>
+      <p:sp>
+        <p:nvSpPr>
+          <p:cNvPr id="4" name="Slide Number Placeholder 3"/>
+          <p:cNvSpPr>
+            <a:spLocks noGrp="1"/>
+          </p:cNvSpPr>
+          <p:nvPr>
+            <p:ph type="sldNum" sz="quarter" idx="5"/>
+          </p:nvPr>
+        </p:nvSpPr>
+        <p:spPr/>
+        <p:txBody>
+          <a:bodyPr/>
+          <a:lstStyle/>
+          <a:p>
+            <a:fld id="{55992286-4AA4-4E55-98B6-FFAF34B74A40}" type="slidenum">
+              <a:rPr lang="en-US" smtClean="0"/>
+              <a:t>12</a:t>
+            </a:fld>
+            <a:endParaRPr lang="en-US"/>
+          </a:p>
+        </p:txBody>
+      </p:sp>
+    </p:spTree>
+    <p:extLst>
+      <p:ext uri="{BB962C8B-B14F-4D97-AF65-F5344CB8AC3E}">
+        <p14:creationId xmlns:p14="http://schemas.microsoft.com/office/powerpoint/2010/main" val="1949415868"/>
+      </p:ext>
+    </p:extLst>
+  </p:cSld>
+  <p:clrMapOvr>
+    <a:masterClrMapping/>
+  </p:clrMapOvr>
+</p:notes>
+</file>
+
+<file path=ppt/notesSlides/notesSlide13.xml><?xml version="1.0" encoding="utf-8"?>
+<p:notes xmlns:a="http://schemas.openxmlformats.org/drawingml/2006/main" xmlns:r="http://schemas.openxmlformats.org/officeDocument/2006/relationships" xmlns:p="http://schemas.openxmlformats.org/presentationml/2006/main">
+  <p:cSld>
+    <p:spTree>
+      <p:nvGrpSpPr>
+        <p:cNvPr id="1" name=""/>
+        <p:cNvGrpSpPr/>
+        <p:nvPr/>
+      </p:nvGrpSpPr>
+      <p:grpSpPr>
+        <a:xfrm>
+          <a:off x="0" y="0"/>
+          <a:ext cx="0" cy="0"/>
+          <a:chOff x="0" y="0"/>
+          <a:chExt cx="0" cy="0"/>
+        </a:xfrm>
+      </p:grpSpPr>
+      <p:sp>
+        <p:nvSpPr>
+          <p:cNvPr id="2" name="Slide Image Placeholder 1"/>
+          <p:cNvSpPr>
+            <a:spLocks noGrp="1" noRot="1" noChangeAspect="1"/>
+          </p:cNvSpPr>
+          <p:nvPr>
+            <p:ph type="sldImg"/>
+          </p:nvPr>
+        </p:nvSpPr>
+        <p:spPr/>
+      </p:sp>
+      <p:sp>
+        <p:nvSpPr>
+          <p:cNvPr id="3" name="Notes Placeholder 2"/>
+          <p:cNvSpPr>
+            <a:spLocks noGrp="1"/>
+          </p:cNvSpPr>
+          <p:nvPr>
+            <p:ph type="body" idx="1"/>
+          </p:nvPr>
+        </p:nvSpPr>
+        <p:spPr/>
+        <p:txBody>
+          <a:bodyPr/>
+          <a:lstStyle/>
+          <a:p>
+            <a:r>
+              <a:rPr lang="en-GB" dirty="0" err="1"/>
+              <a:t>Musimy</a:t>
+            </a:r>
+            <a:r>
+              <a:rPr lang="en-GB" dirty="0"/>
+              <a:t> </a:t>
+            </a:r>
+            <a:r>
+              <a:rPr lang="en-GB" dirty="0" err="1"/>
+              <a:t>dodać</a:t>
+            </a:r>
+            <a:r>
+              <a:rPr lang="en-GB" dirty="0"/>
+              <a:t> z </a:t>
+            </a:r>
+            <a:r>
+              <a:rPr lang="en-GB" dirty="0" err="1"/>
+              <a:t>poziomu</a:t>
+            </a:r>
+            <a:r>
+              <a:rPr lang="en-GB" dirty="0"/>
+              <a:t> </a:t>
+            </a:r>
+            <a:r>
+              <a:rPr lang="en-GB" dirty="0" err="1"/>
+              <a:t>naszego</a:t>
+            </a:r>
+            <a:r>
+              <a:rPr lang="en-GB" dirty="0"/>
+              <a:t> SQL </a:t>
+            </a:r>
+            <a:r>
+              <a:rPr lang="en-GB" dirty="0" err="1"/>
+              <a:t>mozliwosc</a:t>
+            </a:r>
+            <a:r>
+              <a:rPr lang="en-GB" dirty="0"/>
+              <a:t> </a:t>
+            </a:r>
+            <a:r>
+              <a:rPr lang="en-GB" dirty="0" err="1"/>
+              <a:t>uruchamianian</a:t>
+            </a:r>
+            <a:r>
+              <a:rPr lang="en-GB" dirty="0"/>
+              <a:t> </a:t>
+            </a:r>
+            <a:r>
+              <a:rPr lang="en-GB" dirty="0" err="1"/>
+              <a:t>skryptow</a:t>
+            </a:r>
+            <a:r>
+              <a:rPr lang="en-GB" dirty="0"/>
+              <a:t> </a:t>
+            </a:r>
+            <a:r>
+              <a:rPr lang="en-GB" dirty="0" err="1"/>
+              <a:t>zewnetrzych</a:t>
+            </a:r>
+            <a:r>
+              <a:rPr lang="en-GB" dirty="0"/>
+              <a:t> </a:t>
+            </a:r>
+            <a:r>
+              <a:rPr lang="en-GB" dirty="0" err="1"/>
+              <a:t>oraz</a:t>
+            </a:r>
+            <a:r>
+              <a:rPr lang="en-GB" dirty="0"/>
+              <a:t> </a:t>
+            </a:r>
+            <a:r>
+              <a:rPr lang="en-GB" dirty="0" err="1"/>
+              <a:t>dodac</a:t>
+            </a:r>
+            <a:r>
+              <a:rPr lang="en-GB" dirty="0"/>
+              <a:t> </a:t>
+            </a:r>
+            <a:r>
+              <a:rPr lang="en-GB" dirty="0" err="1"/>
+              <a:t>uprawnienia</a:t>
+            </a:r>
+            <a:r>
+              <a:rPr lang="en-GB" dirty="0"/>
+              <a:t> do </a:t>
+            </a:r>
+            <a:r>
+              <a:rPr lang="en-GB" dirty="0" err="1"/>
+              <a:t>naszego</a:t>
+            </a:r>
+            <a:r>
+              <a:rPr lang="en-GB" dirty="0"/>
+              <a:t> user (</a:t>
+            </a:r>
+            <a:r>
+              <a:rPr lang="en-GB" dirty="0" err="1"/>
+              <a:t>jesli</a:t>
+            </a:r>
+            <a:r>
+              <a:rPr lang="en-GB" dirty="0"/>
+              <a:t> </a:t>
+            </a:r>
+            <a:r>
+              <a:rPr lang="en-GB" dirty="0" err="1"/>
+              <a:t>takich</a:t>
+            </a:r>
+            <a:r>
+              <a:rPr lang="en-GB" dirty="0"/>
+              <a:t> </a:t>
+            </a:r>
+            <a:r>
+              <a:rPr lang="en-GB" dirty="0" err="1"/>
+              <a:t>nieposiada</a:t>
+            </a:r>
+            <a:r>
+              <a:rPr lang="en-GB" dirty="0"/>
+              <a:t>) do </a:t>
+            </a:r>
+            <a:r>
+              <a:rPr lang="en-GB" dirty="0" err="1"/>
+              <a:t>wykonywania</a:t>
+            </a:r>
+            <a:r>
+              <a:rPr lang="en-GB" dirty="0"/>
+              <a:t> </a:t>
+            </a:r>
+            <a:r>
+              <a:rPr lang="en-GB" dirty="0" err="1"/>
+              <a:t>skryptow</a:t>
+            </a:r>
+            <a:r>
+              <a:rPr lang="en-GB" dirty="0"/>
+              <a:t> </a:t>
+            </a:r>
+            <a:r>
+              <a:rPr lang="en-GB" dirty="0" err="1"/>
+              <a:t>zewnetrzych</a:t>
+            </a:r>
+            <a:endParaRPr lang="pl-PL" dirty="0"/>
+          </a:p>
+        </p:txBody>
+      </p:sp>
+      <p:sp>
+        <p:nvSpPr>
+          <p:cNvPr id="4" name="Slide Number Placeholder 3"/>
+          <p:cNvSpPr>
+            <a:spLocks noGrp="1"/>
+          </p:cNvSpPr>
+          <p:nvPr>
+            <p:ph type="sldNum" sz="quarter" idx="5"/>
+          </p:nvPr>
+        </p:nvSpPr>
+        <p:spPr/>
+        <p:txBody>
+          <a:bodyPr/>
+          <a:lstStyle/>
+          <a:p>
+            <a:fld id="{55992286-4AA4-4E55-98B6-FFAF34B74A40}" type="slidenum">
+              <a:rPr lang="en-US" smtClean="0"/>
+              <a:t>14</a:t>
+            </a:fld>
+            <a:endParaRPr lang="en-US"/>
+          </a:p>
+        </p:txBody>
+      </p:sp>
+    </p:spTree>
+    <p:extLst>
+      <p:ext uri="{BB962C8B-B14F-4D97-AF65-F5344CB8AC3E}">
+        <p14:creationId xmlns:p14="http://schemas.microsoft.com/office/powerpoint/2010/main" val="62700685"/>
+      </p:ext>
+    </p:extLst>
+  </p:cSld>
+  <p:clrMapOvr>
+    <a:masterClrMapping/>
+  </p:clrMapOvr>
+</p:notes>
+</file>
+
+<file path=ppt/notesSlides/notesSlide14.xml><?xml version="1.0" encoding="utf-8"?>
+<p:notes xmlns:a="http://schemas.openxmlformats.org/drawingml/2006/main" xmlns:r="http://schemas.openxmlformats.org/officeDocument/2006/relationships" xmlns:p="http://schemas.openxmlformats.org/presentationml/2006/main">
+  <p:cSld>
+    <p:spTree>
+      <p:nvGrpSpPr>
+        <p:cNvPr id="1" name=""/>
+        <p:cNvGrpSpPr/>
+        <p:nvPr/>
+      </p:nvGrpSpPr>
+      <p:grpSpPr>
+        <a:xfrm>
+          <a:off x="0" y="0"/>
+          <a:ext cx="0" cy="0"/>
+          <a:chOff x="0" y="0"/>
+          <a:chExt cx="0" cy="0"/>
+        </a:xfrm>
+      </p:grpSpPr>
+      <p:sp>
+        <p:nvSpPr>
+          <p:cNvPr id="2" name="Slide Image Placeholder 1"/>
+          <p:cNvSpPr>
+            <a:spLocks noGrp="1" noRot="1" noChangeAspect="1"/>
+          </p:cNvSpPr>
+          <p:nvPr>
+            <p:ph type="sldImg"/>
+          </p:nvPr>
+        </p:nvSpPr>
+        <p:spPr/>
+      </p:sp>
+      <p:sp>
+        <p:nvSpPr>
+          <p:cNvPr id="3" name="Notes Placeholder 2"/>
+          <p:cNvSpPr>
+            <a:spLocks noGrp="1"/>
+          </p:cNvSpPr>
+          <p:nvPr>
+            <p:ph type="body" idx="1"/>
+          </p:nvPr>
+        </p:nvSpPr>
+        <p:spPr/>
+        <p:txBody>
+          <a:bodyPr/>
+          <a:lstStyle/>
+          <a:p>
+            <a:r>
+              <a:rPr lang="en-GB" sz="1200" b="1" i="0" kern="1200" dirty="0" err="1">
+                <a:solidFill>
+                  <a:schemeClr val="tx1"/>
+                </a:solidFill>
+                <a:effectLst/>
+                <a:latin typeface="+mn-lt"/>
+                <a:ea typeface="+mn-ea"/>
+                <a:cs typeface="+mn-cs"/>
+              </a:rPr>
+              <a:t>Jak</a:t>
+            </a:r>
+            <a:r>
+              <a:rPr lang="en-GB" sz="1200" b="1" i="0" kern="1200" dirty="0">
+                <a:solidFill>
+                  <a:schemeClr val="tx1"/>
+                </a:solidFill>
+                <a:effectLst/>
+                <a:latin typeface="+mn-lt"/>
+                <a:ea typeface="+mn-ea"/>
+                <a:cs typeface="+mn-cs"/>
+              </a:rPr>
+              <a:t> </a:t>
+            </a:r>
+            <a:r>
+              <a:rPr lang="en-GB" sz="1200" b="1" i="0" kern="1200" dirty="0" err="1">
+                <a:solidFill>
+                  <a:schemeClr val="tx1"/>
+                </a:solidFill>
+                <a:effectLst/>
+                <a:latin typeface="+mn-lt"/>
+                <a:ea typeface="+mn-ea"/>
+                <a:cs typeface="+mn-cs"/>
+              </a:rPr>
+              <a:t>uruchamiac</a:t>
+            </a:r>
+            <a:r>
+              <a:rPr lang="en-GB" sz="1200" b="1" i="0" kern="1200" dirty="0">
+                <a:solidFill>
+                  <a:schemeClr val="tx1"/>
+                </a:solidFill>
+                <a:effectLst/>
+                <a:latin typeface="+mn-lt"/>
+                <a:ea typeface="+mn-ea"/>
+                <a:cs typeface="+mn-cs"/>
+              </a:rPr>
+              <a:t> R I </a:t>
+            </a:r>
+            <a:r>
+              <a:rPr lang="en-GB" sz="1200" b="1" i="0" kern="1200" dirty="0" err="1">
+                <a:solidFill>
+                  <a:schemeClr val="tx1"/>
+                </a:solidFill>
+                <a:effectLst/>
+                <a:latin typeface="+mn-lt"/>
+                <a:ea typeface="+mn-ea"/>
+                <a:cs typeface="+mn-cs"/>
+              </a:rPr>
+              <a:t>pythona</a:t>
+            </a:r>
+            <a:r>
+              <a:rPr lang="en-GB" sz="1200" b="1" i="0" kern="1200" dirty="0">
+                <a:solidFill>
+                  <a:schemeClr val="tx1"/>
+                </a:solidFill>
+                <a:effectLst/>
+                <a:latin typeface="+mn-lt"/>
+                <a:ea typeface="+mn-ea"/>
+                <a:cs typeface="+mn-cs"/>
+              </a:rPr>
+              <a:t> (</a:t>
+            </a:r>
+            <a:r>
+              <a:rPr lang="en-GB" sz="1200" b="1" i="0" kern="1200" dirty="0" err="1">
+                <a:solidFill>
+                  <a:schemeClr val="tx1"/>
+                </a:solidFill>
+                <a:effectLst/>
+                <a:latin typeface="+mn-lt"/>
+                <a:ea typeface="+mn-ea"/>
+                <a:cs typeface="+mn-cs"/>
+              </a:rPr>
+              <a:t>oraz</a:t>
+            </a:r>
+            <a:r>
+              <a:rPr lang="en-GB" sz="1200" b="1" i="0" kern="1200" dirty="0">
+                <a:solidFill>
+                  <a:schemeClr val="tx1"/>
+                </a:solidFill>
+                <a:effectLst/>
+                <a:latin typeface="+mn-lt"/>
+                <a:ea typeface="+mn-ea"/>
+                <a:cs typeface="+mn-cs"/>
+              </a:rPr>
+              <a:t> </a:t>
+            </a:r>
+            <a:r>
+              <a:rPr lang="en-GB" sz="1200" b="1" i="0" kern="1200" dirty="0" err="1">
+                <a:solidFill>
+                  <a:schemeClr val="tx1"/>
+                </a:solidFill>
+                <a:effectLst/>
+                <a:latin typeface="+mn-lt"/>
+                <a:ea typeface="+mn-ea"/>
+                <a:cs typeface="+mn-cs"/>
+              </a:rPr>
+              <a:t>Jave</a:t>
+            </a:r>
+            <a:r>
+              <a:rPr lang="en-GB" sz="1200" b="1" i="0" kern="1200" dirty="0">
+                <a:solidFill>
+                  <a:schemeClr val="tx1"/>
+                </a:solidFill>
+                <a:effectLst/>
+                <a:latin typeface="+mn-lt"/>
+                <a:ea typeface="+mn-ea"/>
+                <a:cs typeface="+mn-cs"/>
+              </a:rPr>
+              <a:t>) –</a:t>
+            </a:r>
+            <a:r>
+              <a:rPr lang="en-GB" sz="1200" b="1" i="0" kern="1200" dirty="0" err="1">
+                <a:solidFill>
+                  <a:schemeClr val="tx1"/>
+                </a:solidFill>
+                <a:effectLst/>
+                <a:latin typeface="+mn-lt"/>
+                <a:ea typeface="+mn-ea"/>
+                <a:cs typeface="+mn-cs"/>
+              </a:rPr>
+              <a:t>mamy</a:t>
+            </a:r>
+            <a:r>
+              <a:rPr lang="en-GB" sz="1200" b="1" i="0" kern="1200" dirty="0">
+                <a:solidFill>
+                  <a:schemeClr val="tx1"/>
+                </a:solidFill>
+                <a:effectLst/>
+                <a:latin typeface="+mn-lt"/>
+                <a:ea typeface="+mn-ea"/>
+                <a:cs typeface="+mn-cs"/>
+              </a:rPr>
+              <a:t> do </a:t>
+            </a:r>
+            <a:r>
+              <a:rPr lang="en-GB" sz="1200" b="1" i="0" kern="1200" dirty="0" err="1">
+                <a:solidFill>
+                  <a:schemeClr val="tx1"/>
+                </a:solidFill>
+                <a:effectLst/>
+                <a:latin typeface="+mn-lt"/>
+                <a:ea typeface="+mn-ea"/>
+                <a:cs typeface="+mn-cs"/>
+              </a:rPr>
+              <a:t>tego</a:t>
+            </a:r>
+            <a:r>
+              <a:rPr lang="en-GB" sz="1200" b="1" i="0" kern="1200" dirty="0">
+                <a:solidFill>
+                  <a:schemeClr val="tx1"/>
+                </a:solidFill>
+                <a:effectLst/>
+                <a:latin typeface="+mn-lt"/>
+                <a:ea typeface="+mn-ea"/>
+                <a:cs typeface="+mn-cs"/>
+              </a:rPr>
+              <a:t> </a:t>
+            </a:r>
+            <a:r>
+              <a:rPr lang="en-GB" sz="1200" b="1" i="0" kern="1200" dirty="0" err="1">
+                <a:solidFill>
+                  <a:schemeClr val="tx1"/>
+                </a:solidFill>
+                <a:effectLst/>
+                <a:latin typeface="+mn-lt"/>
+                <a:ea typeface="+mn-ea"/>
+                <a:cs typeface="+mn-cs"/>
+              </a:rPr>
+              <a:t>dedykowana</a:t>
+            </a:r>
+            <a:r>
+              <a:rPr lang="en-GB" sz="1200" b="1" i="0" kern="1200" dirty="0">
+                <a:solidFill>
+                  <a:schemeClr val="tx1"/>
+                </a:solidFill>
+                <a:effectLst/>
+                <a:latin typeface="+mn-lt"/>
+                <a:ea typeface="+mn-ea"/>
+                <a:cs typeface="+mn-cs"/>
+              </a:rPr>
+              <a:t> procedure SP_EXECUTE_EXTERNAL_SCRIPT</a:t>
+            </a:r>
+          </a:p>
+          <a:p>
+            <a:r>
+              <a:rPr lang="en-GB" sz="1200" b="1" i="0" kern="1200" dirty="0" err="1">
+                <a:solidFill>
+                  <a:schemeClr val="tx1"/>
+                </a:solidFill>
+                <a:effectLst/>
+                <a:latin typeface="+mn-lt"/>
+                <a:ea typeface="+mn-ea"/>
+                <a:cs typeface="+mn-cs"/>
+              </a:rPr>
+              <a:t>Naważniejsze</a:t>
+            </a:r>
+            <a:r>
+              <a:rPr lang="en-GB" sz="1200" b="1" i="0" kern="1200" dirty="0">
+                <a:solidFill>
+                  <a:schemeClr val="tx1"/>
+                </a:solidFill>
+                <a:effectLst/>
+                <a:latin typeface="+mn-lt"/>
+                <a:ea typeface="+mn-ea"/>
+                <a:cs typeface="+mn-cs"/>
+              </a:rPr>
+              <a:t> </a:t>
+            </a:r>
+            <a:r>
+              <a:rPr lang="en-GB" sz="1200" b="1" i="0" kern="1200" dirty="0" err="1">
+                <a:solidFill>
+                  <a:schemeClr val="tx1"/>
+                </a:solidFill>
+                <a:effectLst/>
+                <a:latin typeface="+mn-lt"/>
+                <a:ea typeface="+mn-ea"/>
+                <a:cs typeface="+mn-cs"/>
+              </a:rPr>
+              <a:t>parametry</a:t>
+            </a:r>
+            <a:r>
+              <a:rPr lang="en-GB" sz="1200" b="1" i="0" kern="1200" dirty="0">
+                <a:solidFill>
+                  <a:schemeClr val="tx1"/>
+                </a:solidFill>
+                <a:effectLst/>
+                <a:latin typeface="+mn-lt"/>
+                <a:ea typeface="+mn-ea"/>
+                <a:cs typeface="+mn-cs"/>
+              </a:rPr>
+              <a:t> to @language </a:t>
+            </a:r>
+            <a:r>
+              <a:rPr lang="en-GB" sz="1200" b="1" i="0" kern="1200" dirty="0" err="1">
+                <a:solidFill>
+                  <a:schemeClr val="tx1"/>
+                </a:solidFill>
+                <a:effectLst/>
+                <a:latin typeface="+mn-lt"/>
+                <a:ea typeface="+mn-ea"/>
+                <a:cs typeface="+mn-cs"/>
+              </a:rPr>
+              <a:t>oraz</a:t>
+            </a:r>
+            <a:r>
+              <a:rPr lang="en-GB" sz="1200" b="1" i="0" kern="1200" dirty="0">
+                <a:solidFill>
+                  <a:schemeClr val="tx1"/>
+                </a:solidFill>
+                <a:effectLst/>
+                <a:latin typeface="+mn-lt"/>
+                <a:ea typeface="+mn-ea"/>
+                <a:cs typeface="+mn-cs"/>
+              </a:rPr>
+              <a:t> @script</a:t>
+            </a:r>
+          </a:p>
+          <a:p>
+            <a:r>
+              <a:rPr lang="pl-PL" sz="1200" b="1" i="0" kern="1200" dirty="0">
+                <a:solidFill>
+                  <a:schemeClr val="tx1"/>
+                </a:solidFill>
+                <a:effectLst/>
+                <a:latin typeface="+mn-lt"/>
+                <a:ea typeface="+mn-ea"/>
+                <a:cs typeface="+mn-cs"/>
+              </a:rPr>
+              <a:t>@input_data_1</a:t>
+            </a:r>
+            <a:r>
+              <a:rPr lang="pl-PL" sz="1200" b="0" i="0" kern="1200" dirty="0">
+                <a:solidFill>
+                  <a:schemeClr val="tx1"/>
+                </a:solidFill>
+                <a:effectLst/>
+                <a:latin typeface="+mn-lt"/>
+                <a:ea typeface="+mn-ea"/>
+                <a:cs typeface="+mn-cs"/>
+              </a:rPr>
+              <a:t> </a:t>
+            </a:r>
+            <a:r>
+              <a:rPr lang="en-GB" sz="1200" b="0" i="0" kern="1200" dirty="0">
+                <a:solidFill>
+                  <a:schemeClr val="tx1"/>
+                </a:solidFill>
+                <a:effectLst/>
+                <a:latin typeface="+mn-lt"/>
+                <a:ea typeface="+mn-ea"/>
+                <a:cs typeface="+mn-cs"/>
+              </a:rPr>
+              <a:t> -TSQL</a:t>
+            </a:r>
+            <a:endParaRPr lang="en-GB" sz="1200" b="1" i="0" kern="1200" dirty="0">
+              <a:solidFill>
+                <a:schemeClr val="tx1"/>
+              </a:solidFill>
+              <a:effectLst/>
+              <a:latin typeface="+mn-lt"/>
+              <a:ea typeface="+mn-ea"/>
+              <a:cs typeface="+mn-cs"/>
+            </a:endParaRPr>
+          </a:p>
+          <a:p>
+            <a:r>
+              <a:rPr lang="pl-PL" sz="1200" b="1" i="0" kern="1200" dirty="0">
+                <a:solidFill>
+                  <a:schemeClr val="tx1"/>
+                </a:solidFill>
+                <a:effectLst/>
+                <a:latin typeface="+mn-lt"/>
+                <a:ea typeface="+mn-ea"/>
+                <a:cs typeface="+mn-cs"/>
+              </a:rPr>
+              <a:t>@input_data_1_name</a:t>
+            </a:r>
+            <a:r>
+              <a:rPr lang="en-GB" sz="1200" b="1" i="0" kern="1200" dirty="0">
+                <a:solidFill>
+                  <a:schemeClr val="tx1"/>
+                </a:solidFill>
+                <a:effectLst/>
+                <a:latin typeface="+mn-lt"/>
+                <a:ea typeface="+mn-ea"/>
+                <a:cs typeface="+mn-cs"/>
+              </a:rPr>
+              <a:t>  </a:t>
+            </a:r>
+            <a:r>
+              <a:rPr lang="pl-PL" sz="1200" b="0" i="1" kern="1200" dirty="0">
+                <a:solidFill>
+                  <a:schemeClr val="tx1"/>
+                </a:solidFill>
+                <a:effectLst/>
+                <a:latin typeface="+mn-lt"/>
+                <a:ea typeface="+mn-ea"/>
+                <a:cs typeface="+mn-cs"/>
+              </a:rPr>
+              <a:t>InputDataSet</a:t>
+            </a:r>
+            <a:r>
+              <a:rPr lang="en-GB" sz="1200" b="0" i="1" kern="1200" dirty="0">
+                <a:solidFill>
+                  <a:schemeClr val="tx1"/>
+                </a:solidFill>
+                <a:effectLst/>
+                <a:latin typeface="+mn-lt"/>
+                <a:ea typeface="+mn-ea"/>
+                <a:cs typeface="+mn-cs"/>
+              </a:rPr>
+              <a:t> (R </a:t>
+            </a:r>
+            <a:r>
+              <a:rPr lang="en-GB" sz="1200" b="0" i="1" kern="1200" dirty="0" err="1">
+                <a:solidFill>
+                  <a:schemeClr val="tx1"/>
+                </a:solidFill>
+                <a:effectLst/>
+                <a:latin typeface="+mn-lt"/>
+                <a:ea typeface="+mn-ea"/>
+                <a:cs typeface="+mn-cs"/>
+              </a:rPr>
+              <a:t>Dataframe</a:t>
+            </a:r>
+            <a:r>
+              <a:rPr lang="en-GB" sz="1200" b="0" i="1" kern="1200" dirty="0">
+                <a:solidFill>
+                  <a:schemeClr val="tx1"/>
+                </a:solidFill>
+                <a:effectLst/>
+                <a:latin typeface="+mn-lt"/>
+                <a:ea typeface="+mn-ea"/>
+                <a:cs typeface="+mn-cs"/>
+              </a:rPr>
+              <a:t>, Python pandas </a:t>
+            </a:r>
+            <a:r>
+              <a:rPr lang="en-GB" sz="1200" b="0" i="1" kern="1200" dirty="0" err="1">
+                <a:solidFill>
+                  <a:schemeClr val="tx1"/>
+                </a:solidFill>
+                <a:effectLst/>
+                <a:latin typeface="+mn-lt"/>
+                <a:ea typeface="+mn-ea"/>
+                <a:cs typeface="+mn-cs"/>
+              </a:rPr>
+              <a:t>Dataframe</a:t>
+            </a:r>
+            <a:r>
+              <a:rPr lang="en-GB" sz="1200" b="0" i="1" kern="1200" dirty="0">
+                <a:solidFill>
+                  <a:schemeClr val="tx1"/>
+                </a:solidFill>
+                <a:effectLst/>
+                <a:latin typeface="+mn-lt"/>
+                <a:ea typeface="+mn-ea"/>
+                <a:cs typeface="+mn-cs"/>
+              </a:rPr>
+              <a:t>)</a:t>
+            </a:r>
+          </a:p>
+          <a:p>
+            <a:r>
+              <a:rPr lang="pl-PL" sz="1200" b="1" i="0" kern="1200" dirty="0">
+                <a:solidFill>
+                  <a:schemeClr val="tx1"/>
+                </a:solidFill>
+                <a:effectLst/>
+                <a:latin typeface="+mn-lt"/>
+                <a:ea typeface="+mn-ea"/>
+                <a:cs typeface="+mn-cs"/>
+              </a:rPr>
+              <a:t>@output_data_1_name</a:t>
+            </a:r>
+            <a:r>
+              <a:rPr lang="en-GB" sz="1200" b="1" i="0" kern="1200" dirty="0">
+                <a:solidFill>
+                  <a:schemeClr val="tx1"/>
+                </a:solidFill>
+                <a:effectLst/>
+                <a:latin typeface="+mn-lt"/>
+                <a:ea typeface="+mn-ea"/>
+                <a:cs typeface="+mn-cs"/>
+              </a:rPr>
+              <a:t> </a:t>
+            </a:r>
+            <a:r>
+              <a:rPr lang="pl-PL" sz="1200" b="0" i="1" kern="1200" dirty="0">
+                <a:solidFill>
+                  <a:schemeClr val="tx1"/>
+                </a:solidFill>
+                <a:effectLst/>
+                <a:latin typeface="+mn-lt"/>
+                <a:ea typeface="+mn-ea"/>
+                <a:cs typeface="+mn-cs"/>
+              </a:rPr>
+              <a:t>OutputDataSet</a:t>
+            </a:r>
+            <a:endParaRPr lang="pl-PL" dirty="0"/>
+          </a:p>
+        </p:txBody>
+      </p:sp>
+      <p:sp>
+        <p:nvSpPr>
+          <p:cNvPr id="4" name="Slide Number Placeholder 3"/>
+          <p:cNvSpPr>
+            <a:spLocks noGrp="1"/>
+          </p:cNvSpPr>
+          <p:nvPr>
+            <p:ph type="sldNum" sz="quarter" idx="5"/>
+          </p:nvPr>
+        </p:nvSpPr>
+        <p:spPr/>
+        <p:txBody>
+          <a:bodyPr/>
+          <a:lstStyle/>
+          <a:p>
+            <a:fld id="{55992286-4AA4-4E55-98B6-FFAF34B74A40}" type="slidenum">
+              <a:rPr lang="en-US" smtClean="0"/>
+              <a:t>15</a:t>
+            </a:fld>
+            <a:endParaRPr lang="en-US"/>
+          </a:p>
+        </p:txBody>
+      </p:sp>
+    </p:spTree>
+    <p:extLst>
+      <p:ext uri="{BB962C8B-B14F-4D97-AF65-F5344CB8AC3E}">
+        <p14:creationId xmlns:p14="http://schemas.microsoft.com/office/powerpoint/2010/main" val="3279027409"/>
+      </p:ext>
+    </p:extLst>
+  </p:cSld>
+  <p:clrMapOvr>
+    <a:masterClrMapping/>
+  </p:clrMapOvr>
+</p:notes>
+</file>
+
+<file path=ppt/notesSlides/notesSlide15.xml><?xml version="1.0" encoding="utf-8"?>
+<p:notes xmlns:a="http://schemas.openxmlformats.org/drawingml/2006/main" xmlns:r="http://schemas.openxmlformats.org/officeDocument/2006/relationships" xmlns:p="http://schemas.openxmlformats.org/presentationml/2006/main">
+  <p:cSld>
+    <p:spTree>
+      <p:nvGrpSpPr>
+        <p:cNvPr id="1" name=""/>
+        <p:cNvGrpSpPr/>
+        <p:nvPr/>
+      </p:nvGrpSpPr>
+      <p:grpSpPr>
+        <a:xfrm>
+          <a:off x="0" y="0"/>
+          <a:ext cx="0" cy="0"/>
+          <a:chOff x="0" y="0"/>
+          <a:chExt cx="0" cy="0"/>
+        </a:xfrm>
+      </p:grpSpPr>
+      <p:sp>
+        <p:nvSpPr>
+          <p:cNvPr id="2" name="Slide Image Placeholder 1"/>
+          <p:cNvSpPr>
+            <a:spLocks noGrp="1" noRot="1" noChangeAspect="1"/>
+          </p:cNvSpPr>
+          <p:nvPr>
+            <p:ph type="sldImg"/>
+          </p:nvPr>
+        </p:nvSpPr>
+        <p:spPr/>
+      </p:sp>
+      <p:sp>
+        <p:nvSpPr>
+          <p:cNvPr id="3" name="Notes Placeholder 2"/>
+          <p:cNvSpPr>
+            <a:spLocks noGrp="1"/>
+          </p:cNvSpPr>
+          <p:nvPr>
+            <p:ph type="body" idx="1"/>
+          </p:nvPr>
+        </p:nvSpPr>
+        <p:spPr/>
+        <p:txBody>
+          <a:bodyPr/>
+          <a:lstStyle/>
+          <a:p>
+            <a:r>
+              <a:rPr lang="en-GB" dirty="0"/>
+              <a:t>W </a:t>
+            </a:r>
+            <a:r>
+              <a:rPr lang="en-GB" dirty="0" err="1"/>
+              <a:t>instalacja</a:t>
+            </a:r>
+            <a:r>
+              <a:rPr lang="en-GB" dirty="0"/>
+              <a:t> Machine Learning Services (in DB) </a:t>
+            </a:r>
+            <a:r>
+              <a:rPr lang="en-GB" dirty="0" err="1"/>
+              <a:t>instalowane</a:t>
+            </a:r>
+            <a:r>
+              <a:rPr lang="en-GB" dirty="0"/>
+              <a:t> </a:t>
+            </a:r>
+            <a:r>
+              <a:rPr lang="en-GB" dirty="0" err="1"/>
+              <a:t>sa</a:t>
+            </a:r>
+            <a:r>
+              <a:rPr lang="en-GB" dirty="0"/>
+              <a:t> 3 </a:t>
+            </a:r>
+            <a:r>
+              <a:rPr lang="en-GB" dirty="0" err="1"/>
+              <a:t>ciekawe</a:t>
+            </a:r>
+            <a:r>
+              <a:rPr lang="en-GB" dirty="0"/>
+              <a:t> </a:t>
+            </a:r>
+            <a:r>
+              <a:rPr lang="en-GB" dirty="0" err="1"/>
+              <a:t>biblioteki</a:t>
+            </a:r>
+            <a:r>
+              <a:rPr lang="en-GB" dirty="0"/>
+              <a:t>:</a:t>
+            </a:r>
+          </a:p>
+          <a:p>
+            <a:r>
+              <a:rPr lang="en-GB" dirty="0" err="1"/>
+              <a:t>RevoscalePy</a:t>
+            </a:r>
+            <a:r>
+              <a:rPr lang="en-GB" dirty="0"/>
+              <a:t> </a:t>
+            </a:r>
+            <a:r>
+              <a:rPr lang="en-GB" dirty="0" err="1"/>
+              <a:t>odpowiednik</a:t>
+            </a:r>
+            <a:r>
+              <a:rPr lang="en-GB" dirty="0"/>
+              <a:t> </a:t>
+            </a:r>
+            <a:r>
+              <a:rPr lang="en-GB" dirty="0" err="1"/>
+              <a:t>Revoscale</a:t>
+            </a:r>
+            <a:r>
+              <a:rPr lang="en-GB" dirty="0"/>
+              <a:t> R (</a:t>
+            </a:r>
+            <a:r>
+              <a:rPr lang="en-GB" dirty="0" err="1"/>
+              <a:t>nie</a:t>
+            </a:r>
+            <a:r>
+              <a:rPr lang="en-GB" dirty="0"/>
+              <a:t> </a:t>
+            </a:r>
+            <a:r>
+              <a:rPr lang="en-GB" dirty="0" err="1"/>
+              <a:t>wszystko</a:t>
+            </a:r>
+            <a:r>
+              <a:rPr lang="en-GB" dirty="0"/>
+              <a:t> co </a:t>
+            </a:r>
+            <a:r>
+              <a:rPr lang="en-GB" dirty="0" err="1"/>
+              <a:t>dostepne</a:t>
+            </a:r>
+            <a:r>
+              <a:rPr lang="en-GB" dirty="0"/>
+              <a:t> w </a:t>
+            </a:r>
+            <a:r>
+              <a:rPr lang="en-GB" dirty="0" err="1"/>
+              <a:t>revoscaleR</a:t>
+            </a:r>
+            <a:r>
+              <a:rPr lang="en-GB" dirty="0"/>
+              <a:t> jest </a:t>
+            </a:r>
+            <a:r>
+              <a:rPr lang="en-GB" dirty="0" err="1"/>
+              <a:t>dostepne</a:t>
+            </a:r>
+            <a:r>
+              <a:rPr lang="en-GB" dirty="0"/>
+              <a:t>)</a:t>
+            </a:r>
+          </a:p>
+          <a:p>
+            <a:r>
+              <a:rPr lang="en-GB" dirty="0" err="1"/>
+              <a:t>Bardzo</a:t>
+            </a:r>
+            <a:r>
+              <a:rPr lang="en-GB" dirty="0"/>
+              <a:t> </a:t>
+            </a:r>
+            <a:r>
+              <a:rPr lang="en-GB" dirty="0" err="1"/>
+              <a:t>ciekawa</a:t>
+            </a:r>
+            <a:r>
+              <a:rPr lang="en-GB" dirty="0"/>
+              <a:t> </a:t>
+            </a:r>
+            <a:r>
+              <a:rPr lang="en-GB" dirty="0" err="1"/>
+              <a:t>biblioteka</a:t>
+            </a:r>
+            <a:r>
+              <a:rPr lang="en-GB" dirty="0"/>
+              <a:t> jest </a:t>
+            </a:r>
+            <a:r>
+              <a:rPr lang="en-GB" dirty="0" err="1"/>
+              <a:t>MicrosoftML</a:t>
+            </a:r>
+            <a:r>
+              <a:rPr lang="en-GB" dirty="0"/>
+              <a:t> (R I </a:t>
+            </a:r>
+            <a:r>
+              <a:rPr lang="en-GB" dirty="0" err="1"/>
+              <a:t>Py</a:t>
+            </a:r>
+            <a:r>
+              <a:rPr lang="en-GB" dirty="0"/>
+              <a:t>), </a:t>
+            </a:r>
+            <a:r>
+              <a:rPr lang="en-GB" dirty="0" err="1"/>
+              <a:t>która</a:t>
+            </a:r>
+            <a:r>
+              <a:rPr lang="en-GB" dirty="0"/>
+              <a:t> </a:t>
+            </a:r>
+            <a:r>
+              <a:rPr lang="en-GB" dirty="0" err="1"/>
+              <a:t>udostepnia</a:t>
+            </a:r>
+            <a:r>
+              <a:rPr lang="en-GB" dirty="0"/>
+              <a:t> </a:t>
+            </a:r>
+            <a:r>
+              <a:rPr lang="en-GB" dirty="0" err="1"/>
+              <a:t>klika</a:t>
+            </a:r>
+            <a:r>
+              <a:rPr lang="en-GB" dirty="0"/>
+              <a:t> </a:t>
+            </a:r>
+            <a:r>
+              <a:rPr lang="en-GB" dirty="0" err="1"/>
+              <a:t>przygoowanych</a:t>
+            </a:r>
+            <a:r>
+              <a:rPr lang="en-GB" dirty="0"/>
+              <a:t> </a:t>
+            </a:r>
+            <a:r>
+              <a:rPr lang="en-GB" dirty="0" err="1"/>
+              <a:t>modeli</a:t>
+            </a:r>
+            <a:endParaRPr lang="pl-PL" dirty="0"/>
+          </a:p>
+        </p:txBody>
+      </p:sp>
+      <p:sp>
+        <p:nvSpPr>
+          <p:cNvPr id="4" name="Slide Number Placeholder 3"/>
+          <p:cNvSpPr>
+            <a:spLocks noGrp="1"/>
+          </p:cNvSpPr>
+          <p:nvPr>
+            <p:ph type="sldNum" sz="quarter" idx="5"/>
+          </p:nvPr>
+        </p:nvSpPr>
+        <p:spPr/>
+        <p:txBody>
+          <a:bodyPr/>
+          <a:lstStyle/>
+          <a:p>
+            <a:fld id="{55992286-4AA4-4E55-98B6-FFAF34B74A40}" type="slidenum">
+              <a:rPr lang="en-US" smtClean="0"/>
+              <a:t>16</a:t>
+            </a:fld>
+            <a:endParaRPr lang="en-US"/>
+          </a:p>
+        </p:txBody>
+      </p:sp>
+    </p:spTree>
+    <p:extLst>
+      <p:ext uri="{BB962C8B-B14F-4D97-AF65-F5344CB8AC3E}">
+        <p14:creationId xmlns:p14="http://schemas.microsoft.com/office/powerpoint/2010/main" val="815617926"/>
+      </p:ext>
+    </p:extLst>
+  </p:cSld>
+  <p:clrMapOvr>
+    <a:masterClrMapping/>
+  </p:clrMapOvr>
+</p:notes>
+</file>
+
+<file path=ppt/notesSlides/notesSlide16.xml><?xml version="1.0" encoding="utf-8"?>
+<p:notes xmlns:a="http://schemas.openxmlformats.org/drawingml/2006/main" xmlns:r="http://schemas.openxmlformats.org/officeDocument/2006/relationships" xmlns:p="http://schemas.openxmlformats.org/presentationml/2006/main">
+  <p:cSld>
+    <p:spTree>
+      <p:nvGrpSpPr>
+        <p:cNvPr id="1" name=""/>
+        <p:cNvGrpSpPr/>
+        <p:nvPr/>
+      </p:nvGrpSpPr>
+      <p:grpSpPr>
+        <a:xfrm>
+          <a:off x="0" y="0"/>
+          <a:ext cx="0" cy="0"/>
+          <a:chOff x="0" y="0"/>
+          <a:chExt cx="0" cy="0"/>
+        </a:xfrm>
+      </p:grpSpPr>
+      <p:sp>
+        <p:nvSpPr>
+          <p:cNvPr id="2" name="Slide Image Placeholder 1"/>
+          <p:cNvSpPr>
+            <a:spLocks noGrp="1" noRot="1" noChangeAspect="1"/>
+          </p:cNvSpPr>
+          <p:nvPr>
+            <p:ph type="sldImg"/>
+          </p:nvPr>
+        </p:nvSpPr>
+        <p:spPr/>
+      </p:sp>
+      <p:sp>
+        <p:nvSpPr>
+          <p:cNvPr id="3" name="Notes Placeholder 2"/>
+          <p:cNvSpPr>
+            <a:spLocks noGrp="1"/>
+          </p:cNvSpPr>
+          <p:nvPr>
+            <p:ph type="body" idx="1"/>
+          </p:nvPr>
+        </p:nvSpPr>
+        <p:spPr/>
+        <p:txBody>
+          <a:bodyPr/>
+          <a:lstStyle/>
+          <a:p>
+            <a:r>
+              <a:rPr lang="en-GB" dirty="0" err="1"/>
+              <a:t>Funckje</a:t>
+            </a:r>
+            <a:r>
+              <a:rPr lang="en-GB" dirty="0"/>
+              <a:t> </a:t>
+            </a:r>
+            <a:r>
+              <a:rPr lang="en-GB" dirty="0" err="1"/>
+              <a:t>rx</a:t>
+            </a:r>
+            <a:endParaRPr lang="en-GB" dirty="0"/>
+          </a:p>
+          <a:p>
+            <a:r>
+              <a:rPr lang="en-GB" dirty="0" err="1"/>
+              <a:t>Klika</a:t>
+            </a:r>
+            <a:r>
+              <a:rPr lang="en-GB" dirty="0"/>
+              <a:t> </a:t>
+            </a:r>
+            <a:r>
+              <a:rPr lang="en-GB" dirty="0" err="1"/>
+              <a:t>kategorii</a:t>
+            </a:r>
+            <a:r>
+              <a:rPr lang="en-GB" dirty="0"/>
+              <a:t>:</a:t>
+            </a:r>
+          </a:p>
+          <a:p>
+            <a:r>
+              <a:rPr lang="en-GB" dirty="0" err="1"/>
+              <a:t>Przygotowanie</a:t>
+            </a:r>
+            <a:r>
+              <a:rPr lang="en-GB" dirty="0"/>
+              <a:t> </a:t>
+            </a:r>
+            <a:r>
+              <a:rPr lang="en-GB" dirty="0" err="1"/>
+              <a:t>danych</a:t>
+            </a:r>
+            <a:r>
+              <a:rPr lang="en-GB" dirty="0"/>
+              <a:t> (</a:t>
+            </a:r>
+            <a:r>
+              <a:rPr lang="en-GB" dirty="0" err="1"/>
+              <a:t>xdf</a:t>
+            </a:r>
+            <a:r>
+              <a:rPr lang="en-GB" dirty="0"/>
+              <a:t>)</a:t>
+            </a:r>
+          </a:p>
+          <a:p>
+            <a:r>
+              <a:rPr lang="en-GB" dirty="0" err="1"/>
+              <a:t>Opis</a:t>
+            </a:r>
+            <a:r>
+              <a:rPr lang="en-GB" dirty="0"/>
+              <a:t> </a:t>
+            </a:r>
+            <a:r>
+              <a:rPr lang="en-GB" dirty="0" err="1"/>
+              <a:t>danych</a:t>
+            </a:r>
+            <a:endParaRPr lang="en-GB" dirty="0"/>
+          </a:p>
+          <a:p>
+            <a:r>
+              <a:rPr lang="en-GB" dirty="0" err="1"/>
+              <a:t>Funckje</a:t>
+            </a:r>
+            <a:r>
+              <a:rPr lang="en-GB" dirty="0"/>
+              <a:t> </a:t>
+            </a:r>
+            <a:r>
+              <a:rPr lang="en-GB" dirty="0" err="1"/>
+              <a:t>zwiazane</a:t>
+            </a:r>
+            <a:r>
+              <a:rPr lang="en-GB" dirty="0"/>
+              <a:t> z </a:t>
+            </a:r>
+            <a:r>
+              <a:rPr lang="en-GB" dirty="0" err="1"/>
+              <a:t>przygotowaniem</a:t>
+            </a:r>
+            <a:r>
+              <a:rPr lang="en-GB" dirty="0"/>
+              <a:t> I </a:t>
+            </a:r>
+            <a:r>
+              <a:rPr lang="en-GB" dirty="0" err="1"/>
+              <a:t>weryfikacją</a:t>
+            </a:r>
+            <a:r>
+              <a:rPr lang="en-GB" dirty="0"/>
+              <a:t> </a:t>
+            </a:r>
+            <a:r>
+              <a:rPr lang="en-GB" dirty="0" err="1"/>
+              <a:t>modeli</a:t>
+            </a:r>
+            <a:endParaRPr lang="pl-PL" dirty="0"/>
+          </a:p>
+        </p:txBody>
+      </p:sp>
+      <p:sp>
+        <p:nvSpPr>
+          <p:cNvPr id="4" name="Slide Number Placeholder 3"/>
+          <p:cNvSpPr>
+            <a:spLocks noGrp="1"/>
+          </p:cNvSpPr>
+          <p:nvPr>
+            <p:ph type="sldNum" sz="quarter" idx="5"/>
+          </p:nvPr>
+        </p:nvSpPr>
+        <p:spPr/>
+        <p:txBody>
+          <a:bodyPr/>
+          <a:lstStyle/>
+          <a:p>
+            <a:fld id="{55992286-4AA4-4E55-98B6-FFAF34B74A40}" type="slidenum">
+              <a:rPr lang="en-US" smtClean="0"/>
+              <a:t>17</a:t>
+            </a:fld>
+            <a:endParaRPr lang="en-US"/>
+          </a:p>
+        </p:txBody>
+      </p:sp>
+    </p:spTree>
+    <p:extLst>
+      <p:ext uri="{BB962C8B-B14F-4D97-AF65-F5344CB8AC3E}">
+        <p14:creationId xmlns:p14="http://schemas.microsoft.com/office/powerpoint/2010/main" val="289172686"/>
+      </p:ext>
+    </p:extLst>
+  </p:cSld>
+  <p:clrMapOvr>
+    <a:masterClrMapping/>
+  </p:clrMapOvr>
+</p:notes>
+</file>
+
+<file path=ppt/notesSlides/notesSlide17.xml><?xml version="1.0" encoding="utf-8"?>
+<p:notes xmlns:a="http://schemas.openxmlformats.org/drawingml/2006/main" xmlns:r="http://schemas.openxmlformats.org/officeDocument/2006/relationships" xmlns:p="http://schemas.openxmlformats.org/presentationml/2006/main">
+  <p:cSld>
+    <p:spTree>
+      <p:nvGrpSpPr>
+        <p:cNvPr id="1" name=""/>
+        <p:cNvGrpSpPr/>
+        <p:nvPr/>
+      </p:nvGrpSpPr>
+      <p:grpSpPr>
+        <a:xfrm>
+          <a:off x="0" y="0"/>
+          <a:ext cx="0" cy="0"/>
+          <a:chOff x="0" y="0"/>
+          <a:chExt cx="0" cy="0"/>
+        </a:xfrm>
+      </p:grpSpPr>
+      <p:sp>
+        <p:nvSpPr>
+          <p:cNvPr id="2" name="Slide Image Placeholder 1"/>
+          <p:cNvSpPr>
+            <a:spLocks noGrp="1" noRot="1" noChangeAspect="1"/>
+          </p:cNvSpPr>
+          <p:nvPr>
+            <p:ph type="sldImg"/>
+          </p:nvPr>
+        </p:nvSpPr>
+        <p:spPr/>
+      </p:sp>
+      <p:sp>
+        <p:nvSpPr>
+          <p:cNvPr id="3" name="Notes Placeholder 2"/>
+          <p:cNvSpPr>
+            <a:spLocks noGrp="1"/>
+          </p:cNvSpPr>
+          <p:nvPr>
+            <p:ph type="body" idx="1"/>
+          </p:nvPr>
+        </p:nvSpPr>
+        <p:spPr/>
+        <p:txBody>
+          <a:bodyPr/>
+          <a:lstStyle/>
+          <a:p>
+            <a:r>
+              <a:rPr lang="en-GB" dirty="0" err="1"/>
+              <a:t>Bardzo</a:t>
+            </a:r>
+            <a:r>
+              <a:rPr lang="en-GB" dirty="0"/>
+              <a:t> </a:t>
+            </a:r>
+            <a:r>
+              <a:rPr lang="en-GB" dirty="0" err="1"/>
+              <a:t>ciekawa</a:t>
+            </a:r>
+            <a:r>
+              <a:rPr lang="en-GB" dirty="0"/>
+              <a:t> </a:t>
+            </a:r>
+            <a:r>
+              <a:rPr lang="en-GB" dirty="0" err="1"/>
+              <a:t>opcja</a:t>
+            </a:r>
+            <a:r>
+              <a:rPr lang="en-GB" dirty="0"/>
+              <a:t> </a:t>
+            </a:r>
+            <a:r>
+              <a:rPr lang="en-GB" dirty="0" err="1"/>
+              <a:t>zwiazana</a:t>
+            </a:r>
+            <a:r>
+              <a:rPr lang="en-GB" dirty="0"/>
+              <a:t> z </a:t>
+            </a:r>
+            <a:r>
+              <a:rPr lang="en-GB" dirty="0" err="1"/>
+              <a:t>przelaczeniem</a:t>
+            </a:r>
+            <a:r>
+              <a:rPr lang="en-GB" dirty="0"/>
+              <a:t> </a:t>
+            </a:r>
+            <a:r>
+              <a:rPr lang="en-GB" dirty="0" err="1"/>
+              <a:t>konteksow</a:t>
+            </a:r>
+            <a:r>
+              <a:rPr lang="en-GB" dirty="0"/>
+              <a:t> – </a:t>
+            </a:r>
+            <a:r>
+              <a:rPr lang="en-GB" dirty="0" err="1"/>
+              <a:t>majac</a:t>
+            </a:r>
+            <a:r>
+              <a:rPr lang="en-GB" dirty="0"/>
+              <a:t> R </a:t>
+            </a:r>
+            <a:r>
+              <a:rPr lang="en-GB" dirty="0" err="1"/>
+              <a:t>Clienta</a:t>
+            </a:r>
+            <a:r>
+              <a:rPr lang="en-GB" dirty="0"/>
+              <a:t>, </a:t>
+            </a:r>
+            <a:r>
+              <a:rPr lang="en-GB" dirty="0" err="1"/>
+              <a:t>mozemy</a:t>
+            </a:r>
+            <a:r>
+              <a:rPr lang="en-GB" dirty="0"/>
+              <a:t> </a:t>
+            </a:r>
+            <a:r>
+              <a:rPr lang="en-GB" dirty="0" err="1"/>
+              <a:t>zmieniac</a:t>
+            </a:r>
+            <a:r>
+              <a:rPr lang="en-GB" dirty="0"/>
+              <a:t> </a:t>
+            </a:r>
+            <a:r>
+              <a:rPr lang="en-GB" dirty="0" err="1"/>
+              <a:t>progromo</a:t>
+            </a:r>
+            <a:r>
+              <a:rPr lang="en-GB" dirty="0"/>
+              <a:t> </a:t>
+            </a:r>
+            <a:r>
+              <a:rPr lang="en-GB" dirty="0" err="1"/>
+              <a:t>konteks</a:t>
+            </a:r>
+            <a:r>
+              <a:rPr lang="en-GB" dirty="0"/>
+              <a:t> </a:t>
+            </a:r>
+            <a:r>
+              <a:rPr lang="en-GB" dirty="0" err="1"/>
+              <a:t>wykonania</a:t>
+            </a:r>
+            <a:r>
+              <a:rPr lang="en-GB" dirty="0"/>
+              <a:t> –</a:t>
+            </a:r>
+            <a:r>
+              <a:rPr lang="en-GB" dirty="0" err="1"/>
+              <a:t>czyli</a:t>
+            </a:r>
+            <a:r>
+              <a:rPr lang="en-GB" dirty="0"/>
+              <a:t> </a:t>
+            </a:r>
+            <a:r>
+              <a:rPr lang="en-GB" dirty="0" err="1"/>
+              <a:t>mozemy</a:t>
+            </a:r>
+            <a:r>
+              <a:rPr lang="en-GB" dirty="0"/>
+              <a:t> </a:t>
+            </a:r>
+            <a:r>
+              <a:rPr lang="en-GB" dirty="0" err="1"/>
+              <a:t>zlecic</a:t>
+            </a:r>
+            <a:r>
+              <a:rPr lang="en-GB" dirty="0"/>
+              <a:t> </a:t>
+            </a:r>
+            <a:r>
+              <a:rPr lang="en-GB" dirty="0" err="1"/>
+              <a:t>wykonanie</a:t>
+            </a:r>
+            <a:r>
+              <a:rPr lang="en-GB" dirty="0"/>
+              <a:t> </a:t>
+            </a:r>
+            <a:r>
+              <a:rPr lang="en-GB" dirty="0" err="1"/>
+              <a:t>naszego</a:t>
+            </a:r>
+            <a:r>
+              <a:rPr lang="en-GB" dirty="0"/>
+              <a:t> </a:t>
+            </a:r>
+            <a:r>
+              <a:rPr lang="en-GB" dirty="0" err="1"/>
+              <a:t>skryptu</a:t>
+            </a:r>
+            <a:r>
+              <a:rPr lang="en-GB" dirty="0"/>
+              <a:t> np. Na </a:t>
+            </a:r>
+            <a:r>
+              <a:rPr lang="en-GB" dirty="0" err="1"/>
+              <a:t>sparku</a:t>
+            </a:r>
+            <a:endParaRPr lang="en-GB" dirty="0"/>
+          </a:p>
+          <a:p>
+            <a:r>
+              <a:rPr lang="en-GB" dirty="0"/>
+              <a:t>Co </a:t>
+            </a:r>
+            <a:r>
+              <a:rPr lang="en-GB" dirty="0" err="1"/>
+              <a:t>ciekawe</a:t>
+            </a:r>
+            <a:r>
+              <a:rPr lang="en-GB" dirty="0"/>
+              <a:t> </a:t>
+            </a:r>
+            <a:r>
+              <a:rPr lang="en-GB" dirty="0" err="1"/>
+              <a:t>mamy</a:t>
+            </a:r>
+            <a:r>
+              <a:rPr lang="en-GB" dirty="0"/>
+              <a:t> </a:t>
+            </a:r>
+            <a:r>
+              <a:rPr lang="en-GB" dirty="0" err="1"/>
+              <a:t>dwa</a:t>
+            </a:r>
+            <a:r>
+              <a:rPr lang="en-GB" dirty="0"/>
+              <a:t> </a:t>
+            </a:r>
+            <a:r>
+              <a:rPr lang="en-GB" dirty="0" err="1"/>
+              <a:t>lokalne</a:t>
+            </a:r>
+            <a:r>
+              <a:rPr lang="en-GB" dirty="0"/>
+              <a:t> </a:t>
+            </a:r>
+            <a:r>
+              <a:rPr lang="en-GB" dirty="0" err="1"/>
+              <a:t>konteksty</a:t>
+            </a:r>
+            <a:r>
+              <a:rPr lang="en-GB" dirty="0"/>
+              <a:t> </a:t>
+            </a:r>
+            <a:r>
+              <a:rPr lang="en-GB" dirty="0" err="1"/>
+              <a:t>LocalSeq</a:t>
+            </a:r>
+            <a:r>
+              <a:rPr lang="en-GB" dirty="0"/>
+              <a:t> </a:t>
+            </a:r>
+            <a:r>
+              <a:rPr lang="en-GB" dirty="0" err="1"/>
+              <a:t>oraz</a:t>
+            </a:r>
+            <a:r>
+              <a:rPr lang="en-GB" dirty="0"/>
+              <a:t> </a:t>
+            </a:r>
+            <a:r>
+              <a:rPr lang="en-GB" dirty="0" err="1"/>
+              <a:t>LocalParallel</a:t>
+            </a:r>
+            <a:endParaRPr lang="pl-PL" dirty="0"/>
+          </a:p>
+        </p:txBody>
+      </p:sp>
+      <p:sp>
+        <p:nvSpPr>
+          <p:cNvPr id="4" name="Slide Number Placeholder 3"/>
+          <p:cNvSpPr>
+            <a:spLocks noGrp="1"/>
+          </p:cNvSpPr>
+          <p:nvPr>
+            <p:ph type="sldNum" sz="quarter" idx="5"/>
+          </p:nvPr>
+        </p:nvSpPr>
+        <p:spPr/>
+        <p:txBody>
+          <a:bodyPr/>
+          <a:lstStyle/>
+          <a:p>
+            <a:fld id="{55992286-4AA4-4E55-98B6-FFAF34B74A40}" type="slidenum">
+              <a:rPr lang="en-US" smtClean="0"/>
+              <a:t>18</a:t>
+            </a:fld>
+            <a:endParaRPr lang="en-US"/>
+          </a:p>
+        </p:txBody>
+      </p:sp>
+    </p:spTree>
+    <p:extLst>
+      <p:ext uri="{BB962C8B-B14F-4D97-AF65-F5344CB8AC3E}">
+        <p14:creationId xmlns:p14="http://schemas.microsoft.com/office/powerpoint/2010/main" val="2760287465"/>
+      </p:ext>
+    </p:extLst>
+  </p:cSld>
+  <p:clrMapOvr>
+    <a:masterClrMapping/>
+  </p:clrMapOvr>
+</p:notes>
+</file>
+
+<file path=ppt/notesSlides/notesSlide18.xml><?xml version="1.0" encoding="utf-8"?>
+<p:notes xmlns:a="http://schemas.openxmlformats.org/drawingml/2006/main" xmlns:r="http://schemas.openxmlformats.org/officeDocument/2006/relationships" xmlns:p="http://schemas.openxmlformats.org/presentationml/2006/main">
+  <p:cSld>
+    <p:spTree>
+      <p:nvGrpSpPr>
+        <p:cNvPr id="1" name=""/>
+        <p:cNvGrpSpPr/>
+        <p:nvPr/>
+      </p:nvGrpSpPr>
+      <p:grpSpPr>
+        <a:xfrm>
+          <a:off x="0" y="0"/>
+          <a:ext cx="0" cy="0"/>
+          <a:chOff x="0" y="0"/>
+          <a:chExt cx="0" cy="0"/>
+        </a:xfrm>
+      </p:grpSpPr>
+      <p:sp>
+        <p:nvSpPr>
+          <p:cNvPr id="2" name="Slide Image Placeholder 1"/>
+          <p:cNvSpPr>
+            <a:spLocks noGrp="1" noRot="1" noChangeAspect="1"/>
+          </p:cNvSpPr>
+          <p:nvPr>
+            <p:ph type="sldImg"/>
+          </p:nvPr>
+        </p:nvSpPr>
+        <p:spPr/>
+      </p:sp>
+      <p:sp>
+        <p:nvSpPr>
+          <p:cNvPr id="3" name="Notes Placeholder 2"/>
+          <p:cNvSpPr>
+            <a:spLocks noGrp="1"/>
+          </p:cNvSpPr>
+          <p:nvPr>
+            <p:ph type="body" idx="1"/>
+          </p:nvPr>
+        </p:nvSpPr>
+        <p:spPr/>
+        <p:txBody>
+          <a:bodyPr/>
+          <a:lstStyle/>
+          <a:p>
+            <a:r>
+              <a:rPr lang="en-GB" dirty="0"/>
+              <a:t>SQL 2016 –</a:t>
+            </a:r>
+            <a:r>
+              <a:rPr lang="en-GB" dirty="0" err="1"/>
+              <a:t>wprowadzony</a:t>
+            </a:r>
+            <a:r>
+              <a:rPr lang="en-GB" dirty="0"/>
+              <a:t> mechanism do </a:t>
+            </a:r>
+            <a:r>
+              <a:rPr lang="en-GB" dirty="0" err="1"/>
+              <a:t>efektywnego</a:t>
+            </a:r>
+            <a:r>
+              <a:rPr lang="en-GB" dirty="0"/>
+              <a:t> </a:t>
+            </a:r>
+            <a:r>
+              <a:rPr lang="en-GB" dirty="0" err="1"/>
+              <a:t>uruchamiania</a:t>
+            </a:r>
+            <a:r>
+              <a:rPr lang="en-GB" dirty="0"/>
+              <a:t> </a:t>
+            </a:r>
+            <a:r>
+              <a:rPr lang="en-GB" dirty="0" err="1"/>
+              <a:t>modeli</a:t>
+            </a:r>
+            <a:r>
+              <a:rPr lang="en-GB" dirty="0"/>
+              <a:t> </a:t>
+            </a:r>
+            <a:r>
+              <a:rPr lang="en-GB" dirty="0" err="1"/>
+              <a:t>na</a:t>
+            </a:r>
+            <a:r>
+              <a:rPr lang="en-GB" dirty="0"/>
+              <a:t> </a:t>
+            </a:r>
+            <a:r>
+              <a:rPr lang="en-GB" dirty="0" err="1"/>
+              <a:t>danych</a:t>
+            </a:r>
+            <a:r>
+              <a:rPr lang="en-GB" dirty="0"/>
+              <a:t> w SQL</a:t>
+            </a:r>
+            <a:endParaRPr lang="pl-PL" dirty="0"/>
+          </a:p>
+        </p:txBody>
+      </p:sp>
+      <p:sp>
+        <p:nvSpPr>
+          <p:cNvPr id="4" name="Slide Number Placeholder 3"/>
+          <p:cNvSpPr>
+            <a:spLocks noGrp="1"/>
+          </p:cNvSpPr>
+          <p:nvPr>
+            <p:ph type="sldNum" sz="quarter" idx="5"/>
+          </p:nvPr>
+        </p:nvSpPr>
+        <p:spPr/>
+        <p:txBody>
+          <a:bodyPr/>
+          <a:lstStyle/>
+          <a:p>
+            <a:fld id="{55992286-4AA4-4E55-98B6-FFAF34B74A40}" type="slidenum">
+              <a:rPr lang="en-US" smtClean="0"/>
+              <a:t>19</a:t>
+            </a:fld>
+            <a:endParaRPr lang="en-US"/>
+          </a:p>
+        </p:txBody>
+      </p:sp>
+    </p:spTree>
+    <p:extLst>
+      <p:ext uri="{BB962C8B-B14F-4D97-AF65-F5344CB8AC3E}">
+        <p14:creationId xmlns:p14="http://schemas.microsoft.com/office/powerpoint/2010/main" val="2980444014"/>
+      </p:ext>
+    </p:extLst>
+  </p:cSld>
+  <p:clrMapOvr>
+    <a:masterClrMapping/>
+  </p:clrMapOvr>
+</p:notes>
+</file>
+
+<file path=ppt/notesSlides/notesSlide19.xml><?xml version="1.0" encoding="utf-8"?>
+<p:notes xmlns:a="http://schemas.openxmlformats.org/drawingml/2006/main" xmlns:r="http://schemas.openxmlformats.org/officeDocument/2006/relationships" xmlns:p="http://schemas.openxmlformats.org/presentationml/2006/main">
+  <p:cSld>
+    <p:spTree>
+      <p:nvGrpSpPr>
+        <p:cNvPr id="1" name=""/>
+        <p:cNvGrpSpPr/>
+        <p:nvPr/>
+      </p:nvGrpSpPr>
+      <p:grpSpPr>
+        <a:xfrm>
+          <a:off x="0" y="0"/>
+          <a:ext cx="0" cy="0"/>
+          <a:chOff x="0" y="0"/>
+          <a:chExt cx="0" cy="0"/>
+        </a:xfrm>
+      </p:grpSpPr>
+      <p:sp>
+        <p:nvSpPr>
+          <p:cNvPr id="2" name="Slide Image Placeholder 1"/>
+          <p:cNvSpPr>
+            <a:spLocks noGrp="1" noRot="1" noChangeAspect="1"/>
+          </p:cNvSpPr>
+          <p:nvPr>
+            <p:ph type="sldImg"/>
+          </p:nvPr>
+        </p:nvSpPr>
+        <p:spPr/>
+      </p:sp>
+      <p:sp>
+        <p:nvSpPr>
+          <p:cNvPr id="3" name="Notes Placeholder 2"/>
+          <p:cNvSpPr>
+            <a:spLocks noGrp="1"/>
+          </p:cNvSpPr>
+          <p:nvPr>
+            <p:ph type="body" idx="1"/>
+          </p:nvPr>
+        </p:nvSpPr>
+        <p:spPr/>
+        <p:txBody>
+          <a:bodyPr/>
+          <a:lstStyle/>
+          <a:p>
+            <a:r>
+              <a:rPr lang="en-GB" dirty="0"/>
+              <a:t>W 2017 </a:t>
+            </a:r>
+            <a:r>
+              <a:rPr lang="en-GB" dirty="0" err="1"/>
+              <a:t>bardziej</a:t>
+            </a:r>
+            <a:r>
+              <a:rPr lang="en-GB" dirty="0"/>
+              <a:t> </a:t>
+            </a:r>
+            <a:r>
+              <a:rPr lang="en-GB" dirty="0" err="1"/>
+              <a:t>natywne</a:t>
+            </a:r>
+            <a:r>
+              <a:rPr lang="en-GB" dirty="0"/>
+              <a:t> </a:t>
+            </a:r>
+            <a:r>
+              <a:rPr lang="en-GB" dirty="0" err="1"/>
+              <a:t>wsparcie</a:t>
+            </a:r>
+            <a:r>
+              <a:rPr lang="en-GB" dirty="0"/>
+              <a:t> </a:t>
+            </a:r>
+            <a:r>
+              <a:rPr lang="en-GB" dirty="0" err="1"/>
+              <a:t>dla</a:t>
+            </a:r>
+            <a:r>
+              <a:rPr lang="en-GB" dirty="0"/>
+              <a:t> </a:t>
+            </a:r>
+            <a:r>
+              <a:rPr lang="en-GB" dirty="0" err="1"/>
+              <a:t>wykonywania</a:t>
+            </a:r>
+            <a:r>
+              <a:rPr lang="en-GB" dirty="0"/>
+              <a:t> </a:t>
+            </a:r>
+            <a:r>
+              <a:rPr lang="en-GB" dirty="0" err="1"/>
+              <a:t>modeli</a:t>
+            </a:r>
+            <a:r>
+              <a:rPr lang="en-GB" dirty="0"/>
+              <a:t> w SQL (</a:t>
+            </a:r>
+            <a:r>
+              <a:rPr lang="en-GB" dirty="0" err="1"/>
+              <a:t>klauzula</a:t>
+            </a:r>
+            <a:r>
+              <a:rPr lang="en-GB" dirty="0"/>
+              <a:t> PREDICT)</a:t>
+            </a:r>
+            <a:endParaRPr lang="pl-PL" dirty="0"/>
+          </a:p>
+        </p:txBody>
+      </p:sp>
+      <p:sp>
+        <p:nvSpPr>
+          <p:cNvPr id="4" name="Slide Number Placeholder 3"/>
+          <p:cNvSpPr>
+            <a:spLocks noGrp="1"/>
+          </p:cNvSpPr>
+          <p:nvPr>
+            <p:ph type="sldNum" sz="quarter" idx="5"/>
+          </p:nvPr>
+        </p:nvSpPr>
+        <p:spPr/>
+        <p:txBody>
+          <a:bodyPr/>
+          <a:lstStyle/>
+          <a:p>
+            <a:fld id="{55992286-4AA4-4E55-98B6-FFAF34B74A40}" type="slidenum">
+              <a:rPr lang="en-US" smtClean="0"/>
+              <a:t>20</a:t>
+            </a:fld>
+            <a:endParaRPr lang="en-US"/>
+          </a:p>
+        </p:txBody>
+      </p:sp>
+    </p:spTree>
+    <p:extLst>
+      <p:ext uri="{BB962C8B-B14F-4D97-AF65-F5344CB8AC3E}">
+        <p14:creationId xmlns:p14="http://schemas.microsoft.com/office/powerpoint/2010/main" val="1699649804"/>
       </p:ext>
     </p:extLst>
   </p:cSld>
@@ -791,63 +3580,108 @@
           <a:p>
             <a:r>
               <a:rPr lang="en-GB" dirty="0"/>
-              <a:t>My </a:t>
-            </a:r>
-            <a:r>
-              <a:rPr lang="en-GB" dirty="0" err="1"/>
-              <a:t>dziś</a:t>
-            </a:r>
-            <a:r>
-              <a:rPr lang="en-GB" dirty="0"/>
-              <a:t> </a:t>
-            </a:r>
-            <a:r>
-              <a:rPr lang="en-GB" dirty="0" err="1"/>
-              <a:t>się</a:t>
-            </a:r>
-            <a:r>
-              <a:rPr lang="en-GB" dirty="0"/>
-              <a:t> </a:t>
-            </a:r>
-            <a:r>
-              <a:rPr lang="en-GB" dirty="0" err="1"/>
-              <a:t>skupimy</a:t>
-            </a:r>
-            <a:r>
-              <a:rPr lang="en-GB" dirty="0"/>
-              <a:t> </a:t>
-            </a:r>
-            <a:r>
-              <a:rPr lang="en-GB" dirty="0" err="1"/>
-              <a:t>na</a:t>
-            </a:r>
-            <a:r>
-              <a:rPr lang="en-GB" dirty="0"/>
-              <a:t> SQL Server </a:t>
-            </a:r>
-            <a:r>
-              <a:rPr lang="en-GB" dirty="0" err="1"/>
-              <a:t>oraz</a:t>
-            </a:r>
-            <a:r>
-              <a:rPr lang="en-GB" dirty="0"/>
-              <a:t> </a:t>
-            </a:r>
-            <a:r>
-              <a:rPr lang="en-GB" dirty="0" err="1"/>
-              <a:t>integracji</a:t>
-            </a:r>
-            <a:r>
-              <a:rPr lang="en-GB" dirty="0"/>
-              <a:t> SQL Server z R </a:t>
-            </a:r>
-            <a:r>
-              <a:rPr lang="en-GB" dirty="0" err="1"/>
-              <a:t>i</a:t>
-            </a:r>
-            <a:r>
-              <a:rPr lang="en-GB" dirty="0"/>
-              <a:t> Python</a:t>
+              <a:t>O </a:t>
+            </a:r>
+            <a:r>
+              <a:rPr lang="en-GB" dirty="0" err="1"/>
+              <a:t>Czym</a:t>
+            </a:r>
+            <a:r>
+              <a:rPr lang="en-GB" dirty="0"/>
+              <a:t> </a:t>
+            </a:r>
+            <a:r>
+              <a:rPr lang="en-GB" dirty="0" err="1"/>
+              <a:t>dzis</a:t>
+            </a:r>
+            <a:endParaRPr lang="en-GB" dirty="0"/>
+          </a:p>
+          <a:p>
+            <a:r>
+              <a:rPr lang="en-GB" dirty="0" err="1"/>
+              <a:t>Generalnie</a:t>
+            </a:r>
+            <a:r>
+              <a:rPr lang="en-GB" dirty="0"/>
+              <a:t> o SQL Sever I   </a:t>
+            </a:r>
+            <a:r>
+              <a:rPr lang="en-GB" dirty="0" err="1"/>
+              <a:t>trchone</a:t>
+            </a:r>
+            <a:r>
+              <a:rPr lang="en-GB" dirty="0"/>
+              <a:t> </a:t>
+            </a:r>
+            <a:r>
+              <a:rPr lang="en-GB" dirty="0" err="1"/>
+              <a:t>bardzoej</a:t>
+            </a:r>
+            <a:r>
+              <a:rPr lang="en-GB" dirty="0"/>
+              <a:t> </a:t>
+            </a:r>
+            <a:r>
+              <a:rPr lang="en-GB" dirty="0" err="1"/>
+              <a:t>zaawansowanej</a:t>
+            </a:r>
+            <a:r>
+              <a:rPr lang="en-GB" dirty="0"/>
+              <a:t> </a:t>
+            </a:r>
+            <a:r>
+              <a:rPr lang="en-GB" dirty="0" err="1"/>
+              <a:t>analizie</a:t>
+            </a:r>
+            <a:r>
+              <a:rPr lang="en-GB" dirty="0"/>
+              <a:t> </a:t>
+            </a:r>
+            <a:r>
+              <a:rPr lang="en-GB" dirty="0" err="1"/>
+              <a:t>danych</a:t>
+            </a:r>
+            <a:r>
+              <a:rPr lang="en-GB" dirty="0"/>
+              <a:t> z </a:t>
+            </a:r>
+            <a:r>
+              <a:rPr lang="en-GB" dirty="0" err="1"/>
+              <a:t>wykorzystaniem</a:t>
+            </a:r>
+            <a:r>
+              <a:rPr lang="en-GB" dirty="0"/>
+              <a:t> R I </a:t>
+            </a:r>
+            <a:r>
+              <a:rPr lang="en-GB" dirty="0" err="1"/>
+              <a:t>Pythona</a:t>
+            </a:r>
+            <a:r>
+              <a:rPr lang="en-GB" dirty="0"/>
+              <a:t> </a:t>
+            </a:r>
+          </a:p>
+          <a:p>
+            <a:r>
+              <a:rPr lang="en-GB" dirty="0" err="1"/>
+              <a:t>Oraz</a:t>
+            </a:r>
+            <a:r>
+              <a:rPr lang="en-GB" dirty="0"/>
+              <a:t> </a:t>
+            </a:r>
+            <a:r>
+              <a:rPr lang="en-GB" dirty="0" err="1"/>
+              <a:t>bibliotek</a:t>
+            </a:r>
+            <a:r>
+              <a:rPr lang="en-GB" dirty="0"/>
+              <a:t> </a:t>
+            </a:r>
+            <a:r>
+              <a:rPr lang="en-GB" dirty="0" err="1"/>
+              <a:t>Revoscale</a:t>
             </a:r>
             <a:endParaRPr lang="pl-PL" dirty="0"/>
           </a:p>
@@ -870,7 +3704,7 @@
           <a:p>
             <a:fld id="{55992286-4AA4-4E55-98B6-FFAF34B74A40}" type="slidenum">
               <a:rPr lang="en-US" smtClean="0"/>
-              <a:t>11</a:t>
+              <a:t>2</a:t>
             </a:fld>
             <a:endParaRPr lang="en-US"/>
           </a:p>
@@ -879,7 +3713,129 @@
     </p:spTree>
     <p:extLst>
       <p:ext uri="{BB962C8B-B14F-4D97-AF65-F5344CB8AC3E}">
-        <p14:creationId xmlns:p14="http://schemas.microsoft.com/office/powerpoint/2010/main" val="346995"/>
+        <p14:creationId xmlns:p14="http://schemas.microsoft.com/office/powerpoint/2010/main" val="3963739666"/>
+      </p:ext>
+    </p:extLst>
+  </p:cSld>
+  <p:clrMapOvr>
+    <a:masterClrMapping/>
+  </p:clrMapOvr>
+</p:notes>
+</file>
+
+<file path=ppt/notesSlides/notesSlide20.xml><?xml version="1.0" encoding="utf-8"?>
+<p:notes xmlns:a="http://schemas.openxmlformats.org/drawingml/2006/main" xmlns:r="http://schemas.openxmlformats.org/officeDocument/2006/relationships" xmlns:p="http://schemas.openxmlformats.org/presentationml/2006/main">
+  <p:cSld>
+    <p:spTree>
+      <p:nvGrpSpPr>
+        <p:cNvPr id="1" name=""/>
+        <p:cNvGrpSpPr/>
+        <p:nvPr/>
+      </p:nvGrpSpPr>
+      <p:grpSpPr>
+        <a:xfrm>
+          <a:off x="0" y="0"/>
+          <a:ext cx="0" cy="0"/>
+          <a:chOff x="0" y="0"/>
+          <a:chExt cx="0" cy="0"/>
+        </a:xfrm>
+      </p:grpSpPr>
+      <p:sp>
+        <p:nvSpPr>
+          <p:cNvPr id="2" name="Slide Image Placeholder 1"/>
+          <p:cNvSpPr>
+            <a:spLocks noGrp="1" noRot="1" noChangeAspect="1"/>
+          </p:cNvSpPr>
+          <p:nvPr>
+            <p:ph type="sldImg"/>
+          </p:nvPr>
+        </p:nvSpPr>
+        <p:spPr/>
+      </p:sp>
+      <p:sp>
+        <p:nvSpPr>
+          <p:cNvPr id="3" name="Notes Placeholder 2"/>
+          <p:cNvSpPr>
+            <a:spLocks noGrp="1"/>
+          </p:cNvSpPr>
+          <p:nvPr>
+            <p:ph type="body" idx="1"/>
+          </p:nvPr>
+        </p:nvSpPr>
+        <p:spPr/>
+        <p:txBody>
+          <a:bodyPr/>
+          <a:lstStyle/>
+          <a:p>
+            <a:pPr marL="0" marR="0" lvl="0" indent="0" algn="l" defTabSz="914400" rtl="0" eaLnBrk="1" fontAlgn="auto" latinLnBrk="0" hangingPunct="1">
+              <a:lnSpc>
+                <a:spcPct val="100000"/>
+              </a:lnSpc>
+              <a:spcBef>
+                <a:spcPts val="0"/>
+              </a:spcBef>
+              <a:spcAft>
+                <a:spcPts val="0"/>
+              </a:spcAft>
+              <a:buClrTx/>
+              <a:buSzTx/>
+              <a:buFontTx/>
+              <a:buNone/>
+              <a:tabLst/>
+              <a:defRPr/>
+            </a:pPr>
+            <a:r>
+              <a:rPr lang="en-US" sz="1200" dirty="0">
+                <a:solidFill>
+                  <a:schemeClr val="tx1">
+                    <a:lumMod val="65000"/>
+                    <a:lumOff val="35000"/>
+                  </a:schemeClr>
+                </a:solidFill>
+              </a:rPr>
+              <a:t>WODA is an abstraction layer. It allows the data scientist to develop code locally (on a single machine and using smaller datasets) but deploy it in environments such as Hadoop, Spark or SQL Server without having to change the code too much and without having to know too much about what goes on under the hood in such environments when the code is deployed.</a:t>
+            </a:r>
+            <a:endParaRPr lang="pl-PL" sz="1200" dirty="0">
+              <a:solidFill>
+                <a:schemeClr val="tx1">
+                  <a:lumMod val="65000"/>
+                  <a:lumOff val="35000"/>
+                </a:schemeClr>
+              </a:solidFill>
+            </a:endParaRPr>
+          </a:p>
+          <a:p>
+            <a:endParaRPr lang="pl-PL" dirty="0"/>
+          </a:p>
+        </p:txBody>
+      </p:sp>
+      <p:sp>
+        <p:nvSpPr>
+          <p:cNvPr id="4" name="Slide Number Placeholder 3"/>
+          <p:cNvSpPr>
+            <a:spLocks noGrp="1"/>
+          </p:cNvSpPr>
+          <p:nvPr>
+            <p:ph type="sldNum" sz="quarter" idx="5"/>
+          </p:nvPr>
+        </p:nvSpPr>
+        <p:spPr/>
+        <p:txBody>
+          <a:bodyPr/>
+          <a:lstStyle/>
+          <a:p>
+            <a:fld id="{55992286-4AA4-4E55-98B6-FFAF34B74A40}" type="slidenum">
+              <a:rPr lang="en-US" smtClean="0"/>
+              <a:t>22</a:t>
+            </a:fld>
+            <a:endParaRPr lang="en-US"/>
+          </a:p>
+        </p:txBody>
+      </p:sp>
+    </p:spTree>
+    <p:extLst>
+      <p:ext uri="{BB962C8B-B14F-4D97-AF65-F5344CB8AC3E}">
+        <p14:creationId xmlns:p14="http://schemas.microsoft.com/office/powerpoint/2010/main" val="2156939281"/>
       </p:ext>
     </p:extLst>
   </p:cSld>
@@ -934,7 +3890,7 @@
           <a:lstStyle/>
           <a:p>
             <a:r>
-              <a:rPr lang="pl-PL" sz="1200" b="1" i="0" kern="1200" dirty="0">
+              <a:rPr lang="pl-PL" sz="1200" b="0" i="0" kern="1200" dirty="0">
                 <a:solidFill>
                   <a:schemeClr val="tx1"/>
                 </a:solidFill>
@@ -943,8 +3899,11 @@
                 <a:ea typeface="+mn-ea"/>
                 <a:cs typeface="+mn-cs"/>
               </a:rPr>
-              <a:t>@input_data_1</a:t>
-            </a:r>
+              <a:t>Machine learning (tłumaczone na język polski jako „uczenie maszynowe”), to temat, który staje się z dnia na dzień coraz bardziej popularny. </a:t>
+            </a:r>
+            <a:br>
+              <a:rPr lang="pl-PL" dirty="0"/>
+            </a:br>
             <a:r>
               <a:rPr lang="pl-PL" sz="1200" b="0" i="0" kern="1200" dirty="0">
                 <a:solidFill>
@@ -955,10 +3914,10 @@
                 <a:ea typeface="+mn-ea"/>
                 <a:cs typeface="+mn-cs"/>
               </a:rPr>
-              <a:t> </a:t>
-            </a:r>
-            <a:r>
-              <a:rPr lang="en-GB" sz="1200" b="0" i="0" kern="1200" dirty="0">
+              <a:t>Nazwę machine learning wymyślił </a:t>
+            </a:r>
+            <a:r>
+              <a:rPr lang="pl-PL" sz="1200" b="1" i="0" kern="1200" dirty="0">
                 <a:solidFill>
                   <a:schemeClr val="tx1"/>
                 </a:solidFill>
@@ -967,7 +3926,66 @@
                 <a:ea typeface="+mn-ea"/>
                 <a:cs typeface="+mn-cs"/>
               </a:rPr>
-              <a:t> -TSQL</a:t>
+              <a:t>Arthur Samuel</a:t>
+            </a:r>
+            <a:r>
+              <a:rPr lang="pl-PL" sz="1200" b="0" i="0" kern="1200" dirty="0">
+                <a:solidFill>
+                  <a:schemeClr val="tx1"/>
+                </a:solidFill>
+                <a:effectLst/>
+                <a:latin typeface="+mn-lt"/>
+                <a:ea typeface="+mn-ea"/>
+                <a:cs typeface="+mn-cs"/>
+              </a:rPr>
+              <a:t> w 1959 roku i określił tymi słowami zdolność komputerów do uczenia się bez programowania nowych umiejętności wprost (ang. </a:t>
+            </a:r>
+            <a:r>
+              <a:rPr lang="pl-PL" sz="1200" b="0" i="1" kern="1200" dirty="0">
+                <a:solidFill>
+                  <a:schemeClr val="tx1"/>
+                </a:solidFill>
+                <a:effectLst/>
+                <a:latin typeface="+mn-lt"/>
+                <a:ea typeface="+mn-ea"/>
+                <a:cs typeface="+mn-cs"/>
+              </a:rPr>
+              <a:t>Field of study that gives computers the ability to learn without being explicitly programmed</a:t>
+            </a:r>
+            <a:r>
+              <a:rPr lang="pl-PL" sz="1200" b="0" i="0" kern="1200" dirty="0">
+                <a:solidFill>
+                  <a:schemeClr val="tx1"/>
+                </a:solidFill>
+                <a:effectLst/>
+                <a:latin typeface="+mn-lt"/>
+                <a:ea typeface="+mn-ea"/>
+                <a:cs typeface="+mn-cs"/>
+              </a:rPr>
+              <a:t>).</a:t>
+            </a:r>
+            <a:endParaRPr lang="en-GB" sz="1200" b="0" i="0" kern="1200" dirty="0">
+              <a:solidFill>
+                <a:schemeClr val="tx1"/>
+              </a:solidFill>
+              <a:effectLst/>
+              <a:latin typeface="+mn-lt"/>
+              <a:ea typeface="+mn-ea"/>
+              <a:cs typeface="+mn-cs"/>
+            </a:endParaRPr>
+          </a:p>
+          <a:p>
+            <a:r>
+              <a:rPr lang="pl-PL" sz="1200" b="1" i="0" kern="1200" dirty="0">
+                <a:solidFill>
+                  <a:schemeClr val="tx1"/>
+                </a:solidFill>
+                <a:effectLst/>
+                <a:latin typeface="+mn-lt"/>
+                <a:ea typeface="+mn-ea"/>
+                <a:cs typeface="+mn-cs"/>
+              </a:rPr>
+              <a:t>Uczenie nadzorowane</a:t>
             </a:r>
             <a:endParaRPr lang="en-GB" sz="1200" b="1" i="0" kern="1200" dirty="0">
               <a:solidFill>
@@ -990,10 +4008,10 @@
                 <a:ea typeface="+mn-ea"/>
                 <a:cs typeface="+mn-cs"/>
               </a:rPr>
-              <a:t>@input_data_1_name</a:t>
-            </a:r>
-            <a:r>
-              <a:rPr lang="en-GB" sz="1200" b="1" i="0" kern="1200" dirty="0">
+              <a:t>Uczenie nienadzorowane</a:t>
+            </a:r>
+            <a:r>
+              <a:rPr lang="pl-PL" sz="1200" b="0" i="0" kern="1200" dirty="0">
                 <a:solidFill>
                   <a:schemeClr val="tx1"/>
                 </a:solidFill>
@@ -1002,10 +4020,21 @@
                 <a:ea typeface="+mn-ea"/>
                 <a:cs typeface="+mn-cs"/>
               </a:rPr>
-              <a:t>  </a:t>
-            </a:r>
-            <a:r>
-              <a:rPr lang="pl-PL" sz="1200" b="0" i="1" kern="1200" dirty="0">
+              <a:t> </a:t>
+            </a:r>
+            <a:endParaRPr lang="en-GB" sz="1200" b="0" i="0" kern="1200" dirty="0">
+              <a:solidFill>
+                <a:schemeClr val="tx1"/>
+              </a:solidFill>
+              <a:effectLst/>
+              <a:latin typeface="+mn-lt"/>
+              <a:ea typeface="+mn-ea"/>
+              <a:cs typeface="+mn-cs"/>
+            </a:endParaRPr>
+          </a:p>
+          <a:p>
+            <a:r>
+              <a:rPr lang="pl-PL" sz="1200" b="1" i="0" kern="1200" dirty="0">
                 <a:solidFill>
                   <a:schemeClr val="tx1"/>
                 </a:solidFill>
@@ -1014,10 +4043,38 @@
                 <a:ea typeface="+mn-ea"/>
                 <a:cs typeface="+mn-cs"/>
               </a:rPr>
-              <a:t>InputDataSet</a:t>
-            </a:r>
-            <a:r>
-              <a:rPr lang="en-GB" sz="1200" b="0" i="1" kern="1200" dirty="0">
+              <a:t>Uczenie przez wzmacnianie</a:t>
+            </a:r>
+            <a:endParaRPr lang="en-GB" sz="1200" b="1" i="0" kern="1200" dirty="0">
+              <a:solidFill>
+                <a:schemeClr val="tx1"/>
+              </a:solidFill>
+              <a:effectLst/>
+              <a:latin typeface="+mn-lt"/>
+              <a:ea typeface="+mn-ea"/>
+              <a:cs typeface="+mn-cs"/>
+            </a:endParaRPr>
+          </a:p>
+          <a:p>
+            <a:pPr marL="0" marR="0" lvl="0" indent="0" algn="l" defTabSz="914400" rtl="0" eaLnBrk="1" fontAlgn="auto" latinLnBrk="0" hangingPunct="1">
+              <a:lnSpc>
+                <a:spcPct val="100000"/>
+              </a:lnSpc>
+              <a:spcBef>
+                <a:spcPts val="0"/>
+              </a:spcBef>
+              <a:spcAft>
+                <a:spcPts val="0"/>
+              </a:spcAft>
+              <a:buClrTx/>
+              <a:buSzTx/>
+              <a:buFontTx/>
+              <a:buNone/>
+              <a:tabLst/>
+              <a:defRPr/>
+            </a:pPr>
+            <a:r>
+              <a:rPr lang="pl-PL" sz="1200" b="1" i="0" kern="1200" dirty="0">
                 <a:solidFill>
                   <a:schemeClr val="tx1"/>
                 </a:solidFill>
@@ -1026,10 +4083,21 @@
                 <a:ea typeface="+mn-ea"/>
                 <a:cs typeface="+mn-cs"/>
               </a:rPr>
-              <a:t> (R </a:t>
-            </a:r>
-            <a:r>
-              <a:rPr lang="en-GB" sz="1200" b="0" i="1" kern="1200" dirty="0" err="1">
+              <a:t>Podstawowy podział algorytmów machine learning</a:t>
+            </a:r>
+            <a:endParaRPr lang="pl-PL" sz="1200" b="0" i="0" kern="1200" dirty="0">
+              <a:solidFill>
+                <a:schemeClr val="tx1"/>
+              </a:solidFill>
+              <a:effectLst/>
+              <a:latin typeface="+mn-lt"/>
+              <a:ea typeface="+mn-ea"/>
+              <a:cs typeface="+mn-cs"/>
+            </a:endParaRPr>
+          </a:p>
+          <a:p>
+            <a:r>
+              <a:rPr lang="pl-PL" sz="1200" b="1" i="0" kern="1200" dirty="0">
                 <a:solidFill>
                   <a:schemeClr val="tx1"/>
                 </a:solidFill>
@@ -1038,10 +4106,21 @@
                 <a:ea typeface="+mn-ea"/>
                 <a:cs typeface="+mn-cs"/>
               </a:rPr>
-              <a:t>Dataframe</a:t>
-            </a:r>
-            <a:r>
-              <a:rPr lang="en-GB" sz="1200" b="0" i="1" kern="1200" dirty="0">
+              <a:t>Algorytmy klasyfikacyjne</a:t>
+            </a:r>
+            <a:endParaRPr lang="en-GB" sz="1200" b="1" i="0" kern="1200" dirty="0">
+              <a:solidFill>
+                <a:schemeClr val="tx1"/>
+              </a:solidFill>
+              <a:effectLst/>
+              <a:latin typeface="+mn-lt"/>
+              <a:ea typeface="+mn-ea"/>
+              <a:cs typeface="+mn-cs"/>
+            </a:endParaRPr>
+          </a:p>
+          <a:p>
+            <a:r>
+              <a:rPr lang="pl-PL" sz="1200" b="1" i="0" kern="1200" dirty="0">
                 <a:solidFill>
                   <a:schemeClr val="tx1"/>
                 </a:solidFill>
@@ -1050,10 +4129,21 @@
                 <a:ea typeface="+mn-ea"/>
                 <a:cs typeface="+mn-cs"/>
               </a:rPr>
-              <a:t>, Python pandas </a:t>
-            </a:r>
-            <a:r>
-              <a:rPr lang="en-GB" sz="1200" b="0" i="1" kern="1200" dirty="0" err="1">
+              <a:t>Algorytmy regresyjne</a:t>
+            </a:r>
+            <a:endParaRPr lang="en-GB" sz="1200" b="1" i="0" kern="1200" dirty="0">
+              <a:solidFill>
+                <a:schemeClr val="tx1"/>
+              </a:solidFill>
+              <a:effectLst/>
+              <a:latin typeface="+mn-lt"/>
+              <a:ea typeface="+mn-ea"/>
+              <a:cs typeface="+mn-cs"/>
+            </a:endParaRPr>
+          </a:p>
+          <a:p>
+            <a:r>
+              <a:rPr lang="pl-PL" sz="1200" b="1" i="0" kern="1200" dirty="0">
                 <a:solidFill>
                   <a:schemeClr val="tx1"/>
                 </a:solidFill>
@@ -1062,58 +4152,30 @@
                 <a:ea typeface="+mn-ea"/>
                 <a:cs typeface="+mn-cs"/>
               </a:rPr>
-              <a:t>Dataframe</a:t>
-            </a:r>
-            <a:r>
-              <a:rPr lang="en-GB" sz="1200" b="0" i="1" kern="1200" dirty="0">
-                <a:solidFill>
-                  <a:schemeClr val="tx1"/>
-                </a:solidFill>
-                <a:effectLst/>
-                <a:latin typeface="+mn-lt"/>
-                <a:ea typeface="+mn-ea"/>
-                <a:cs typeface="+mn-cs"/>
-              </a:rPr>
-              <a:t>)</a:t>
-            </a:r>
-          </a:p>
-          <a:p>
-            <a:r>
-              <a:rPr lang="pl-PL" sz="1200" b="1" i="0" kern="1200" dirty="0">
-                <a:solidFill>
-                  <a:schemeClr val="tx1"/>
-                </a:solidFill>
-                <a:effectLst/>
-                <a:latin typeface="+mn-lt"/>
-                <a:ea typeface="+mn-ea"/>
-                <a:cs typeface="+mn-cs"/>
-              </a:rPr>
-              <a:t>@output_data_1_name</a:t>
-            </a:r>
-            <a:r>
-              <a:rPr lang="en-GB" sz="1200" b="1" i="0" kern="1200" dirty="0">
-                <a:solidFill>
-                  <a:schemeClr val="tx1"/>
-                </a:solidFill>
-                <a:effectLst/>
-                <a:latin typeface="+mn-lt"/>
-                <a:ea typeface="+mn-ea"/>
-                <a:cs typeface="+mn-cs"/>
-              </a:rPr>
-              <a:t> </a:t>
-            </a:r>
-            <a:r>
-              <a:rPr lang="pl-PL" sz="1200" b="0" i="1" kern="1200" dirty="0">
-                <a:solidFill>
-                  <a:schemeClr val="tx1"/>
-                </a:solidFill>
-                <a:effectLst/>
-                <a:latin typeface="+mn-lt"/>
-                <a:ea typeface="+mn-ea"/>
-                <a:cs typeface="+mn-cs"/>
-              </a:rPr>
-              <a:t>OutputDataSet</a:t>
-            </a:r>
+              <a:t>Algorytmy grupujące</a:t>
+            </a:r>
+            <a:endParaRPr lang="en-GB" sz="1200" b="0" i="0" kern="1200" dirty="0">
+              <a:solidFill>
+                <a:schemeClr val="tx1"/>
+              </a:solidFill>
+              <a:effectLst/>
+              <a:latin typeface="+mn-lt"/>
+              <a:ea typeface="+mn-ea"/>
+              <a:cs typeface="+mn-cs"/>
+            </a:endParaRPr>
+          </a:p>
+          <a:p>
+            <a:endParaRPr lang="en-GB" sz="1200" b="1" i="0" kern="1200" dirty="0">
+              <a:solidFill>
+                <a:schemeClr val="tx1"/>
+              </a:solidFill>
+              <a:effectLst/>
+              <a:latin typeface="+mn-lt"/>
+              <a:ea typeface="+mn-ea"/>
+              <a:cs typeface="+mn-cs"/>
+            </a:endParaRPr>
+          </a:p>
+          <a:p>
             <a:endParaRPr lang="pl-PL" dirty="0"/>
           </a:p>
         </p:txBody>
@@ -1135,7 +4197,7 @@
           <a:p>
             <a:fld id="{55992286-4AA4-4E55-98B6-FFAF34B74A40}" type="slidenum">
               <a:rPr lang="en-US" smtClean="0"/>
-              <a:t>15</a:t>
+              <a:t>3</a:t>
             </a:fld>
             <a:endParaRPr lang="en-US"/>
           </a:p>
@@ -1144,7 +4206,7 @@
     </p:spTree>
     <p:extLst>
       <p:ext uri="{BB962C8B-B14F-4D97-AF65-F5344CB8AC3E}">
-        <p14:creationId xmlns:p14="http://schemas.microsoft.com/office/powerpoint/2010/main" val="3279027409"/>
+        <p14:creationId xmlns:p14="http://schemas.microsoft.com/office/powerpoint/2010/main" val="2577230409"/>
       </p:ext>
     </p:extLst>
   </p:cSld>
@@ -1200,89 +4262,257 @@
           <a:p>
             <a:r>
               <a:rPr lang="en-GB" dirty="0" err="1"/>
-              <a:t>Funckje</a:t>
-            </a:r>
-            <a:r>
-              <a:rPr lang="en-GB" dirty="0"/>
-              <a:t> </a:t>
-            </a:r>
-            <a:r>
-              <a:rPr lang="en-GB" dirty="0" err="1"/>
-              <a:t>rx</a:t>
-            </a:r>
-            <a:endParaRPr lang="en-GB" dirty="0"/>
-          </a:p>
-          <a:p>
-            <a:r>
-              <a:rPr lang="en-GB" dirty="0" err="1"/>
-              <a:t>Klika</a:t>
-            </a:r>
-            <a:r>
-              <a:rPr lang="en-GB" dirty="0"/>
-              <a:t> </a:t>
-            </a:r>
-            <a:r>
-              <a:rPr lang="en-GB" dirty="0" err="1"/>
-              <a:t>kategorii</a:t>
-            </a:r>
-            <a:r>
-              <a:rPr lang="en-GB" dirty="0"/>
-              <a:t>:</a:t>
-            </a:r>
-          </a:p>
-          <a:p>
-            <a:r>
-              <a:rPr lang="en-GB" dirty="0" err="1"/>
-              <a:t>Przygotowanie</a:t>
-            </a:r>
-            <a:r>
-              <a:rPr lang="en-GB" dirty="0"/>
-              <a:t> </a:t>
-            </a:r>
-            <a:r>
-              <a:rPr lang="en-GB" dirty="0" err="1"/>
-              <a:t>danych</a:t>
-            </a:r>
-            <a:r>
-              <a:rPr lang="en-GB" dirty="0"/>
-              <a:t> (</a:t>
-            </a:r>
-            <a:r>
-              <a:rPr lang="en-GB" dirty="0" err="1"/>
-              <a:t>xdf</a:t>
-            </a:r>
-            <a:r>
-              <a:rPr lang="en-GB" dirty="0"/>
-              <a:t>)</a:t>
-            </a:r>
-          </a:p>
-          <a:p>
-            <a:r>
-              <a:rPr lang="en-GB" dirty="0" err="1"/>
-              <a:t>Opis</a:t>
-            </a:r>
-            <a:r>
-              <a:rPr lang="en-GB" dirty="0"/>
-              <a:t> </a:t>
-            </a:r>
-            <a:r>
-              <a:rPr lang="en-GB" dirty="0" err="1"/>
-              <a:t>danych</a:t>
-            </a:r>
-            <a:endParaRPr lang="en-GB" dirty="0"/>
-          </a:p>
-          <a:p>
-            <a:r>
-              <a:rPr lang="en-GB" dirty="0" err="1"/>
-              <a:t>Funckje</a:t>
-            </a:r>
-            <a:r>
-              <a:rPr lang="en-GB" dirty="0"/>
-              <a:t> </a:t>
-            </a:r>
-            <a:r>
-              <a:rPr lang="en-GB" dirty="0" err="1"/>
-              <a:t>zwiazane</a:t>
+              <a:t>Jak</a:t>
+            </a:r>
+            <a:r>
+              <a:rPr lang="en-GB" dirty="0"/>
+              <a:t> to </a:t>
+            </a:r>
+            <a:r>
+              <a:rPr lang="en-GB" dirty="0" err="1"/>
+              <a:t>wyglada</a:t>
+            </a:r>
+            <a:r>
+              <a:rPr lang="en-GB" dirty="0"/>
+              <a:t> w </a:t>
+            </a:r>
+            <a:r>
+              <a:rPr lang="en-GB" dirty="0" err="1"/>
+              <a:t>rzeczywistosci</a:t>
+            </a:r>
+            <a:r>
+              <a:rPr lang="en-GB" dirty="0"/>
+              <a:t> –</a:t>
+            </a:r>
+            <a:r>
+              <a:rPr lang="en-GB" dirty="0" err="1"/>
+              <a:t>mamy</a:t>
+            </a:r>
+            <a:r>
+              <a:rPr lang="en-GB" dirty="0"/>
+              <a:t> </a:t>
+            </a:r>
+            <a:r>
+              <a:rPr lang="en-GB" dirty="0" err="1"/>
+              <a:t>zespol</a:t>
+            </a:r>
+            <a:r>
+              <a:rPr lang="en-GB" dirty="0"/>
+              <a:t>, </a:t>
+            </a:r>
+            <a:r>
+              <a:rPr lang="en-GB" dirty="0" err="1"/>
+              <a:t>który</a:t>
+            </a:r>
+            <a:r>
+              <a:rPr lang="en-GB" dirty="0"/>
+              <a:t> </a:t>
+            </a:r>
+            <a:r>
+              <a:rPr lang="en-GB" dirty="0" err="1"/>
+              <a:t>rozwija</a:t>
+            </a:r>
+            <a:r>
+              <a:rPr lang="en-GB" dirty="0"/>
+              <a:t> </a:t>
+            </a:r>
+            <a:r>
+              <a:rPr lang="en-GB" dirty="0" err="1"/>
+              <a:t>aplikacje</a:t>
+            </a:r>
+            <a:r>
+              <a:rPr lang="en-GB" dirty="0"/>
+              <a:t> </a:t>
+            </a:r>
+          </a:p>
+          <a:p>
+            <a:r>
+              <a:rPr lang="en-GB" dirty="0" err="1"/>
+              <a:t>Dodajmy</a:t>
+            </a:r>
+            <a:r>
+              <a:rPr lang="en-GB" dirty="0"/>
+              <a:t> ML –ale </a:t>
+            </a:r>
+            <a:r>
+              <a:rPr lang="en-GB" dirty="0" err="1"/>
+              <a:t>jak</a:t>
+            </a:r>
+            <a:r>
+              <a:rPr lang="en-GB" dirty="0"/>
+              <a:t>, my </a:t>
+            </a:r>
+            <a:r>
+              <a:rPr lang="en-GB" dirty="0" err="1"/>
+              <a:t>się</a:t>
+            </a:r>
+            <a:r>
+              <a:rPr lang="en-GB" dirty="0"/>
+              <a:t> </a:t>
+            </a:r>
+            <a:r>
+              <a:rPr lang="en-GB" dirty="0" err="1"/>
+              <a:t>na</a:t>
+            </a:r>
+            <a:r>
+              <a:rPr lang="en-GB" dirty="0"/>
+              <a:t> </a:t>
+            </a:r>
+            <a:r>
+              <a:rPr lang="en-GB" dirty="0" err="1"/>
+              <a:t>tym</a:t>
+            </a:r>
+            <a:r>
+              <a:rPr lang="en-GB" dirty="0"/>
+              <a:t> </a:t>
+            </a:r>
+            <a:r>
+              <a:rPr lang="en-GB" dirty="0" err="1"/>
+              <a:t>nie</a:t>
+            </a:r>
+            <a:r>
+              <a:rPr lang="en-GB" dirty="0"/>
+              <a:t> </a:t>
+            </a:r>
+            <a:r>
+              <a:rPr lang="en-GB" dirty="0" err="1"/>
+              <a:t>znamy</a:t>
+            </a:r>
+            <a:r>
+              <a:rPr lang="en-GB" dirty="0"/>
+              <a:t>, to </a:t>
+            </a:r>
+            <a:r>
+              <a:rPr lang="en-GB" dirty="0" err="1"/>
+              <a:t>zatrunijmy</a:t>
+            </a:r>
+            <a:r>
+              <a:rPr lang="en-GB" dirty="0"/>
+              <a:t> Data </a:t>
+            </a:r>
+            <a:r>
+              <a:rPr lang="en-GB" dirty="0" err="1"/>
+              <a:t>Scientiste</a:t>
+            </a:r>
+            <a:r>
+              <a:rPr lang="en-GB" dirty="0"/>
+              <a:t> </a:t>
+            </a:r>
+          </a:p>
+          <a:p>
+            <a:r>
+              <a:rPr lang="en-GB" dirty="0"/>
+              <a:t>DS </a:t>
+            </a:r>
+            <a:r>
+              <a:rPr lang="en-GB" dirty="0" err="1"/>
+              <a:t>dajcie</a:t>
+            </a:r>
+            <a:r>
+              <a:rPr lang="en-GB" dirty="0"/>
+              <a:t> mi </a:t>
+            </a:r>
+            <a:r>
+              <a:rPr lang="en-GB" dirty="0" err="1"/>
+              <a:t>dane</a:t>
+            </a:r>
+            <a:r>
+              <a:rPr lang="en-GB" dirty="0"/>
+              <a:t> I </a:t>
+            </a:r>
+            <a:r>
+              <a:rPr lang="en-GB" dirty="0" err="1"/>
+              <a:t>osobe</a:t>
+            </a:r>
+            <a:r>
+              <a:rPr lang="en-GB" dirty="0"/>
+              <a:t> </a:t>
+            </a:r>
+            <a:r>
+              <a:rPr lang="en-GB" dirty="0" err="1"/>
+              <a:t>ktora</a:t>
+            </a:r>
+            <a:r>
+              <a:rPr lang="en-GB" dirty="0"/>
+              <a:t> </a:t>
+            </a:r>
+            <a:r>
+              <a:rPr lang="en-GB" dirty="0" err="1"/>
+              <a:t>zna</a:t>
+            </a:r>
+            <a:r>
+              <a:rPr lang="en-GB" dirty="0"/>
+              <a:t> </a:t>
+            </a:r>
+            <a:r>
+              <a:rPr lang="en-GB" dirty="0" err="1"/>
+              <a:t>domene-pracujuje</a:t>
+            </a:r>
+            <a:r>
+              <a:rPr lang="en-GB" dirty="0"/>
+              <a:t>, </a:t>
+            </a:r>
+            <a:r>
+              <a:rPr lang="en-GB" dirty="0" err="1"/>
+              <a:t>analizuje</a:t>
+            </a:r>
+            <a:r>
+              <a:rPr lang="en-GB" dirty="0"/>
+              <a:t>, </a:t>
+            </a:r>
+            <a:r>
+              <a:rPr lang="en-GB" dirty="0" err="1"/>
+              <a:t>terenuje</a:t>
+            </a:r>
+            <a:r>
+              <a:rPr lang="en-GB" dirty="0"/>
+              <a:t>, </a:t>
+            </a:r>
+            <a:r>
+              <a:rPr lang="en-GB" dirty="0" err="1"/>
+              <a:t>ocenia</a:t>
+            </a:r>
+            <a:r>
+              <a:rPr lang="en-GB" dirty="0"/>
+              <a:t> I w </a:t>
+            </a:r>
+            <a:r>
+              <a:rPr lang="en-GB" dirty="0" err="1"/>
+              <a:t>koncu</a:t>
+            </a:r>
+            <a:r>
+              <a:rPr lang="en-GB" dirty="0"/>
+              <a:t> </a:t>
+            </a:r>
+            <a:r>
+              <a:rPr lang="en-GB" dirty="0" err="1"/>
+              <a:t>mowi</a:t>
+            </a:r>
+            <a:r>
+              <a:rPr lang="en-GB" dirty="0"/>
+              <a:t> jest mam </a:t>
+            </a:r>
+            <a:r>
+              <a:rPr lang="en-GB" dirty="0" err="1"/>
+              <a:t>dla</a:t>
+            </a:r>
+            <a:r>
+              <a:rPr lang="en-GB" dirty="0"/>
+              <a:t> was model</a:t>
+            </a:r>
+          </a:p>
+          <a:p>
+            <a:r>
+              <a:rPr lang="en-GB" dirty="0" err="1"/>
+              <a:t>DevTeam</a:t>
+            </a:r>
+            <a:r>
+              <a:rPr lang="en-GB" dirty="0"/>
+              <a:t> ale co to jest I co mu </a:t>
+            </a:r>
+            <a:r>
+              <a:rPr lang="en-GB" dirty="0" err="1"/>
+              <a:t>mamy</a:t>
             </a:r>
             <a:r>
               <a:rPr lang="en-GB" dirty="0"/>
@@ -1290,23 +4520,55 @@
             </a:r>
             <a:r>
               <a:rPr lang="en-GB" dirty="0" err="1"/>
-              <a:t>przygotowaniem</a:t>
-            </a:r>
-            <a:r>
-              <a:rPr lang="en-GB" dirty="0"/>
-              <a:t> I </a:t>
-            </a:r>
-            <a:r>
-              <a:rPr lang="en-GB" dirty="0" err="1"/>
-              <a:t>weryfikacją</a:t>
-            </a:r>
-            <a:r>
-              <a:rPr lang="en-GB" dirty="0"/>
-              <a:t> </a:t>
-            </a:r>
-            <a:r>
-              <a:rPr lang="en-GB" dirty="0" err="1"/>
-              <a:t>modeli</a:t>
+              <a:t>tym</a:t>
+            </a:r>
+            <a:r>
+              <a:rPr lang="en-GB" dirty="0"/>
+              <a:t> </a:t>
+            </a:r>
+            <a:r>
+              <a:rPr lang="en-GB" dirty="0" err="1"/>
+              <a:t>zrobic</a:t>
+            </a:r>
+            <a:r>
+              <a:rPr lang="en-GB" dirty="0"/>
+              <a:t> – </a:t>
+            </a:r>
+            <a:r>
+              <a:rPr lang="en-GB" dirty="0" err="1"/>
+              <a:t>mozmy</a:t>
+            </a:r>
+            <a:r>
+              <a:rPr lang="en-GB" dirty="0"/>
+              <a:t> </a:t>
+            </a:r>
+            <a:r>
+              <a:rPr lang="en-GB" dirty="0" err="1"/>
+              <a:t>chociaz</a:t>
+            </a:r>
+            <a:r>
+              <a:rPr lang="en-GB" dirty="0"/>
+              <a:t> </a:t>
+            </a:r>
+            <a:r>
+              <a:rPr lang="en-GB" dirty="0" err="1"/>
+              <a:t>dostac</a:t>
+            </a:r>
+            <a:r>
+              <a:rPr lang="en-GB" dirty="0"/>
+              <a:t> </a:t>
+            </a:r>
+            <a:r>
+              <a:rPr lang="en-GB" dirty="0" err="1"/>
+              <a:t>kod</a:t>
+            </a:r>
+            <a:r>
+              <a:rPr lang="en-GB" dirty="0"/>
+              <a:t> </a:t>
+            </a:r>
+            <a:r>
+              <a:rPr lang="en-GB" dirty="0" err="1"/>
+              <a:t>zrodlowy</a:t>
             </a:r>
             <a:endParaRPr lang="pl-PL" dirty="0"/>
           </a:p>
@@ -1329,7 +4591,7 @@
           <a:p>
             <a:fld id="{55992286-4AA4-4E55-98B6-FFAF34B74A40}" type="slidenum">
               <a:rPr lang="en-US" smtClean="0"/>
-              <a:t>17</a:t>
+              <a:t>4</a:t>
             </a:fld>
             <a:endParaRPr lang="en-US"/>
           </a:p>
@@ -1338,7 +4600,7 @@
     </p:spTree>
     <p:extLst>
       <p:ext uri="{BB962C8B-B14F-4D97-AF65-F5344CB8AC3E}">
-        <p14:creationId xmlns:p14="http://schemas.microsoft.com/office/powerpoint/2010/main" val="289172686"/>
+        <p14:creationId xmlns:p14="http://schemas.microsoft.com/office/powerpoint/2010/main" val="3442193711"/>
       </p:ext>
     </p:extLst>
   </p:cSld>
@@ -1394,7 +4656,270 @@
           <a:p>
             <a:r>
               <a:rPr lang="en-GB" dirty="0"/>
-              <a:t>SQL 2016 </a:t>
+              <a:t>I w </a:t>
+            </a:r>
+            <a:r>
+              <a:rPr lang="en-GB" dirty="0" err="1"/>
+              <a:t>koncu</a:t>
+            </a:r>
+            <a:r>
+              <a:rPr lang="en-GB" dirty="0"/>
+              <a:t> </a:t>
+            </a:r>
+            <a:r>
+              <a:rPr lang="en-GB" dirty="0" err="1"/>
+              <a:t>dostajemy</a:t>
+            </a:r>
+            <a:r>
+              <a:rPr lang="en-GB" dirty="0"/>
+              <a:t> </a:t>
+            </a:r>
+            <a:r>
+              <a:rPr lang="en-GB" dirty="0" err="1"/>
+              <a:t>kod</a:t>
+            </a:r>
+            <a:r>
+              <a:rPr lang="en-GB" dirty="0"/>
+              <a:t> </a:t>
+            </a:r>
+            <a:r>
+              <a:rPr lang="en-GB" dirty="0" err="1"/>
+              <a:t>zrodlowy</a:t>
+            </a:r>
+            <a:r>
+              <a:rPr lang="en-GB" dirty="0"/>
+              <a:t>, </a:t>
+            </a:r>
+            <a:r>
+              <a:rPr lang="en-GB" dirty="0" err="1"/>
+              <a:t>ktory</a:t>
+            </a:r>
+            <a:r>
+              <a:rPr lang="en-GB" dirty="0"/>
+              <a:t> </a:t>
+            </a:r>
+            <a:r>
+              <a:rPr lang="en-GB" dirty="0" err="1"/>
+              <a:t>odpowiada</a:t>
+            </a:r>
+            <a:r>
+              <a:rPr lang="en-GB" dirty="0"/>
+              <a:t> za </a:t>
+            </a:r>
+            <a:r>
+              <a:rPr lang="en-GB" dirty="0" err="1"/>
+              <a:t>stworzenie</a:t>
+            </a:r>
+            <a:r>
+              <a:rPr lang="en-GB" dirty="0"/>
+              <a:t> </a:t>
+            </a:r>
+            <a:r>
+              <a:rPr lang="en-GB" dirty="0" err="1"/>
+              <a:t>modelu</a:t>
+            </a:r>
+            <a:r>
+              <a:rPr lang="en-GB" dirty="0"/>
+              <a:t> (</a:t>
+            </a:r>
+            <a:r>
+              <a:rPr lang="en-GB" dirty="0" err="1"/>
+              <a:t>kod</a:t>
+            </a:r>
+            <a:r>
+              <a:rPr lang="en-GB" dirty="0"/>
+              <a:t> ten jest </a:t>
+            </a:r>
+            <a:r>
+              <a:rPr lang="en-GB" dirty="0" err="1"/>
+              <a:t>zwykle</a:t>
+            </a:r>
+            <a:r>
+              <a:rPr lang="en-GB" dirty="0"/>
+              <a:t> w R </a:t>
+            </a:r>
+            <a:r>
+              <a:rPr lang="en-GB" dirty="0" err="1"/>
+              <a:t>lub</a:t>
+            </a:r>
+            <a:r>
+              <a:rPr lang="en-GB" dirty="0"/>
+              <a:t> Python)</a:t>
+            </a:r>
+          </a:p>
+          <a:p>
+            <a:r>
+              <a:rPr lang="en-GB" dirty="0"/>
+              <a:t>R to </a:t>
+            </a:r>
+            <a:r>
+              <a:rPr lang="en-GB" dirty="0" err="1"/>
+              <a:t>ulubiony</a:t>
+            </a:r>
+            <a:r>
+              <a:rPr lang="en-GB" dirty="0"/>
+              <a:t> </a:t>
+            </a:r>
+            <a:r>
+              <a:rPr lang="en-GB" dirty="0" err="1"/>
+              <a:t>jezyk</a:t>
+            </a:r>
+            <a:r>
+              <a:rPr lang="en-GB" dirty="0"/>
+              <a:t> DS , </a:t>
+            </a:r>
+            <a:r>
+              <a:rPr lang="en-GB" dirty="0" err="1"/>
+              <a:t>porgramisci</a:t>
+            </a:r>
+            <a:r>
+              <a:rPr lang="en-GB" dirty="0"/>
+              <a:t> </a:t>
+            </a:r>
+            <a:r>
+              <a:rPr lang="en-GB" dirty="0" err="1"/>
+              <a:t>nie</a:t>
+            </a:r>
+            <a:r>
+              <a:rPr lang="en-GB" dirty="0"/>
+              <a:t> </a:t>
+            </a:r>
+            <a:r>
+              <a:rPr lang="en-GB" dirty="0" err="1"/>
+              <a:t>lubia</a:t>
+            </a:r>
+            <a:r>
+              <a:rPr lang="en-GB" dirty="0"/>
+              <a:t> R </a:t>
+            </a:r>
+            <a:r>
+              <a:rPr lang="en-GB" dirty="0" err="1"/>
+              <a:t>wola</a:t>
+            </a:r>
+            <a:r>
+              <a:rPr lang="en-GB" dirty="0"/>
+              <a:t> </a:t>
+            </a:r>
+            <a:r>
+              <a:rPr lang="en-GB" dirty="0" err="1"/>
+              <a:t>pythona</a:t>
+            </a:r>
+            <a:endParaRPr lang="en-GB" dirty="0"/>
+          </a:p>
+          <a:p>
+            <a:r>
+              <a:rPr lang="en-GB" dirty="0"/>
+              <a:t>Aby </a:t>
+            </a:r>
+            <a:r>
+              <a:rPr lang="en-GB" dirty="0" err="1"/>
+              <a:t>sie</a:t>
+            </a:r>
+            <a:r>
+              <a:rPr lang="en-GB" dirty="0"/>
+              <a:t> </a:t>
+            </a:r>
+            <a:r>
+              <a:rPr lang="en-GB" dirty="0" err="1"/>
+              <a:t>znajmowac</a:t>
+            </a:r>
+            <a:r>
+              <a:rPr lang="en-GB" dirty="0"/>
+              <a:t> ML </a:t>
+            </a:r>
+            <a:r>
+              <a:rPr lang="en-GB" dirty="0" err="1"/>
+              <a:t>musimy</a:t>
+            </a:r>
+            <a:r>
+              <a:rPr lang="en-GB" dirty="0"/>
+              <a:t> </a:t>
+            </a:r>
+            <a:r>
+              <a:rPr lang="en-GB" dirty="0" err="1"/>
+              <a:t>znac</a:t>
+            </a:r>
+            <a:r>
+              <a:rPr lang="en-GB" dirty="0"/>
+              <a:t> </a:t>
+            </a:r>
+            <a:r>
+              <a:rPr lang="en-GB" dirty="0" err="1"/>
+              <a:t>jeden</a:t>
+            </a:r>
+            <a:r>
+              <a:rPr lang="en-GB" dirty="0"/>
+              <a:t> z </a:t>
+            </a:r>
+            <a:r>
+              <a:rPr lang="en-GB" dirty="0" err="1"/>
+              <a:t>tych</a:t>
+            </a:r>
+            <a:r>
+              <a:rPr lang="en-GB" dirty="0"/>
+              <a:t> </a:t>
+            </a:r>
+            <a:r>
+              <a:rPr lang="en-GB" dirty="0" err="1"/>
+              <a:t>jezykow</a:t>
+            </a:r>
+            <a:r>
+              <a:rPr lang="en-GB" dirty="0"/>
+              <a:t> </a:t>
+            </a:r>
+          </a:p>
+          <a:p>
+            <a:r>
+              <a:rPr lang="en-GB" dirty="0"/>
+              <a:t>Ale </a:t>
+            </a:r>
+            <a:r>
+              <a:rPr lang="en-GB" dirty="0" err="1"/>
+              <a:t>wracamy</a:t>
+            </a:r>
+            <a:r>
+              <a:rPr lang="en-GB" dirty="0"/>
+              <a:t> do </a:t>
+            </a:r>
+            <a:r>
+              <a:rPr lang="en-GB" dirty="0" err="1"/>
+              <a:t>naszego</a:t>
+            </a:r>
+            <a:r>
+              <a:rPr lang="en-GB" dirty="0"/>
+              <a:t> </a:t>
+            </a:r>
+            <a:r>
+              <a:rPr lang="en-GB" dirty="0" err="1"/>
+              <a:t>modelu</a:t>
+            </a:r>
+            <a:r>
+              <a:rPr lang="en-GB" dirty="0"/>
+              <a:t> –</a:t>
+            </a:r>
+            <a:r>
+              <a:rPr lang="en-GB" dirty="0" err="1"/>
+              <a:t>miesismy</a:t>
+            </a:r>
+            <a:r>
+              <a:rPr lang="en-GB" dirty="0"/>
+              <a:t> </a:t>
+            </a:r>
+            <a:r>
+              <a:rPr lang="en-GB" dirty="0" err="1"/>
+              <a:t>pecha</a:t>
+            </a:r>
+            <a:r>
+              <a:rPr lang="en-GB" dirty="0"/>
+              <a:t> </a:t>
+            </a:r>
+            <a:r>
+              <a:rPr lang="en-GB" dirty="0" err="1"/>
+              <a:t>kod</a:t>
+            </a:r>
+            <a:r>
+              <a:rPr lang="en-GB" dirty="0"/>
+              <a:t> jest w R</a:t>
             </a:r>
             <a:endParaRPr lang="pl-PL" dirty="0"/>
           </a:p>
@@ -1417,7 +4942,7 @@
           <a:p>
             <a:fld id="{55992286-4AA4-4E55-98B6-FFAF34B74A40}" type="slidenum">
               <a:rPr lang="en-US" smtClean="0"/>
-              <a:t>19</a:t>
+              <a:t>5</a:t>
             </a:fld>
             <a:endParaRPr lang="en-US"/>
           </a:p>
@@ -1426,7 +4951,1401 @@
     </p:spTree>
     <p:extLst>
       <p:ext uri="{BB962C8B-B14F-4D97-AF65-F5344CB8AC3E}">
-        <p14:creationId xmlns:p14="http://schemas.microsoft.com/office/powerpoint/2010/main" val="2980444014"/>
+        <p14:creationId xmlns:p14="http://schemas.microsoft.com/office/powerpoint/2010/main" val="2186004537"/>
+      </p:ext>
+    </p:extLst>
+  </p:cSld>
+  <p:clrMapOvr>
+    <a:masterClrMapping/>
+  </p:clrMapOvr>
+</p:notes>
+</file>
+
+<file path=ppt/notesSlides/notesSlide6.xml><?xml version="1.0" encoding="utf-8"?>
+<p:notes xmlns:a="http://schemas.openxmlformats.org/drawingml/2006/main" xmlns:r="http://schemas.openxmlformats.org/officeDocument/2006/relationships" xmlns:p="http://schemas.openxmlformats.org/presentationml/2006/main">
+  <p:cSld>
+    <p:spTree>
+      <p:nvGrpSpPr>
+        <p:cNvPr id="1" name=""/>
+        <p:cNvGrpSpPr/>
+        <p:nvPr/>
+      </p:nvGrpSpPr>
+      <p:grpSpPr>
+        <a:xfrm>
+          <a:off x="0" y="0"/>
+          <a:ext cx="0" cy="0"/>
+          <a:chOff x="0" y="0"/>
+          <a:chExt cx="0" cy="0"/>
+        </a:xfrm>
+      </p:grpSpPr>
+      <p:sp>
+        <p:nvSpPr>
+          <p:cNvPr id="2" name="Slide Image Placeholder 1"/>
+          <p:cNvSpPr>
+            <a:spLocks noGrp="1" noRot="1" noChangeAspect="1"/>
+          </p:cNvSpPr>
+          <p:nvPr>
+            <p:ph type="sldImg"/>
+          </p:nvPr>
+        </p:nvSpPr>
+        <p:spPr/>
+      </p:sp>
+      <p:sp>
+        <p:nvSpPr>
+          <p:cNvPr id="3" name="Notes Placeholder 2"/>
+          <p:cNvSpPr>
+            <a:spLocks noGrp="1"/>
+          </p:cNvSpPr>
+          <p:nvPr>
+            <p:ph type="body" idx="1"/>
+          </p:nvPr>
+        </p:nvSpPr>
+        <p:spPr/>
+        <p:txBody>
+          <a:bodyPr/>
+          <a:lstStyle/>
+          <a:p>
+            <a:r>
+              <a:rPr lang="en-GB" dirty="0" err="1"/>
+              <a:t>Szukamy</a:t>
+            </a:r>
+            <a:r>
+              <a:rPr lang="en-GB" dirty="0"/>
+              <a:t> </a:t>
+            </a:r>
+            <a:r>
+              <a:rPr lang="en-GB" dirty="0" err="1"/>
+              <a:t>informacji</a:t>
+            </a:r>
+            <a:r>
+              <a:rPr lang="en-GB" dirty="0"/>
+              <a:t> o R I co </a:t>
+            </a:r>
+            <a:r>
+              <a:rPr lang="en-GB" dirty="0" err="1"/>
+              <a:t>mozemy</a:t>
+            </a:r>
+            <a:r>
+              <a:rPr lang="en-GB" dirty="0"/>
+              <a:t> z </a:t>
+            </a:r>
+            <a:r>
+              <a:rPr lang="en-GB" dirty="0" err="1"/>
+              <a:t>tym</a:t>
+            </a:r>
+            <a:r>
+              <a:rPr lang="en-GB" dirty="0"/>
+              <a:t> </a:t>
+            </a:r>
+            <a:r>
+              <a:rPr lang="en-GB" dirty="0" err="1"/>
+              <a:t>zrobic</a:t>
+            </a:r>
+            <a:r>
+              <a:rPr lang="en-GB" dirty="0"/>
+              <a:t> </a:t>
+            </a:r>
+          </a:p>
+          <a:p>
+            <a:r>
+              <a:rPr lang="en-GB" dirty="0" err="1"/>
+              <a:t>Dlaczego</a:t>
+            </a:r>
+            <a:r>
+              <a:rPr lang="en-GB" dirty="0"/>
+              <a:t> </a:t>
+            </a:r>
+            <a:r>
+              <a:rPr lang="en-GB" dirty="0" err="1"/>
+              <a:t>programiscie</a:t>
+            </a:r>
+            <a:r>
+              <a:rPr lang="en-GB" dirty="0"/>
+              <a:t> </a:t>
+            </a:r>
+            <a:r>
+              <a:rPr lang="en-GB" dirty="0" err="1"/>
+              <a:t>nie</a:t>
+            </a:r>
+            <a:r>
+              <a:rPr lang="en-GB" dirty="0"/>
+              <a:t> </a:t>
+            </a:r>
+            <a:r>
+              <a:rPr lang="en-GB" dirty="0" err="1"/>
+              <a:t>lubia</a:t>
+            </a:r>
+            <a:r>
+              <a:rPr lang="en-GB" dirty="0"/>
+              <a:t> R –problem z </a:t>
+            </a:r>
+            <a:r>
+              <a:rPr lang="en-GB" dirty="0" err="1"/>
+              <a:t>wydajnosci</a:t>
+            </a:r>
+            <a:r>
+              <a:rPr lang="en-GB" dirty="0"/>
+              <a:t> </a:t>
+            </a:r>
+            <a:r>
+              <a:rPr lang="en-GB" dirty="0" err="1"/>
+              <a:t>i</a:t>
+            </a:r>
+            <a:r>
+              <a:rPr lang="en-GB" dirty="0"/>
+              <a:t> </a:t>
+            </a:r>
+            <a:r>
+              <a:rPr lang="en-GB" dirty="0" err="1"/>
+              <a:t>skalowalnoscia</a:t>
+            </a:r>
+            <a:r>
+              <a:rPr lang="en-GB" dirty="0"/>
+              <a:t> </a:t>
+            </a:r>
+            <a:endParaRPr lang="pl-PL" dirty="0"/>
+          </a:p>
+        </p:txBody>
+      </p:sp>
+      <p:sp>
+        <p:nvSpPr>
+          <p:cNvPr id="4" name="Slide Number Placeholder 3"/>
+          <p:cNvSpPr>
+            <a:spLocks noGrp="1"/>
+          </p:cNvSpPr>
+          <p:nvPr>
+            <p:ph type="sldNum" sz="quarter" idx="5"/>
+          </p:nvPr>
+        </p:nvSpPr>
+        <p:spPr/>
+        <p:txBody>
+          <a:bodyPr/>
+          <a:lstStyle/>
+          <a:p>
+            <a:fld id="{55992286-4AA4-4E55-98B6-FFAF34B74A40}" type="slidenum">
+              <a:rPr lang="en-US" smtClean="0"/>
+              <a:t>6</a:t>
+            </a:fld>
+            <a:endParaRPr lang="en-US"/>
+          </a:p>
+        </p:txBody>
+      </p:sp>
+    </p:spTree>
+    <p:extLst>
+      <p:ext uri="{BB962C8B-B14F-4D97-AF65-F5344CB8AC3E}">
+        <p14:creationId xmlns:p14="http://schemas.microsoft.com/office/powerpoint/2010/main" val="184533582"/>
+      </p:ext>
+    </p:extLst>
+  </p:cSld>
+  <p:clrMapOvr>
+    <a:masterClrMapping/>
+  </p:clrMapOvr>
+</p:notes>
+</file>
+
+<file path=ppt/notesSlides/notesSlide7.xml><?xml version="1.0" encoding="utf-8"?>
+<p:notes xmlns:a="http://schemas.openxmlformats.org/drawingml/2006/main" xmlns:r="http://schemas.openxmlformats.org/officeDocument/2006/relationships" xmlns:p="http://schemas.openxmlformats.org/presentationml/2006/main">
+  <p:cSld>
+    <p:spTree>
+      <p:nvGrpSpPr>
+        <p:cNvPr id="1" name=""/>
+        <p:cNvGrpSpPr/>
+        <p:nvPr/>
+      </p:nvGrpSpPr>
+      <p:grpSpPr>
+        <a:xfrm>
+          <a:off x="0" y="0"/>
+          <a:ext cx="0" cy="0"/>
+          <a:chOff x="0" y="0"/>
+          <a:chExt cx="0" cy="0"/>
+        </a:xfrm>
+      </p:grpSpPr>
+      <p:sp>
+        <p:nvSpPr>
+          <p:cNvPr id="2" name="Slide Image Placeholder 1"/>
+          <p:cNvSpPr>
+            <a:spLocks noGrp="1" noRot="1" noChangeAspect="1"/>
+          </p:cNvSpPr>
+          <p:nvPr>
+            <p:ph type="sldImg"/>
+          </p:nvPr>
+        </p:nvSpPr>
+        <p:spPr/>
+      </p:sp>
+      <p:sp>
+        <p:nvSpPr>
+          <p:cNvPr id="3" name="Notes Placeholder 2"/>
+          <p:cNvSpPr>
+            <a:spLocks noGrp="1"/>
+          </p:cNvSpPr>
+          <p:nvPr>
+            <p:ph type="body" idx="1"/>
+          </p:nvPr>
+        </p:nvSpPr>
+        <p:spPr/>
+        <p:txBody>
+          <a:bodyPr/>
+          <a:lstStyle/>
+          <a:p>
+            <a:r>
+              <a:rPr lang="en-GB" dirty="0" err="1"/>
+              <a:t>Problemy</a:t>
+            </a:r>
+            <a:r>
+              <a:rPr lang="en-GB" dirty="0"/>
+              <a:t> z R </a:t>
+            </a:r>
+            <a:r>
+              <a:rPr lang="en-GB" dirty="0" err="1"/>
+              <a:t>zauwazyla</a:t>
+            </a:r>
+            <a:r>
+              <a:rPr lang="en-GB" dirty="0"/>
+              <a:t> </a:t>
+            </a:r>
+            <a:r>
+              <a:rPr lang="en-GB" dirty="0" err="1"/>
+              <a:t>firim</a:t>
+            </a:r>
+            <a:r>
+              <a:rPr lang="en-GB" dirty="0"/>
+              <a:t> a </a:t>
+            </a:r>
+            <a:r>
+              <a:rPr lang="en-GB" dirty="0" err="1"/>
+              <a:t>Revoultion</a:t>
+            </a:r>
+            <a:r>
+              <a:rPr lang="en-GB" dirty="0"/>
+              <a:t> Analytics, </a:t>
+            </a:r>
+            <a:r>
+              <a:rPr lang="en-GB" dirty="0" err="1"/>
+              <a:t>ktora</a:t>
+            </a:r>
+            <a:r>
+              <a:rPr lang="en-GB" dirty="0"/>
+              <a:t> </a:t>
+            </a:r>
+            <a:r>
+              <a:rPr lang="en-GB" dirty="0" err="1"/>
+              <a:t>postanowila</a:t>
+            </a:r>
+            <a:r>
+              <a:rPr lang="en-GB" dirty="0"/>
+              <a:t> ze </a:t>
+            </a:r>
+            <a:r>
+              <a:rPr lang="en-GB" dirty="0" err="1"/>
+              <a:t>naprawi</a:t>
+            </a:r>
+            <a:r>
+              <a:rPr lang="en-GB" dirty="0"/>
+              <a:t> </a:t>
+            </a:r>
+            <a:r>
+              <a:rPr lang="en-GB" dirty="0" err="1"/>
+              <a:t>tego</a:t>
+            </a:r>
+            <a:r>
+              <a:rPr lang="en-GB" dirty="0"/>
+              <a:t> R I </a:t>
+            </a:r>
+            <a:r>
+              <a:rPr lang="en-GB" dirty="0" err="1"/>
+              <a:t>zaczela</a:t>
+            </a:r>
+            <a:r>
+              <a:rPr lang="en-GB" dirty="0"/>
+              <a:t> </a:t>
+            </a:r>
+            <a:r>
+              <a:rPr lang="en-GB" dirty="0" err="1"/>
+              <a:t>przpisywanie</a:t>
+            </a:r>
+            <a:r>
+              <a:rPr lang="en-GB" dirty="0"/>
+              <a:t> R, </a:t>
+            </a:r>
+            <a:r>
+              <a:rPr lang="en-GB" dirty="0" err="1"/>
+              <a:t>tak</a:t>
+            </a:r>
+            <a:r>
+              <a:rPr lang="en-GB" dirty="0"/>
+              <a:t> aby </a:t>
+            </a:r>
+            <a:r>
+              <a:rPr lang="en-GB" dirty="0" err="1"/>
+              <a:t>mozna</a:t>
+            </a:r>
+            <a:r>
+              <a:rPr lang="en-GB" dirty="0"/>
+              <a:t> </a:t>
+            </a:r>
+            <a:r>
+              <a:rPr lang="en-GB" dirty="0" err="1"/>
+              <a:t>bylo</a:t>
+            </a:r>
+            <a:r>
+              <a:rPr lang="en-GB" dirty="0"/>
+              <a:t> go </a:t>
+            </a:r>
+            <a:r>
+              <a:rPr lang="en-GB" dirty="0" err="1"/>
+              <a:t>uzywac</a:t>
+            </a:r>
+            <a:r>
+              <a:rPr lang="en-GB" dirty="0"/>
+              <a:t> </a:t>
+            </a:r>
+            <a:r>
+              <a:rPr lang="en-GB" dirty="0" err="1"/>
+              <a:t>nie</a:t>
+            </a:r>
+            <a:r>
+              <a:rPr lang="en-GB" dirty="0"/>
+              <a:t> </a:t>
+            </a:r>
+            <a:r>
+              <a:rPr lang="en-GB" dirty="0" err="1"/>
+              <a:t>tylko</a:t>
+            </a:r>
+            <a:r>
+              <a:rPr lang="en-GB" dirty="0"/>
+              <a:t> </a:t>
+            </a:r>
+            <a:r>
+              <a:rPr lang="en-GB" dirty="0" err="1"/>
+              <a:t>na</a:t>
+            </a:r>
+            <a:r>
+              <a:rPr lang="en-GB" dirty="0"/>
+              <a:t> </a:t>
+            </a:r>
+            <a:r>
+              <a:rPr lang="en-GB" dirty="0" err="1"/>
+              <a:t>uczelniach</a:t>
+            </a:r>
+            <a:r>
+              <a:rPr lang="en-GB" dirty="0"/>
+              <a:t> –</a:t>
+            </a:r>
+            <a:r>
+              <a:rPr lang="en-GB" dirty="0" err="1"/>
+              <a:t>czyli</a:t>
+            </a:r>
+            <a:r>
+              <a:rPr lang="en-GB" dirty="0"/>
+              <a:t> </a:t>
+            </a:r>
+            <a:r>
+              <a:rPr lang="en-GB" dirty="0" err="1"/>
+              <a:t>zeby</a:t>
+            </a:r>
+            <a:r>
+              <a:rPr lang="en-GB" dirty="0"/>
+              <a:t> </a:t>
+            </a:r>
+            <a:r>
+              <a:rPr lang="en-GB" dirty="0" err="1"/>
+              <a:t>trafil</a:t>
+            </a:r>
+            <a:r>
+              <a:rPr lang="en-GB" dirty="0"/>
+              <a:t> pod </a:t>
+            </a:r>
+            <a:r>
+              <a:rPr lang="en-GB" dirty="0" err="1"/>
+              <a:t>strzechy</a:t>
+            </a:r>
+            <a:r>
+              <a:rPr lang="en-GB" dirty="0"/>
+              <a:t> </a:t>
+            </a:r>
+            <a:r>
+              <a:rPr lang="en-GB" dirty="0" err="1"/>
+              <a:t>developerow</a:t>
+            </a:r>
+            <a:r>
+              <a:rPr lang="en-GB" dirty="0"/>
+              <a:t> , </a:t>
+            </a:r>
+            <a:r>
+              <a:rPr lang="en-GB" dirty="0" err="1"/>
+              <a:t>powstal</a:t>
+            </a:r>
+            <a:r>
+              <a:rPr lang="en-GB" dirty="0"/>
+              <a:t> R Open </a:t>
+            </a:r>
+            <a:r>
+              <a:rPr lang="en-GB" dirty="0" err="1"/>
+              <a:t>oraz</a:t>
+            </a:r>
+            <a:r>
+              <a:rPr lang="en-GB" dirty="0"/>
+              <a:t> R Enterprise (</a:t>
+            </a:r>
+            <a:r>
+              <a:rPr lang="en-GB" dirty="0" err="1"/>
+              <a:t>optymalizacja</a:t>
+            </a:r>
+            <a:r>
+              <a:rPr lang="en-GB" dirty="0"/>
+              <a:t> </a:t>
+            </a:r>
+            <a:r>
+              <a:rPr lang="en-GB" dirty="0" err="1"/>
+              <a:t>na</a:t>
+            </a:r>
+            <a:r>
+              <a:rPr lang="en-GB" dirty="0"/>
+              <a:t> </a:t>
+            </a:r>
+            <a:r>
+              <a:rPr lang="en-GB" dirty="0" err="1"/>
+              <a:t>kilku</a:t>
+            </a:r>
+            <a:r>
+              <a:rPr lang="en-GB" dirty="0"/>
+              <a:t> </a:t>
+            </a:r>
+            <a:r>
+              <a:rPr lang="en-GB" dirty="0" err="1"/>
+              <a:t>poziomach</a:t>
+            </a:r>
+            <a:r>
+              <a:rPr lang="en-GB" dirty="0"/>
+              <a:t>, np </a:t>
+            </a:r>
+            <a:r>
+              <a:rPr lang="en-GB" dirty="0" err="1"/>
+              <a:t>przepisanie</a:t>
+            </a:r>
+            <a:r>
+              <a:rPr lang="en-GB" dirty="0"/>
+              <a:t> , </a:t>
+            </a:r>
+            <a:r>
+              <a:rPr lang="en-GB" dirty="0" err="1"/>
+              <a:t>uzycie</a:t>
+            </a:r>
+            <a:r>
+              <a:rPr lang="en-GB" dirty="0"/>
+              <a:t> Math Kernel Library, XDF data chunks)</a:t>
+            </a:r>
+          </a:p>
+          <a:p>
+            <a:r>
+              <a:rPr lang="en-GB" dirty="0" err="1"/>
+              <a:t>Prace</a:t>
+            </a:r>
+            <a:r>
+              <a:rPr lang="en-GB" dirty="0"/>
+              <a:t> </a:t>
+            </a:r>
+            <a:r>
+              <a:rPr lang="en-GB" dirty="0" err="1"/>
+              <a:t>prowadzone</a:t>
+            </a:r>
+            <a:r>
+              <a:rPr lang="en-GB" dirty="0"/>
+              <a:t> </a:t>
+            </a:r>
+            <a:r>
+              <a:rPr lang="en-GB" dirty="0" err="1"/>
+              <a:t>przez</a:t>
+            </a:r>
+            <a:r>
+              <a:rPr lang="en-GB" dirty="0"/>
+              <a:t> RA </a:t>
+            </a:r>
+            <a:r>
+              <a:rPr lang="en-GB" dirty="0" err="1"/>
+              <a:t>byly</a:t>
+            </a:r>
+            <a:r>
+              <a:rPr lang="en-GB" dirty="0"/>
+              <a:t> </a:t>
+            </a:r>
+            <a:r>
+              <a:rPr lang="en-GB" dirty="0" err="1"/>
+              <a:t>na</a:t>
+            </a:r>
+            <a:r>
+              <a:rPr lang="en-GB" dirty="0"/>
+              <a:t> </a:t>
+            </a:r>
+            <a:r>
+              <a:rPr lang="en-GB" dirty="0" err="1"/>
+              <a:t>tyle</a:t>
+            </a:r>
+            <a:r>
+              <a:rPr lang="en-GB" dirty="0"/>
+              <a:t> </a:t>
+            </a:r>
+            <a:r>
+              <a:rPr lang="en-GB" dirty="0" err="1"/>
+              <a:t>ciekawe</a:t>
+            </a:r>
+            <a:r>
+              <a:rPr lang="en-GB" dirty="0"/>
+              <a:t>, ze </a:t>
+            </a:r>
+            <a:r>
+              <a:rPr lang="en-GB" dirty="0" err="1"/>
+              <a:t>zainteresowal</a:t>
+            </a:r>
+            <a:r>
+              <a:rPr lang="en-GB" dirty="0"/>
+              <a:t> </a:t>
+            </a:r>
+            <a:r>
+              <a:rPr lang="en-GB" dirty="0" err="1"/>
+              <a:t>sie</a:t>
+            </a:r>
+            <a:r>
+              <a:rPr lang="en-GB" dirty="0"/>
+              <a:t> </a:t>
+            </a:r>
+            <a:r>
+              <a:rPr lang="en-GB" dirty="0" err="1"/>
+              <a:t>tym</a:t>
+            </a:r>
+            <a:r>
+              <a:rPr lang="en-GB" dirty="0"/>
+              <a:t> Microsoft I </a:t>
+            </a:r>
+            <a:r>
+              <a:rPr lang="en-GB" dirty="0" err="1"/>
+              <a:t>zaproponowal</a:t>
+            </a:r>
+            <a:r>
+              <a:rPr lang="en-GB" dirty="0"/>
+              <a:t> RA </a:t>
+            </a:r>
+            <a:r>
+              <a:rPr lang="en-GB" dirty="0" err="1"/>
+              <a:t>dolaczenia</a:t>
+            </a:r>
+            <a:r>
+              <a:rPr lang="en-GB" dirty="0"/>
+              <a:t> (MS </a:t>
+            </a:r>
+            <a:r>
+              <a:rPr lang="en-GB" dirty="0" err="1"/>
+              <a:t>tak</a:t>
+            </a:r>
+            <a:r>
+              <a:rPr lang="en-GB" dirty="0"/>
+              <a:t> </a:t>
+            </a:r>
+            <a:r>
+              <a:rPr lang="en-GB" dirty="0" err="1"/>
+              <a:t>robi</a:t>
+            </a:r>
+            <a:r>
+              <a:rPr lang="en-GB" dirty="0"/>
+              <a:t>, ze </a:t>
+            </a:r>
+            <a:r>
+              <a:rPr lang="en-GB" dirty="0" err="1"/>
+              <a:t>jak</a:t>
+            </a:r>
+            <a:r>
+              <a:rPr lang="en-GB" dirty="0"/>
+              <a:t> </a:t>
+            </a:r>
+            <a:r>
+              <a:rPr lang="en-GB" dirty="0" err="1"/>
+              <a:t>widzi</a:t>
+            </a:r>
+            <a:r>
+              <a:rPr lang="en-GB" dirty="0"/>
+              <a:t> </a:t>
+            </a:r>
+            <a:r>
+              <a:rPr lang="en-GB" dirty="0" err="1"/>
+              <a:t>jakis</a:t>
+            </a:r>
+            <a:r>
+              <a:rPr lang="en-GB" dirty="0"/>
+              <a:t> </a:t>
+            </a:r>
+            <a:r>
+              <a:rPr lang="en-GB" dirty="0" err="1"/>
+              <a:t>ciekawy</a:t>
+            </a:r>
+            <a:r>
+              <a:rPr lang="en-GB" dirty="0"/>
+              <a:t> project to </a:t>
+            </a:r>
+            <a:r>
+              <a:rPr lang="en-GB" dirty="0" err="1"/>
+              <a:t>propuje</a:t>
+            </a:r>
+            <a:r>
+              <a:rPr lang="en-GB" dirty="0"/>
+              <a:t> </a:t>
+            </a:r>
+            <a:r>
+              <a:rPr lang="en-GB" dirty="0" err="1"/>
+              <a:t>komus</a:t>
+            </a:r>
+            <a:r>
+              <a:rPr lang="en-GB" dirty="0"/>
+              <a:t> aby </a:t>
+            </a:r>
+            <a:r>
+              <a:rPr lang="en-GB" dirty="0" err="1"/>
+              <a:t>sie</a:t>
+            </a:r>
+            <a:r>
+              <a:rPr lang="en-GB" dirty="0"/>
+              <a:t> </a:t>
+            </a:r>
+            <a:r>
+              <a:rPr lang="en-GB" dirty="0" err="1"/>
+              <a:t>przylaczyl</a:t>
+            </a:r>
+            <a:r>
+              <a:rPr lang="en-GB" dirty="0"/>
+              <a:t> do MS np. </a:t>
+            </a:r>
+            <a:r>
+              <a:rPr lang="en-GB" dirty="0" err="1"/>
+              <a:t>Github,linkedin</a:t>
+            </a:r>
+            <a:r>
+              <a:rPr lang="en-GB" dirty="0"/>
+              <a:t>)</a:t>
+            </a:r>
+          </a:p>
+          <a:p>
+            <a:r>
+              <a:rPr lang="en-GB" dirty="0" err="1"/>
+              <a:t>Microsft</a:t>
+            </a:r>
+            <a:r>
+              <a:rPr lang="en-GB" dirty="0"/>
+              <a:t> R </a:t>
+            </a:r>
+            <a:r>
+              <a:rPr lang="en-GB" dirty="0" err="1"/>
+              <a:t>Opne</a:t>
+            </a:r>
+            <a:r>
+              <a:rPr lang="en-GB" dirty="0"/>
+              <a:t> </a:t>
+            </a:r>
+            <a:r>
+              <a:rPr lang="en-GB" dirty="0" err="1"/>
+              <a:t>oraz</a:t>
+            </a:r>
+            <a:r>
+              <a:rPr lang="en-GB" dirty="0"/>
+              <a:t> R Server I </a:t>
+            </a:r>
+            <a:r>
+              <a:rPr lang="en-GB" dirty="0" err="1"/>
+              <a:t>repozytorium</a:t>
+            </a:r>
+            <a:r>
+              <a:rPr lang="en-GB" dirty="0"/>
+              <a:t> MRAN</a:t>
+            </a:r>
+            <a:endParaRPr lang="pl-PL" dirty="0"/>
+          </a:p>
+        </p:txBody>
+      </p:sp>
+      <p:sp>
+        <p:nvSpPr>
+          <p:cNvPr id="4" name="Slide Number Placeholder 3"/>
+          <p:cNvSpPr>
+            <a:spLocks noGrp="1"/>
+          </p:cNvSpPr>
+          <p:nvPr>
+            <p:ph type="sldNum" sz="quarter" idx="5"/>
+          </p:nvPr>
+        </p:nvSpPr>
+        <p:spPr/>
+        <p:txBody>
+          <a:bodyPr/>
+          <a:lstStyle/>
+          <a:p>
+            <a:fld id="{55992286-4AA4-4E55-98B6-FFAF34B74A40}" type="slidenum">
+              <a:rPr lang="en-US" smtClean="0"/>
+              <a:t>7</a:t>
+            </a:fld>
+            <a:endParaRPr lang="en-US"/>
+          </a:p>
+        </p:txBody>
+      </p:sp>
+    </p:spTree>
+    <p:extLst>
+      <p:ext uri="{BB962C8B-B14F-4D97-AF65-F5344CB8AC3E}">
+        <p14:creationId xmlns:p14="http://schemas.microsoft.com/office/powerpoint/2010/main" val="3522222037"/>
+      </p:ext>
+    </p:extLst>
+  </p:cSld>
+  <p:clrMapOvr>
+    <a:masterClrMapping/>
+  </p:clrMapOvr>
+</p:notes>
+</file>
+
+<file path=ppt/notesSlides/notesSlide8.xml><?xml version="1.0" encoding="utf-8"?>
+<p:notes xmlns:a="http://schemas.openxmlformats.org/drawingml/2006/main" xmlns:r="http://schemas.openxmlformats.org/officeDocument/2006/relationships" xmlns:p="http://schemas.openxmlformats.org/presentationml/2006/main">
+  <p:cSld>
+    <p:spTree>
+      <p:nvGrpSpPr>
+        <p:cNvPr id="1" name=""/>
+        <p:cNvGrpSpPr/>
+        <p:nvPr/>
+      </p:nvGrpSpPr>
+      <p:grpSpPr>
+        <a:xfrm>
+          <a:off x="0" y="0"/>
+          <a:ext cx="0" cy="0"/>
+          <a:chOff x="0" y="0"/>
+          <a:chExt cx="0" cy="0"/>
+        </a:xfrm>
+      </p:grpSpPr>
+      <p:sp>
+        <p:nvSpPr>
+          <p:cNvPr id="2" name="Slide Image Placeholder 1"/>
+          <p:cNvSpPr>
+            <a:spLocks noGrp="1" noRot="1" noChangeAspect="1"/>
+          </p:cNvSpPr>
+          <p:nvPr>
+            <p:ph type="sldImg"/>
+          </p:nvPr>
+        </p:nvSpPr>
+        <p:spPr/>
+      </p:sp>
+      <p:sp>
+        <p:nvSpPr>
+          <p:cNvPr id="3" name="Notes Placeholder 2"/>
+          <p:cNvSpPr>
+            <a:spLocks noGrp="1"/>
+          </p:cNvSpPr>
+          <p:nvPr>
+            <p:ph type="body" idx="1"/>
+          </p:nvPr>
+        </p:nvSpPr>
+        <p:spPr/>
+        <p:txBody>
+          <a:bodyPr/>
+          <a:lstStyle/>
+          <a:p>
+            <a:r>
+              <a:rPr lang="en-GB" dirty="0"/>
+              <a:t>Z R I w </a:t>
+            </a:r>
+            <a:r>
+              <a:rPr lang="en-GB" dirty="0" err="1"/>
+              <a:t>ogole</a:t>
+            </a:r>
+            <a:r>
+              <a:rPr lang="en-GB" dirty="0"/>
+              <a:t> z </a:t>
+            </a:r>
+            <a:r>
+              <a:rPr lang="en-GB" dirty="0" err="1"/>
+              <a:t>analiza</a:t>
+            </a:r>
+            <a:r>
+              <a:rPr lang="en-GB" dirty="0"/>
+              <a:t> </a:t>
+            </a:r>
+            <a:r>
+              <a:rPr lang="en-GB" dirty="0" err="1"/>
+              <a:t>danych</a:t>
+            </a:r>
+            <a:r>
+              <a:rPr lang="en-GB" dirty="0"/>
+              <a:t> </a:t>
+            </a:r>
+            <a:r>
+              <a:rPr lang="en-GB" dirty="0" err="1"/>
+              <a:t>zwiazany</a:t>
+            </a:r>
+            <a:r>
+              <a:rPr lang="en-GB" dirty="0"/>
+              <a:t> jest </a:t>
+            </a:r>
+            <a:r>
+              <a:rPr lang="en-GB" dirty="0" err="1"/>
+              <a:t>jeszcze</a:t>
+            </a:r>
+            <a:r>
+              <a:rPr lang="en-GB" dirty="0"/>
+              <a:t> </a:t>
+            </a:r>
+            <a:r>
+              <a:rPr lang="en-GB" dirty="0" err="1"/>
+              <a:t>jeden</a:t>
+            </a:r>
+            <a:r>
+              <a:rPr lang="en-GB" dirty="0"/>
+              <a:t> problem </a:t>
+            </a:r>
+            <a:r>
+              <a:rPr lang="en-GB" dirty="0" err="1"/>
+              <a:t>nazwywany</a:t>
+            </a:r>
+            <a:r>
+              <a:rPr lang="en-GB" dirty="0"/>
+              <a:t> “Data Movement” </a:t>
+            </a:r>
+          </a:p>
+          <a:p>
+            <a:r>
+              <a:rPr lang="en-GB" dirty="0"/>
+              <a:t>MS </a:t>
+            </a:r>
+            <a:r>
+              <a:rPr lang="en-GB" dirty="0" err="1"/>
+              <a:t>zauwazyl</a:t>
+            </a:r>
+            <a:r>
+              <a:rPr lang="en-GB" dirty="0"/>
+              <a:t>, ze </a:t>
+            </a:r>
+            <a:r>
+              <a:rPr lang="en-GB" dirty="0" err="1"/>
+              <a:t>moze</a:t>
+            </a:r>
+            <a:r>
+              <a:rPr lang="en-GB" dirty="0"/>
+              <a:t> aby </a:t>
+            </a:r>
+            <a:r>
+              <a:rPr lang="en-GB" dirty="0" err="1"/>
+              <a:t>analizowac</a:t>
+            </a:r>
+            <a:r>
+              <a:rPr lang="en-GB" dirty="0"/>
+              <a:t> </a:t>
+            </a:r>
+            <a:r>
+              <a:rPr lang="en-GB" dirty="0" err="1"/>
+              <a:t>dane</a:t>
+            </a:r>
+            <a:r>
+              <a:rPr lang="en-GB" dirty="0"/>
+              <a:t> </a:t>
+            </a:r>
+            <a:r>
+              <a:rPr lang="en-GB" dirty="0" err="1"/>
+              <a:t>nie</a:t>
+            </a:r>
+            <a:r>
+              <a:rPr lang="en-GB" dirty="0"/>
+              <a:t> </a:t>
+            </a:r>
+            <a:r>
+              <a:rPr lang="en-GB" dirty="0" err="1"/>
+              <a:t>konieczne</a:t>
+            </a:r>
+            <a:r>
+              <a:rPr lang="en-GB" dirty="0"/>
+              <a:t> je </a:t>
+            </a:r>
+            <a:r>
+              <a:rPr lang="en-GB" dirty="0" err="1"/>
+              <a:t>musimy</a:t>
+            </a:r>
+            <a:r>
+              <a:rPr lang="en-GB" dirty="0"/>
+              <a:t> </a:t>
+            </a:r>
+            <a:r>
+              <a:rPr lang="en-GB" dirty="0" err="1"/>
+              <a:t>przerzucac</a:t>
+            </a:r>
+            <a:r>
+              <a:rPr lang="en-GB" dirty="0"/>
+              <a:t> z </a:t>
+            </a:r>
+            <a:r>
+              <a:rPr lang="en-GB" dirty="0" err="1"/>
+              <a:t>jednego</a:t>
+            </a:r>
+            <a:r>
+              <a:rPr lang="en-GB" dirty="0"/>
+              <a:t> system do </a:t>
+            </a:r>
+            <a:r>
+              <a:rPr lang="en-GB" dirty="0" err="1"/>
+              <a:t>drugiego</a:t>
+            </a:r>
+            <a:r>
+              <a:rPr lang="en-GB" dirty="0"/>
+              <a:t> – </a:t>
+            </a:r>
+            <a:r>
+              <a:rPr lang="en-GB" dirty="0" err="1"/>
+              <a:t>mozemy</a:t>
+            </a:r>
+            <a:r>
+              <a:rPr lang="en-GB" dirty="0"/>
+              <a:t> </a:t>
+            </a:r>
+            <a:r>
+              <a:rPr lang="en-GB" dirty="0" err="1"/>
+              <a:t>przesniemy</a:t>
+            </a:r>
+            <a:r>
+              <a:rPr lang="en-GB" dirty="0"/>
+              <a:t> </a:t>
+            </a:r>
+            <a:r>
+              <a:rPr lang="en-GB" dirty="0" err="1"/>
+              <a:t>mechanizmy</a:t>
+            </a:r>
+            <a:r>
+              <a:rPr lang="en-GB" dirty="0"/>
+              <a:t> </a:t>
+            </a:r>
+            <a:r>
+              <a:rPr lang="en-GB" dirty="0" err="1"/>
+              <a:t>analizy</a:t>
+            </a:r>
+            <a:r>
+              <a:rPr lang="en-GB" dirty="0"/>
+              <a:t> </a:t>
+            </a:r>
+            <a:r>
+              <a:rPr lang="en-GB" dirty="0" err="1"/>
+              <a:t>danych</a:t>
+            </a:r>
+            <a:r>
+              <a:rPr lang="en-GB" dirty="0"/>
+              <a:t> </a:t>
+            </a:r>
+            <a:r>
+              <a:rPr lang="en-GB" dirty="0" err="1"/>
+              <a:t>blizej</a:t>
+            </a:r>
+            <a:r>
+              <a:rPr lang="en-GB" dirty="0"/>
+              <a:t> </a:t>
+            </a:r>
+            <a:r>
+              <a:rPr lang="en-GB" dirty="0" err="1"/>
+              <a:t>naszych</a:t>
+            </a:r>
+            <a:r>
+              <a:rPr lang="en-GB" dirty="0"/>
+              <a:t> </a:t>
+            </a:r>
+            <a:r>
+              <a:rPr lang="en-GB" dirty="0" err="1"/>
+              <a:t>danych</a:t>
+            </a:r>
+            <a:r>
+              <a:rPr lang="en-GB" dirty="0"/>
+              <a:t> </a:t>
+            </a:r>
+          </a:p>
+          <a:p>
+            <a:endParaRPr lang="pl-PL" dirty="0"/>
+          </a:p>
+        </p:txBody>
+      </p:sp>
+      <p:sp>
+        <p:nvSpPr>
+          <p:cNvPr id="4" name="Slide Number Placeholder 3"/>
+          <p:cNvSpPr>
+            <a:spLocks noGrp="1"/>
+          </p:cNvSpPr>
+          <p:nvPr>
+            <p:ph type="sldNum" sz="quarter" idx="5"/>
+          </p:nvPr>
+        </p:nvSpPr>
+        <p:spPr/>
+        <p:txBody>
+          <a:bodyPr/>
+          <a:lstStyle/>
+          <a:p>
+            <a:fld id="{55992286-4AA4-4E55-98B6-FFAF34B74A40}" type="slidenum">
+              <a:rPr lang="en-US" smtClean="0"/>
+              <a:t>8</a:t>
+            </a:fld>
+            <a:endParaRPr lang="en-US"/>
+          </a:p>
+        </p:txBody>
+      </p:sp>
+    </p:spTree>
+    <p:extLst>
+      <p:ext uri="{BB962C8B-B14F-4D97-AF65-F5344CB8AC3E}">
+        <p14:creationId xmlns:p14="http://schemas.microsoft.com/office/powerpoint/2010/main" val="2197240800"/>
+      </p:ext>
+    </p:extLst>
+  </p:cSld>
+  <p:clrMapOvr>
+    <a:masterClrMapping/>
+  </p:clrMapOvr>
+</p:notes>
+</file>
+
+<file path=ppt/notesSlides/notesSlide9.xml><?xml version="1.0" encoding="utf-8"?>
+<p:notes xmlns:a="http://schemas.openxmlformats.org/drawingml/2006/main" xmlns:r="http://schemas.openxmlformats.org/officeDocument/2006/relationships" xmlns:p="http://schemas.openxmlformats.org/presentationml/2006/main">
+  <p:cSld>
+    <p:spTree>
+      <p:nvGrpSpPr>
+        <p:cNvPr id="1" name=""/>
+        <p:cNvGrpSpPr/>
+        <p:nvPr/>
+      </p:nvGrpSpPr>
+      <p:grpSpPr>
+        <a:xfrm>
+          <a:off x="0" y="0"/>
+          <a:ext cx="0" cy="0"/>
+          <a:chOff x="0" y="0"/>
+          <a:chExt cx="0" cy="0"/>
+        </a:xfrm>
+      </p:grpSpPr>
+      <p:sp>
+        <p:nvSpPr>
+          <p:cNvPr id="2" name="Slide Image Placeholder 1"/>
+          <p:cNvSpPr>
+            <a:spLocks noGrp="1" noRot="1" noChangeAspect="1"/>
+          </p:cNvSpPr>
+          <p:nvPr>
+            <p:ph type="sldImg"/>
+          </p:nvPr>
+        </p:nvSpPr>
+        <p:spPr/>
+      </p:sp>
+      <p:sp>
+        <p:nvSpPr>
+          <p:cNvPr id="3" name="Notes Placeholder 2"/>
+          <p:cNvSpPr>
+            <a:spLocks noGrp="1"/>
+          </p:cNvSpPr>
+          <p:nvPr>
+            <p:ph type="body" idx="1"/>
+          </p:nvPr>
+        </p:nvSpPr>
+        <p:spPr/>
+        <p:txBody>
+          <a:bodyPr/>
+          <a:lstStyle/>
+          <a:p>
+            <a:r>
+              <a:rPr lang="en-GB" dirty="0" err="1"/>
+              <a:t>Pomimo</a:t>
+            </a:r>
+            <a:r>
+              <a:rPr lang="en-GB" dirty="0"/>
+              <a:t> </a:t>
+            </a:r>
+            <a:r>
+              <a:rPr lang="en-GB" dirty="0" err="1"/>
+              <a:t>wielu</a:t>
+            </a:r>
+            <a:r>
+              <a:rPr lang="en-GB" dirty="0"/>
+              <a:t> </a:t>
+            </a:r>
+            <a:r>
+              <a:rPr lang="en-GB" dirty="0" err="1"/>
+              <a:t>zabiegów</a:t>
+            </a:r>
+            <a:r>
+              <a:rPr lang="en-GB" dirty="0"/>
+              <a:t> </a:t>
+            </a:r>
+            <a:r>
+              <a:rPr lang="en-GB" dirty="0" err="1"/>
+              <a:t>Mircrosoftu</a:t>
+            </a:r>
+            <a:r>
+              <a:rPr lang="en-GB" dirty="0"/>
+              <a:t> w </a:t>
+            </a:r>
+            <a:r>
+              <a:rPr lang="en-GB" dirty="0" err="1"/>
+              <a:t>promowaniu</a:t>
+            </a:r>
+            <a:r>
+              <a:rPr lang="en-GB" dirty="0"/>
+              <a:t> </a:t>
+            </a:r>
+            <a:r>
+              <a:rPr lang="en-GB" dirty="0" err="1"/>
+              <a:t>R,pozotalo</a:t>
+            </a:r>
+            <a:r>
+              <a:rPr lang="en-GB" dirty="0"/>
+              <a:t> </a:t>
+            </a:r>
+            <a:r>
+              <a:rPr lang="en-GB" dirty="0" err="1"/>
+              <a:t>grono</a:t>
+            </a:r>
+            <a:r>
+              <a:rPr lang="en-GB" dirty="0"/>
+              <a:t> </a:t>
+            </a:r>
+            <a:r>
+              <a:rPr lang="en-GB" dirty="0" err="1"/>
+              <a:t>developerow</a:t>
+            </a:r>
+            <a:r>
+              <a:rPr lang="en-GB" dirty="0"/>
+              <a:t> </a:t>
+            </a:r>
+            <a:r>
+              <a:rPr lang="en-GB" dirty="0" err="1"/>
+              <a:t>skupoinych</a:t>
+            </a:r>
+            <a:r>
+              <a:rPr lang="en-GB" dirty="0"/>
+              <a:t> </a:t>
+            </a:r>
+            <a:r>
+              <a:rPr lang="en-GB" dirty="0" err="1"/>
+              <a:t>wokol</a:t>
+            </a:r>
+            <a:r>
+              <a:rPr lang="en-GB" dirty="0"/>
+              <a:t> </a:t>
+            </a:r>
+            <a:r>
+              <a:rPr lang="en-GB" dirty="0" err="1"/>
+              <a:t>pythona</a:t>
+            </a:r>
+            <a:r>
+              <a:rPr lang="en-GB" dirty="0"/>
+              <a:t>, a </a:t>
+            </a:r>
+            <a:r>
+              <a:rPr lang="en-GB" dirty="0" err="1"/>
+              <a:t>wiec</a:t>
+            </a:r>
+            <a:r>
+              <a:rPr lang="en-GB" dirty="0"/>
+              <a:t> Microsoft w </a:t>
+            </a:r>
+            <a:r>
+              <a:rPr lang="en-GB" dirty="0" err="1"/>
+              <a:t>wersji</a:t>
+            </a:r>
+            <a:r>
+              <a:rPr lang="en-GB" dirty="0"/>
+              <a:t> 2017 </a:t>
+            </a:r>
+            <a:r>
+              <a:rPr lang="en-GB" dirty="0" err="1"/>
+              <a:t>sql</a:t>
+            </a:r>
+            <a:r>
+              <a:rPr lang="en-GB" dirty="0"/>
+              <a:t> </a:t>
+            </a:r>
+            <a:r>
+              <a:rPr lang="en-GB" dirty="0" err="1"/>
+              <a:t>dodal</a:t>
+            </a:r>
+            <a:r>
+              <a:rPr lang="en-GB" dirty="0"/>
+              <a:t> </a:t>
+            </a:r>
+            <a:r>
+              <a:rPr lang="en-GB" dirty="0" err="1"/>
+              <a:t>pythona</a:t>
+            </a:r>
+            <a:r>
+              <a:rPr lang="en-GB" dirty="0"/>
+              <a:t> </a:t>
+            </a:r>
+          </a:p>
+          <a:p>
+            <a:r>
+              <a:rPr lang="en-GB" dirty="0" err="1"/>
+              <a:t>Oraz</a:t>
+            </a:r>
+            <a:r>
+              <a:rPr lang="en-GB" dirty="0"/>
+              <a:t> </a:t>
+            </a:r>
+            <a:r>
+              <a:rPr lang="en-GB" dirty="0" err="1"/>
+              <a:t>bibioteke</a:t>
+            </a:r>
+            <a:r>
+              <a:rPr lang="en-GB" dirty="0"/>
+              <a:t> </a:t>
+            </a:r>
+            <a:r>
+              <a:rPr lang="en-GB" dirty="0" err="1"/>
+              <a:t>revoscalePy</a:t>
+            </a:r>
+            <a:r>
+              <a:rPr lang="en-GB" dirty="0"/>
+              <a:t> (</a:t>
+            </a:r>
+            <a:r>
+              <a:rPr lang="en-GB" dirty="0" err="1"/>
+              <a:t>odpowiednik</a:t>
+            </a:r>
+            <a:r>
+              <a:rPr lang="en-GB" dirty="0"/>
+              <a:t> </a:t>
+            </a:r>
+            <a:r>
+              <a:rPr lang="en-GB" dirty="0" err="1"/>
+              <a:t>revosclare</a:t>
+            </a:r>
+            <a:r>
+              <a:rPr lang="en-GB" dirty="0"/>
+              <a:t> R )- o </a:t>
+            </a:r>
+            <a:r>
+              <a:rPr lang="en-GB" dirty="0" err="1"/>
+              <a:t>tych</a:t>
+            </a:r>
+            <a:r>
+              <a:rPr lang="en-GB" dirty="0"/>
+              <a:t> </a:t>
+            </a:r>
+            <a:r>
+              <a:rPr lang="en-GB" dirty="0" err="1"/>
+              <a:t>bibliotekach</a:t>
+            </a:r>
+            <a:r>
+              <a:rPr lang="en-GB" dirty="0"/>
+              <a:t> </a:t>
+            </a:r>
+            <a:r>
+              <a:rPr lang="en-GB" dirty="0" err="1"/>
+              <a:t>jeszcze</a:t>
+            </a:r>
+            <a:r>
+              <a:rPr lang="en-GB" dirty="0"/>
+              <a:t> </a:t>
+            </a:r>
+            <a:r>
+              <a:rPr lang="en-GB" dirty="0" err="1"/>
+              <a:t>powiemy</a:t>
+            </a:r>
+            <a:r>
+              <a:rPr lang="en-GB" dirty="0"/>
+              <a:t> </a:t>
+            </a:r>
+            <a:r>
+              <a:rPr lang="en-GB" dirty="0" err="1"/>
+              <a:t>pozniej</a:t>
+            </a:r>
+            <a:endParaRPr lang="en-GB" dirty="0"/>
+          </a:p>
+          <a:p>
+            <a:r>
+              <a:rPr lang="en-GB" dirty="0" err="1"/>
+              <a:t>Aktualnie</a:t>
+            </a:r>
+            <a:r>
+              <a:rPr lang="en-GB" dirty="0"/>
+              <a:t> </a:t>
+            </a:r>
+            <a:r>
+              <a:rPr lang="en-GB" dirty="0" err="1"/>
+              <a:t>mamy</a:t>
+            </a:r>
+            <a:r>
+              <a:rPr lang="en-GB" dirty="0"/>
+              <a:t> </a:t>
+            </a:r>
+            <a:r>
+              <a:rPr lang="en-GB" dirty="0" err="1"/>
+              <a:t>wersje</a:t>
+            </a:r>
+            <a:r>
+              <a:rPr lang="en-GB" dirty="0"/>
+              <a:t> </a:t>
+            </a:r>
+            <a:r>
+              <a:rPr lang="en-GB" dirty="0" err="1"/>
+              <a:t>sql</a:t>
+            </a:r>
+            <a:r>
+              <a:rPr lang="en-GB" dirty="0"/>
+              <a:t> 2019 I </a:t>
+            </a:r>
+            <a:r>
+              <a:rPr lang="en-GB" dirty="0" err="1"/>
+              <a:t>zgadnijcie</a:t>
+            </a:r>
+            <a:r>
+              <a:rPr lang="en-GB" dirty="0"/>
+              <a:t> </a:t>
+            </a:r>
+            <a:r>
+              <a:rPr lang="en-GB" dirty="0" err="1"/>
+              <a:t>jaki</a:t>
+            </a:r>
+            <a:r>
+              <a:rPr lang="en-GB" dirty="0"/>
+              <a:t> </a:t>
+            </a:r>
+            <a:r>
+              <a:rPr lang="en-GB" dirty="0" err="1"/>
+              <a:t>jezyk</a:t>
+            </a:r>
+            <a:r>
+              <a:rPr lang="en-GB" dirty="0"/>
+              <a:t> </a:t>
+            </a:r>
+            <a:r>
+              <a:rPr lang="en-GB" dirty="0" err="1"/>
+              <a:t>zostal</a:t>
+            </a:r>
+            <a:r>
+              <a:rPr lang="en-GB" dirty="0"/>
+              <a:t> </a:t>
+            </a:r>
+            <a:r>
+              <a:rPr lang="en-GB" dirty="0" err="1"/>
+              <a:t>dodany</a:t>
+            </a:r>
+            <a:r>
+              <a:rPr lang="en-GB" dirty="0"/>
+              <a:t> do SQL?</a:t>
+            </a:r>
+          </a:p>
+        </p:txBody>
+      </p:sp>
+      <p:sp>
+        <p:nvSpPr>
+          <p:cNvPr id="4" name="Slide Number Placeholder 3"/>
+          <p:cNvSpPr>
+            <a:spLocks noGrp="1"/>
+          </p:cNvSpPr>
+          <p:nvPr>
+            <p:ph type="sldNum" sz="quarter" idx="5"/>
+          </p:nvPr>
+        </p:nvSpPr>
+        <p:spPr/>
+        <p:txBody>
+          <a:bodyPr/>
+          <a:lstStyle/>
+          <a:p>
+            <a:fld id="{55992286-4AA4-4E55-98B6-FFAF34B74A40}" type="slidenum">
+              <a:rPr lang="en-US" smtClean="0"/>
+              <a:t>9</a:t>
+            </a:fld>
+            <a:endParaRPr lang="en-US"/>
+          </a:p>
+        </p:txBody>
+      </p:sp>
+    </p:spTree>
+    <p:extLst>
+      <p:ext uri="{BB962C8B-B14F-4D97-AF65-F5344CB8AC3E}">
+        <p14:creationId xmlns:p14="http://schemas.microsoft.com/office/powerpoint/2010/main" val="2451472485"/>
       </p:ext>
     </p:extLst>
   </p:cSld>
@@ -3338,7 +8257,7 @@
                   <a:srgbClr val="EF942F"/>
                 </a:solidFill>
               </a:rPr>
-              <a:t>RevoScaleR</a:t>
+              <a:t>RevoscaleR</a:t>
             </a:r>
             <a:r>
               <a:rPr lang="en-GB" sz="4400" b="1" spc="300" dirty="0">
@@ -3386,7 +8305,7 @@
                   <a:srgbClr val="EF942F"/>
                 </a:solidFill>
               </a:rPr>
-              <a:t>RevoScalePy</a:t>
+              <a:t>RevoscalePy</a:t>
             </a:r>
             <a:endParaRPr lang="en-US" sz="4400" b="1" dirty="0">
               <a:solidFill>
@@ -3517,7 +8436,7 @@
           <p:nvPr/>
         </p:nvPicPr>
         <p:blipFill>
-          <a:blip r:embed="rId2">
+          <a:blip r:embed="rId3">
             <a:extLst>
               <a:ext uri="{28A0092B-C50C-407E-A947-70E740481C1C}">
                 <a14:useLocalDpi xmlns:a14="http://schemas.microsoft.com/office/drawing/2010/main" val="0"/>
@@ -3798,7 +8717,7 @@
           <p:nvPr/>
         </p:nvPicPr>
         <p:blipFill>
-          <a:blip r:embed="rId2">
+          <a:blip r:embed="rId3">
             <a:extLst>
               <a:ext uri="{28A0092B-C50C-407E-A947-70E740481C1C}">
                 <a14:useLocalDpi xmlns:a14="http://schemas.microsoft.com/office/drawing/2010/main" val="0"/>
@@ -3845,7 +8764,7 @@
           <p:nvPr/>
         </p:nvPicPr>
         <p:blipFill>
-          <a:blip r:embed="rId3">
+          <a:blip r:embed="rId4">
             <a:extLst>
               <a:ext uri="{28A0092B-C50C-407E-A947-70E740481C1C}">
                 <a14:useLocalDpi xmlns:a14="http://schemas.microsoft.com/office/drawing/2010/main" val="0"/>
@@ -3892,7 +8811,7 @@
           <p:nvPr/>
         </p:nvPicPr>
         <p:blipFill>
-          <a:blip r:embed="rId4">
+          <a:blip r:embed="rId5">
             <a:extLst>
               <a:ext uri="{28A0092B-C50C-407E-A947-70E740481C1C}">
                 <a14:useLocalDpi xmlns:a14="http://schemas.microsoft.com/office/drawing/2010/main" val="0"/>
@@ -3939,7 +8858,7 @@
           <p:nvPr/>
         </p:nvPicPr>
         <p:blipFill>
-          <a:blip r:embed="rId5"/>
+          <a:blip r:embed="rId6"/>
           <a:stretch>
             <a:fillRect/>
           </a:stretch>
@@ -3969,7 +8888,7 @@
           <p:nvPr/>
         </p:nvPicPr>
         <p:blipFill>
-          <a:blip r:embed="rId6"/>
+          <a:blip r:embed="rId7"/>
           <a:stretch>
             <a:fillRect/>
           </a:stretch>
@@ -4433,7 +9352,7 @@
           <p:nvPr/>
         </p:nvPicPr>
         <p:blipFill>
-          <a:blip r:embed="rId2">
+          <a:blip r:embed="rId3">
             <a:extLst>
               <a:ext uri="{28A0092B-C50C-407E-A947-70E740481C1C}">
                 <a14:useLocalDpi xmlns:a14="http://schemas.microsoft.com/office/drawing/2010/main" val="0"/>
@@ -4524,7 +9443,7 @@
           <p:nvPr/>
         </p:nvPicPr>
         <p:blipFill>
-          <a:blip r:embed="rId3">
+          <a:blip r:embed="rId4">
             <a:extLst>
               <a:ext uri="{28A0092B-C50C-407E-A947-70E740481C1C}">
                 <a14:useLocalDpi xmlns:a14="http://schemas.microsoft.com/office/drawing/2010/main" val="0"/>
@@ -5867,7 +10786,7 @@
                   <a:srgbClr val="EF942F"/>
                 </a:solidFill>
               </a:rPr>
-              <a:t>RevoScaleR</a:t>
+              <a:t>RevoscaleR</a:t>
             </a:r>
             <a:r>
               <a:rPr lang="en-US" sz="2400" dirty="0">
@@ -6395,7 +11314,7 @@
           <p:nvPr/>
         </p:nvPicPr>
         <p:blipFill>
-          <a:blip r:embed="rId2"/>
+          <a:blip r:embed="rId3"/>
           <a:stretch>
             <a:fillRect/>
           </a:stretch>
@@ -7155,7 +12074,7 @@
         <p:spPr>
           <a:xfrm>
             <a:off x="1336040" y="1594872"/>
-            <a:ext cx="9519920" cy="4524315"/>
+            <a:ext cx="9519920" cy="5139869"/>
           </a:xfrm>
           <a:prstGeom prst="rect">
             <a:avLst/>
@@ -7172,6 +12091,17 @@
               <a:buChar char="§"/>
             </a:pPr>
             <a:r>
+              <a:rPr lang="pl-PL" sz="4000" b="1" dirty="0">
+                <a:solidFill>
+                  <a:schemeClr val="tx1">
+                    <a:lumMod val="65000"/>
+                    <a:lumOff val="35000"/>
+                  </a:schemeClr>
+                </a:solidFill>
+              </a:rPr>
+              <a:t> </a:t>
+            </a:r>
+            <a:r>
               <a:rPr lang="en-GB" sz="4000" b="1" dirty="0">
                 <a:solidFill>
                   <a:schemeClr val="tx1">
@@ -7260,7 +12190,7 @@
               <a:buChar char="§"/>
             </a:pPr>
             <a:r>
-              <a:rPr lang="en-GB" sz="4000" b="1" dirty="0">
+              <a:rPr lang="pl-PL" sz="4000" b="1" dirty="0">
                 <a:solidFill>
                   <a:schemeClr val="tx1">
                     <a:lumMod val="65000"/>
@@ -7268,6 +12198,17 @@
                   </a:schemeClr>
                 </a:solidFill>
               </a:rPr>
+              <a:t> </a:t>
+            </a:r>
+            <a:r>
+              <a:rPr lang="en-GB" sz="4000" b="1" dirty="0">
+                <a:solidFill>
+                  <a:schemeClr val="tx1">
+                    <a:lumMod val="65000"/>
+                    <a:lumOff val="35000"/>
+                  </a:schemeClr>
+                </a:solidFill>
+              </a:rPr>
               <a:t>Real-time scoring</a:t>
             </a:r>
           </a:p>
@@ -7277,6 +12218,14 @@
               <a:buChar char="§"/>
             </a:pPr>
             <a:r>
+              <a:rPr lang="pl-PL" sz="4000" b="1" dirty="0">
+                <a:solidFill>
+                  <a:srgbClr val="EF942F"/>
+                </a:solidFill>
+              </a:rPr>
+              <a:t> </a:t>
+            </a:r>
+            <a:r>
               <a:rPr lang="en-GB" sz="4000" b="1" dirty="0">
                 <a:solidFill>
                   <a:srgbClr val="EF942F"/>
@@ -7284,12 +12233,47 @@
               </a:rPr>
               <a:t>Native scoring</a:t>
             </a:r>
+            <a:endParaRPr lang="pl-PL" sz="4000" b="1" dirty="0">
+              <a:solidFill>
+                <a:srgbClr val="EF942F"/>
+              </a:solidFill>
+            </a:endParaRPr>
           </a:p>
           <a:p>
             <a:pPr>
               <a:buFont typeface="Wingdings" panose="05000000000000000000" pitchFamily="2" charset="2"/>
               <a:buChar char="§"/>
             </a:pPr>
+            <a:r>
+              <a:rPr lang="pl-PL" sz="4000" b="1" dirty="0">
+                <a:solidFill>
+                  <a:srgbClr val="EF942F"/>
+                </a:solidFill>
+              </a:rPr>
+              <a:t>DEMO</a:t>
+            </a:r>
+            <a:endParaRPr lang="en-GB" sz="4000" b="1" dirty="0">
+              <a:solidFill>
+                <a:srgbClr val="EF942F"/>
+              </a:solidFill>
+            </a:endParaRPr>
+          </a:p>
+          <a:p>
+            <a:pPr>
+              <a:buFont typeface="Wingdings" panose="05000000000000000000" pitchFamily="2" charset="2"/>
+              <a:buChar char="§"/>
+            </a:pPr>
+            <a:r>
+              <a:rPr lang="pl-PL" sz="4000" b="1" dirty="0">
+                <a:solidFill>
+                  <a:schemeClr val="tx1">
+                    <a:lumMod val="65000"/>
+                    <a:lumOff val="35000"/>
+                  </a:schemeClr>
+                </a:solidFill>
+              </a:rPr>
+              <a:t> </a:t>
+            </a:r>
             <a:r>
               <a:rPr lang="en-GB" sz="4000" b="1" dirty="0">
                 <a:solidFill>
@@ -7398,8 +12382,8 @@
         </p:nvSpPr>
         <p:spPr>
           <a:xfrm>
-            <a:off x="894736" y="2005781"/>
-            <a:ext cx="5201264" cy="923330"/>
+            <a:off x="894736" y="1873761"/>
+            <a:ext cx="6227424" cy="1569660"/>
           </a:xfrm>
           <a:prstGeom prst="rect">
             <a:avLst/>
@@ -7412,13 +12396,11 @@
           </a:bodyPr>
           <a:lstStyle/>
           <a:p>
-            <a:pPr marL="571500" indent="-342900">
-              <a:buFont typeface="Arial" panose="020B0604020202020204" pitchFamily="34" charset="0"/>
-              <a:buChar char="•"/>
+            <a:pPr marL="228600">
               <a:defRPr/>
             </a:pPr>
             <a:r>
-              <a:rPr lang="en-US" b="1" kern="0" dirty="0">
+              <a:rPr lang="en-US" sz="2400" b="1" kern="0" dirty="0">
                 <a:solidFill>
                   <a:schemeClr val="tx1">
                     <a:lumMod val="65000"/>
@@ -7427,9 +12409,9 @@
                 </a:solidFill>
                 <a:latin typeface="Euphemia"/>
               </a:rPr>
-              <a:t>Uses native C++ libraries from Microsoft can be used for scoring without having to call the R or Python interpreter</a:t>
-            </a:r>
-            <a:endParaRPr lang="pl-PL" b="1" kern="0" dirty="0">
+              <a:t>Uses native C++ libraries from Microsoft can be used for scoring without having to call the R or Python interpreter.</a:t>
+            </a:r>
+            <a:endParaRPr lang="pl-PL" sz="2400" b="1" kern="0" dirty="0">
               <a:solidFill>
                 <a:schemeClr val="tx1">
                   <a:lumMod val="65000"/>
@@ -7455,7 +12437,7 @@
         </p:nvSpPr>
         <p:spPr>
           <a:xfrm>
-            <a:off x="1255791" y="3596412"/>
+            <a:off x="1133475" y="3836477"/>
             <a:ext cx="4194097" cy="480131"/>
           </a:xfrm>
           <a:prstGeom prst="rect">
@@ -7512,7 +12494,7 @@
           <p:nvPr/>
         </p:nvPicPr>
         <p:blipFill>
-          <a:blip r:embed="rId2"/>
+          <a:blip r:embed="rId3"/>
           <a:stretch>
             <a:fillRect/>
           </a:stretch>
@@ -7979,7 +12961,7 @@
         </p:nvSpPr>
         <p:spPr>
           <a:xfrm>
-            <a:off x="792127" y="857465"/>
+            <a:off x="792127" y="837145"/>
             <a:ext cx="7742273" cy="957299"/>
           </a:xfrm>
         </p:spPr>
@@ -8157,7 +13139,7 @@
                 </a:solidFill>
                 <a:latin typeface="Euphemia"/>
               </a:rPr>
-              <a:t>RevoScaleR</a:t>
+              <a:t>RevoscaleR</a:t>
             </a:r>
             <a:r>
               <a:rPr lang="en-US" sz="3200" b="1" dirty="0">
@@ -8523,6 +13505,177 @@
 </file>
 
 <file path=ppt/slides/slide22.xml><?xml version="1.0" encoding="utf-8"?>
+<p:sld xmlns:a="http://schemas.openxmlformats.org/drawingml/2006/main" xmlns:r="http://schemas.openxmlformats.org/officeDocument/2006/relationships" xmlns:p="http://schemas.openxmlformats.org/presentationml/2006/main">
+  <p:cSld>
+    <p:spTree>
+      <p:nvGrpSpPr>
+        <p:cNvPr id="1" name=""/>
+        <p:cNvGrpSpPr/>
+        <p:nvPr/>
+      </p:nvGrpSpPr>
+      <p:grpSpPr>
+        <a:xfrm>
+          <a:off x="0" y="0"/>
+          <a:ext cx="0" cy="0"/>
+          <a:chOff x="0" y="0"/>
+          <a:chExt cx="0" cy="0"/>
+        </a:xfrm>
+      </p:grpSpPr>
+      <p:sp>
+        <p:nvSpPr>
+          <p:cNvPr id="2" name="Text Placeholder 1">
+            <a:extLst>
+              <a:ext uri="{FF2B5EF4-FFF2-40B4-BE49-F238E27FC236}">
+                <a16:creationId xmlns:a16="http://schemas.microsoft.com/office/drawing/2014/main" id="{B56C6344-53FA-42B9-B2FE-E83DD7E733D3}"/>
+              </a:ext>
+            </a:extLst>
+          </p:cNvPr>
+          <p:cNvSpPr>
+            <a:spLocks noGrp="1"/>
+          </p:cNvSpPr>
+          <p:nvPr>
+            <p:ph type="body" sz="quarter" idx="13"/>
+          </p:nvPr>
+        </p:nvSpPr>
+        <p:spPr/>
+        <p:txBody>
+          <a:bodyPr/>
+          <a:lstStyle/>
+          <a:p>
+            <a:r>
+              <a:rPr lang="en-GB" sz="4800" b="1" spc="-50" dirty="0">
+                <a:solidFill>
+                  <a:srgbClr val="EF942F"/>
+                </a:solidFill>
+                <a:latin typeface="Calibri Light" panose="020F0302020204030204"/>
+              </a:rPr>
+              <a:t>Why </a:t>
+            </a:r>
+            <a:r>
+              <a:rPr lang="en-GB" sz="4800" b="1" spc="-50" dirty="0" err="1">
+                <a:solidFill>
+                  <a:srgbClr val="EF942F"/>
+                </a:solidFill>
+                <a:latin typeface="Calibri Light" panose="020F0302020204030204"/>
+              </a:rPr>
+              <a:t>Revoscale</a:t>
+            </a:r>
+            <a:r>
+              <a:rPr lang="en-GB" sz="4800" b="1" spc="-50" dirty="0">
+                <a:solidFill>
+                  <a:srgbClr val="EF942F"/>
+                </a:solidFill>
+                <a:latin typeface="Calibri Light" panose="020F0302020204030204"/>
+              </a:rPr>
+              <a:t> ?</a:t>
+            </a:r>
+            <a:endParaRPr lang="pl-PL" sz="4800" b="1" spc="-50" dirty="0">
+              <a:solidFill>
+                <a:srgbClr val="EF942F"/>
+              </a:solidFill>
+              <a:latin typeface="Calibri Light" panose="020F0302020204030204"/>
+            </a:endParaRPr>
+          </a:p>
+        </p:txBody>
+      </p:sp>
+      <p:sp>
+        <p:nvSpPr>
+          <p:cNvPr id="4" name="Rectangle 3">
+            <a:extLst>
+              <a:ext uri="{FF2B5EF4-FFF2-40B4-BE49-F238E27FC236}">
+                <a16:creationId xmlns:a16="http://schemas.microsoft.com/office/drawing/2014/main" id="{4A987163-1605-49AF-A3A0-70878F102870}"/>
+              </a:ext>
+            </a:extLst>
+          </p:cNvPr>
+          <p:cNvSpPr/>
+          <p:nvPr/>
+        </p:nvSpPr>
+        <p:spPr>
+          <a:xfrm>
+            <a:off x="1388753" y="2499983"/>
+            <a:ext cx="4233851" cy="830997"/>
+          </a:xfrm>
+          <a:prstGeom prst="rect">
+            <a:avLst/>
+          </a:prstGeom>
+        </p:spPr>
+        <p:txBody>
+          <a:bodyPr wrap="none">
+            <a:spAutoFit/>
+          </a:bodyPr>
+          <a:lstStyle/>
+          <a:p>
+            <a:r>
+              <a:rPr lang="pl-PL" sz="4800" b="1" dirty="0">
+                <a:solidFill>
+                  <a:schemeClr val="tx1">
+                    <a:lumMod val="65000"/>
+                    <a:lumOff val="35000"/>
+                  </a:schemeClr>
+                </a:solidFill>
+              </a:rPr>
+              <a:t>What is WODA?</a:t>
+            </a:r>
+          </a:p>
+        </p:txBody>
+      </p:sp>
+      <p:sp>
+        <p:nvSpPr>
+          <p:cNvPr id="6" name="Rectangle 5">
+            <a:extLst>
+              <a:ext uri="{FF2B5EF4-FFF2-40B4-BE49-F238E27FC236}">
+                <a16:creationId xmlns:a16="http://schemas.microsoft.com/office/drawing/2014/main" id="{9B8EE864-EA34-44D1-90DE-1774D207908F}"/>
+              </a:ext>
+            </a:extLst>
+          </p:cNvPr>
+          <p:cNvSpPr/>
+          <p:nvPr/>
+        </p:nvSpPr>
+        <p:spPr>
+          <a:xfrm>
+            <a:off x="1969523" y="3574501"/>
+            <a:ext cx="9860841" cy="923330"/>
+          </a:xfrm>
+          <a:prstGeom prst="rect">
+            <a:avLst/>
+          </a:prstGeom>
+        </p:spPr>
+        <p:txBody>
+          <a:bodyPr wrap="none">
+            <a:spAutoFit/>
+          </a:bodyPr>
+          <a:lstStyle/>
+          <a:p>
+            <a:r>
+              <a:rPr lang="en-US" sz="5400" b="1" dirty="0">
+                <a:solidFill>
+                  <a:srgbClr val="EF942F"/>
+                </a:solidFill>
+              </a:rPr>
+              <a:t>Write Once and Deploy Anywhere</a:t>
+            </a:r>
+            <a:endParaRPr lang="pl-PL" sz="5400" b="1" dirty="0">
+              <a:solidFill>
+                <a:srgbClr val="EF942F"/>
+              </a:solidFill>
+            </a:endParaRPr>
+          </a:p>
+        </p:txBody>
+      </p:sp>
+    </p:spTree>
+    <p:extLst>
+      <p:ext uri="{BB962C8B-B14F-4D97-AF65-F5344CB8AC3E}">
+        <p14:creationId xmlns:p14="http://schemas.microsoft.com/office/powerpoint/2010/main" val="4208006705"/>
+      </p:ext>
+    </p:extLst>
+  </p:cSld>
+  <p:clrMapOvr>
+    <a:masterClrMapping/>
+  </p:clrMapOvr>
+</p:sld>
+</file>
+
+<file path=ppt/slides/slide23.xml><?xml version="1.0" encoding="utf-8"?>
 <p:sld xmlns:a="http://schemas.openxmlformats.org/drawingml/2006/main" xmlns:r="http://schemas.openxmlformats.org/officeDocument/2006/relationships" xmlns:p="http://schemas.openxmlformats.org/presentationml/2006/main">
   <p:cSld>
     <p:spTree>
@@ -8606,7 +13759,7 @@
 </p:sld>
 </file>
 
-<file path=ppt/slides/slide23.xml><?xml version="1.0" encoding="utf-8"?>
+<file path=ppt/slides/slide24.xml><?xml version="1.0" encoding="utf-8"?>
 <p:sld xmlns:a="http://schemas.openxmlformats.org/drawingml/2006/main" xmlns:r="http://schemas.openxmlformats.org/officeDocument/2006/relationships" xmlns:p="http://schemas.openxmlformats.org/presentationml/2006/main">
   <p:cSld>
     <p:spTree>
@@ -8690,7 +13843,7 @@
 </p:sld>
 </file>
 
-<file path=ppt/slides/slide24.xml><?xml version="1.0" encoding="utf-8"?>
+<file path=ppt/slides/slide25.xml><?xml version="1.0" encoding="utf-8"?>
 <p:sld xmlns:a="http://schemas.openxmlformats.org/drawingml/2006/main" xmlns:r="http://schemas.openxmlformats.org/officeDocument/2006/relationships" xmlns:p="http://schemas.openxmlformats.org/presentationml/2006/main">
   <p:cSld>
     <p:spTree>
@@ -9008,7 +14161,7 @@
 </p:sld>
 </file>
 
-<file path=ppt/slides/slide25.xml><?xml version="1.0" encoding="utf-8"?>
+<file path=ppt/slides/slide26.xml><?xml version="1.0" encoding="utf-8"?>
 <p:sld xmlns:a="http://schemas.openxmlformats.org/drawingml/2006/main" xmlns:r="http://schemas.openxmlformats.org/officeDocument/2006/relationships" xmlns:p="http://schemas.openxmlformats.org/presentationml/2006/main">
   <p:cSld>
     <p:spTree>
@@ -9205,7 +14358,7 @@
           <p:nvPr/>
         </p:nvPicPr>
         <p:blipFill>
-          <a:blip r:embed="rId2">
+          <a:blip r:embed="rId3">
             <a:extLst>
               <a:ext uri="{28A0092B-C50C-407E-A947-70E740481C1C}">
                 <a14:useLocalDpi xmlns:a14="http://schemas.microsoft.com/office/drawing/2010/main" val="0"/>
@@ -9530,7 +14683,7 @@
         </p:nvSpPr>
         <p:spPr>
           <a:xfrm>
-            <a:off x="4249738" y="2300084"/>
+            <a:off x="4246482" y="2017808"/>
             <a:ext cx="1200150" cy="1685925"/>
           </a:xfrm>
           <a:prstGeom prst="flowChartMagneticDisk">
@@ -9585,7 +14738,7 @@
         </p:nvSpPr>
         <p:spPr>
           <a:xfrm>
-            <a:off x="8239125" y="2363629"/>
+            <a:off x="8235869" y="2081353"/>
             <a:ext cx="2609850" cy="1495425"/>
           </a:xfrm>
           <a:prstGeom prst="roundRect">
@@ -9636,13 +14789,13 @@
           <p:nvPr/>
         </p:nvPicPr>
         <p:blipFill>
-          <a:blip r:embed="rId2">
+          <a:blip r:embed="rId3">
             <a:extLst>
               <a:ext uri="{28A0092B-C50C-407E-A947-70E740481C1C}">
                 <a14:useLocalDpi xmlns:a14="http://schemas.microsoft.com/office/drawing/2010/main" val="0"/>
               </a:ext>
               <a:ext uri="{837473B0-CC2E-450A-ABE3-18F120FF3D39}">
-                <a1611:picAttrSrcUrl xmlns:a1611="http://schemas.microsoft.com/office/drawing/2016/11/main" r:id="rId3"/>
+                <a1611:picAttrSrcUrl xmlns:a1611="http://schemas.microsoft.com/office/drawing/2016/11/main" r:id="rId4"/>
               </a:ext>
             </a:extLst>
           </a:blip>
@@ -9652,7 +14805,7 @@
         </p:blipFill>
         <p:spPr>
           <a:xfrm>
-            <a:off x="4278041" y="4214792"/>
+            <a:off x="4278041" y="4140766"/>
             <a:ext cx="1143544" cy="1143544"/>
           </a:xfrm>
           <a:prstGeom prst="rect">
@@ -9675,13 +14828,13 @@
           <p:nvPr/>
         </p:nvPicPr>
         <p:blipFill>
-          <a:blip r:embed="rId4">
+          <a:blip r:embed="rId5">
             <a:extLst>
               <a:ext uri="{28A0092B-C50C-407E-A947-70E740481C1C}">
                 <a14:useLocalDpi xmlns:a14="http://schemas.microsoft.com/office/drawing/2010/main" val="0"/>
               </a:ext>
               <a:ext uri="{837473B0-CC2E-450A-ABE3-18F120FF3D39}">
-                <a1611:picAttrSrcUrl xmlns:a1611="http://schemas.microsoft.com/office/drawing/2016/11/main" r:id="rId5"/>
+                <a1611:picAttrSrcUrl xmlns:a1611="http://schemas.microsoft.com/office/drawing/2016/11/main" r:id="rId6"/>
               </a:ext>
             </a:extLst>
           </a:blip>
@@ -9717,7 +14870,7 @@
         </p:nvCxnSpPr>
         <p:spPr>
           <a:xfrm flipV="1">
-            <a:off x="5449888" y="3111342"/>
+            <a:off x="5446632" y="2829066"/>
             <a:ext cx="2789237" cy="31705"/>
           </a:xfrm>
           <a:prstGeom prst="line">
@@ -9756,9 +14909,9 @@
           <p:nvPr/>
         </p:nvCxnSpPr>
         <p:spPr>
-          <a:xfrm flipV="1">
-            <a:off x="4849813" y="3986009"/>
-            <a:ext cx="0" cy="228783"/>
+          <a:xfrm flipH="1" flipV="1">
+            <a:off x="4846557" y="3703733"/>
+            <a:ext cx="3256" cy="437033"/>
           </a:xfrm>
           <a:prstGeom prst="line">
             <a:avLst/>
@@ -9816,7 +14969,7 @@
             <p:nvPr/>
           </p:nvPicPr>
           <p:blipFill>
-            <a:blip r:embed="rId6">
+            <a:blip r:embed="rId7">
               <a:extLst>
                 <a:ext uri="{28A0092B-C50C-407E-A947-70E740481C1C}">
                   <a14:useLocalDpi xmlns:a14="http://schemas.microsoft.com/office/drawing/2010/main" val="0"/>
@@ -9905,8 +15058,8 @@
         </p:nvCxnSpPr>
         <p:spPr>
           <a:xfrm flipV="1">
-            <a:off x="9507537" y="3986009"/>
-            <a:ext cx="0" cy="485320"/>
+            <a:off x="9692640" y="3576778"/>
+            <a:ext cx="0" cy="995902"/>
           </a:xfrm>
           <a:prstGeom prst="line">
             <a:avLst/>
@@ -9943,7 +15096,7 @@
         </p:nvSpPr>
         <p:spPr>
           <a:xfrm>
-            <a:off x="5012122" y="4365097"/>
+            <a:off x="4072769" y="5128336"/>
             <a:ext cx="1554088" cy="237757"/>
           </a:xfrm>
           <a:prstGeom prst="rect">
@@ -10008,7 +15161,7 @@
         </p:nvSpPr>
         <p:spPr>
           <a:xfrm>
-            <a:off x="8724816" y="6091477"/>
+            <a:off x="8763750" y="6091477"/>
             <a:ext cx="1554088" cy="237757"/>
           </a:xfrm>
           <a:prstGeom prst="rect">
@@ -10054,7 +15207,7 @@
                 <a:uLnTx/>
                 <a:uFillTx/>
               </a:rPr>
-              <a:t>Development Team</a:t>
+              <a:t>Developers</a:t>
             </a:r>
           </a:p>
         </p:txBody>
@@ -10094,13 +15247,13 @@
             <p:nvPr/>
           </p:nvPicPr>
           <p:blipFill>
-            <a:blip r:embed="rId7">
+            <a:blip r:embed="rId8">
               <a:extLst>
                 <a:ext uri="{28A0092B-C50C-407E-A947-70E740481C1C}">
                   <a14:useLocalDpi xmlns:a14="http://schemas.microsoft.com/office/drawing/2010/main" val="0"/>
                 </a:ext>
                 <a:ext uri="{837473B0-CC2E-450A-ABE3-18F120FF3D39}">
-                  <a1611:picAttrSrcUrl xmlns:a1611="http://schemas.microsoft.com/office/drawing/2016/11/main" r:id="rId8"/>
+                  <a1611:picAttrSrcUrl xmlns:a1611="http://schemas.microsoft.com/office/drawing/2016/11/main" r:id="rId9"/>
                 </a:ext>
               </a:extLst>
             </a:blip>
@@ -10643,7 +15796,7 @@
         </p:nvGrpSpPr>
         <p:grpSpPr>
           <a:xfrm>
-            <a:off x="4280092" y="5158213"/>
+            <a:off x="4278041" y="5274701"/>
             <a:ext cx="1143544" cy="1265463"/>
             <a:chOff x="1004331" y="4350186"/>
             <a:chExt cx="1739027" cy="2095651"/>
@@ -10664,13 +15817,13 @@
             <p:nvPr/>
           </p:nvPicPr>
           <p:blipFill>
-            <a:blip r:embed="rId7">
+            <a:blip r:embed="rId8">
               <a:extLst>
                 <a:ext uri="{28A0092B-C50C-407E-A947-70E740481C1C}">
                   <a14:useLocalDpi xmlns:a14="http://schemas.microsoft.com/office/drawing/2010/main" val="0"/>
                 </a:ext>
                 <a:ext uri="{837473B0-CC2E-450A-ABE3-18F120FF3D39}">
-                  <a1611:picAttrSrcUrl xmlns:a1611="http://schemas.microsoft.com/office/drawing/2016/11/main" r:id="rId8"/>
+                  <a1611:picAttrSrcUrl xmlns:a1611="http://schemas.microsoft.com/office/drawing/2016/11/main" r:id="rId9"/>
                 </a:ext>
               </a:extLst>
             </a:blip>
@@ -11581,7 +16734,7 @@
           <p:nvPr/>
         </p:nvPicPr>
         <p:blipFill>
-          <a:blip r:embed="rId2">
+          <a:blip r:embed="rId3">
             <a:extLst>
               <a:ext uri="{28A0092B-C50C-407E-A947-70E740481C1C}">
                 <a14:useLocalDpi xmlns:a14="http://schemas.microsoft.com/office/drawing/2010/main" val="0"/>
@@ -11646,7 +16799,7 @@
                 <a:solidFill>
                   <a:srgbClr val="00B0F0"/>
                 </a:solidFill>
-                <a:hlinkClick r:id="rId3"/>
+                <a:hlinkClick r:id="rId4"/>
               </a:rPr>
               <a:t>https://www.kdnuggets.com/2017/09/python-vs-r-data-science-machine-learning.html</a:t>
             </a:r>
@@ -12115,7 +17268,7 @@
         </p:nvSpPr>
         <p:spPr>
           <a:xfrm>
-            <a:off x="7124700" y="1976735"/>
+            <a:off x="7124700" y="1838239"/>
             <a:ext cx="4556312" cy="2739211"/>
           </a:xfrm>
           <a:prstGeom prst="rect">
@@ -12354,7 +17507,7 @@
           <p:nvPr/>
         </p:nvPicPr>
         <p:blipFill>
-          <a:blip r:embed="rId2">
+          <a:blip r:embed="rId3">
             <a:extLst>
               <a:ext uri="{28A0092B-C50C-407E-A947-70E740481C1C}">
                 <a14:useLocalDpi xmlns:a14="http://schemas.microsoft.com/office/drawing/2010/main" val="0"/>
@@ -12527,7 +17680,7 @@
         <p:spPr>
           <a:xfrm>
             <a:off x="1261726" y="4255025"/>
-            <a:ext cx="8688404" cy="1569660"/>
+            <a:ext cx="8329331" cy="1569660"/>
           </a:xfrm>
           <a:prstGeom prst="rect">
             <a:avLst/>
@@ -12549,7 +17702,7 @@
                   <a:srgbClr val="EF942F"/>
                 </a:solidFill>
               </a:rPr>
-              <a:t> On January 23, 2015 Revolution Analytics “joined” the Microsoft</a:t>
+              <a:t> On January 23, 2015 Revolution Analytics “joined” Microsoft</a:t>
             </a:r>
           </a:p>
           <a:p>
@@ -12582,7 +17735,7 @@
                     <a:lumOff val="35000"/>
                   </a:schemeClr>
                 </a:solidFill>
-                <a:hlinkClick r:id="rId3">
+                <a:hlinkClick r:id="rId4">
                   <a:extLst>
                     <a:ext uri="{A12FA001-AC4F-418D-AE19-62706E023703}">
                       <ahyp:hlinkClr xmlns:ahyp="http://schemas.microsoft.com/office/drawing/2018/hyperlinkcolor" val="tx"/>
@@ -12827,7 +17980,7 @@
                 </a:solidFill>
                 <a:latin typeface="Euphemia"/>
               </a:rPr>
-              <a:t>RevoScaleR</a:t>
+              <a:t>RevoscaleR</a:t>
             </a:r>
             <a:r>
               <a:rPr lang="en-US" sz="3600" b="1" kern="0" dirty="0">
@@ -12857,7 +18010,7 @@
                   </a:schemeClr>
                 </a:solidFill>
                 <a:latin typeface="Euphemia"/>
-                <a:hlinkClick r:id="rId2">
+                <a:hlinkClick r:id="rId3">
                   <a:extLst>
                     <a:ext uri="{A12FA001-AC4F-418D-AE19-62706E023703}">
                       <ahyp:hlinkClr xmlns:ahyp="http://schemas.microsoft.com/office/drawing/2018/hyperlinkcolor" val="tx"/>
@@ -12894,7 +18047,7 @@
           <p:nvPr/>
         </p:nvPicPr>
         <p:blipFill>
-          <a:blip r:embed="rId3"/>
+          <a:blip r:embed="rId4"/>
           <a:stretch>
             <a:fillRect/>
           </a:stretch>
@@ -12924,7 +18077,7 @@
           <p:nvPr/>
         </p:nvPicPr>
         <p:blipFill>
-          <a:blip r:embed="rId4"/>
+          <a:blip r:embed="rId5"/>
           <a:stretch>
             <a:fillRect/>
           </a:stretch>
@@ -13148,7 +18301,25 @@
                 </a:solidFill>
                 <a:latin typeface="Euphemia"/>
               </a:rPr>
-              <a:t>RevoScalePy</a:t>
+              <a:t>Revo</a:t>
+            </a:r>
+            <a:r>
+              <a:rPr lang="en-GB" sz="3200" b="1" kern="0" dirty="0">
+                <a:solidFill>
+                  <a:srgbClr val="EF942F"/>
+                </a:solidFill>
+                <a:latin typeface="Euphemia"/>
+              </a:rPr>
+              <a:t>s</a:t>
+            </a:r>
+            <a:r>
+              <a:rPr lang="pl-PL" sz="3200" b="1" kern="0" dirty="0">
+                <a:solidFill>
+                  <a:srgbClr val="EF942F"/>
+                </a:solidFill>
+                <a:latin typeface="Euphemia"/>
+              </a:rPr>
+              <a:t>calePy</a:t>
             </a:r>
           </a:p>
           <a:p>
@@ -13218,7 +18389,7 @@
           <p:nvPr/>
         </p:nvPicPr>
         <p:blipFill>
-          <a:blip r:embed="rId2"/>
+          <a:blip r:embed="rId3"/>
           <a:stretch>
             <a:fillRect/>
           </a:stretch>
@@ -13248,7 +18419,7 @@
           <p:nvPr/>
         </p:nvPicPr>
         <p:blipFill>
-          <a:blip r:embed="rId3"/>
+          <a:blip r:embed="rId4"/>
           <a:stretch>
             <a:fillRect/>
           </a:stretch>
@@ -13278,7 +18449,7 @@
           <p:nvPr/>
         </p:nvPicPr>
         <p:blipFill>
-          <a:blip r:embed="rId4"/>
+          <a:blip r:embed="rId5"/>
           <a:stretch>
             <a:fillRect/>
           </a:stretch>
